--- a/presentation.pptx
+++ b/presentation.pptx
@@ -6,7 +6,7 @@
     <p:sldMasterId id="2147483659" r:id="rId2"/>
   </p:sldMasterIdLst>
   <p:notesMasterIdLst>
-    <p:notesMasterId r:id="rId21"/>
+    <p:notesMasterId r:id="rId19"/>
   </p:notesMasterIdLst>
   <p:sldIdLst>
     <p:sldId id="256" r:id="rId3"/>
@@ -22,28 +22,31 @@
     <p:sldId id="275" r:id="rId13"/>
     <p:sldId id="276" r:id="rId14"/>
     <p:sldId id="277" r:id="rId15"/>
-    <p:sldId id="278" r:id="rId16"/>
-    <p:sldId id="279" r:id="rId17"/>
-    <p:sldId id="280" r:id="rId18"/>
-    <p:sldId id="281" r:id="rId19"/>
-    <p:sldId id="282" r:id="rId20"/>
+    <p:sldId id="281" r:id="rId16"/>
+    <p:sldId id="283" r:id="rId17"/>
+    <p:sldId id="282" r:id="rId18"/>
   </p:sldIdLst>
   <p:sldSz cx="9144000" cy="5143500" type="screen16x9"/>
   <p:notesSz cx="6858000" cy="9144000"/>
   <p:embeddedFontLst>
     <p:embeddedFont>
-      <p:font typeface="Fira Sans Extra Condensed" panose="020B0604020202020204" charset="0"/>
-      <p:regular r:id="rId22"/>
-      <p:bold r:id="rId23"/>
-      <p:italic r:id="rId24"/>
-      <p:boldItalic r:id="rId25"/>
+      <p:font typeface="Calibri" panose="020F0502020204030204" pitchFamily="34" charset="0"/>
+      <p:regular r:id="rId20"/>
+      <p:bold r:id="rId21"/>
+      <p:italic r:id="rId22"/>
+      <p:boldItalic r:id="rId23"/>
     </p:embeddedFont>
     <p:embeddedFont>
-      <p:font typeface="Calibri" panose="020F0502020204030204" pitchFamily="34" charset="0"/>
-      <p:regular r:id="rId26"/>
-      <p:bold r:id="rId27"/>
-      <p:italic r:id="rId28"/>
-      <p:boldItalic r:id="rId29"/>
+      <p:font typeface="Roboto" panose="020B0604020202020204" charset="0"/>
+      <p:regular r:id="rId24"/>
+      <p:bold r:id="rId25"/>
+      <p:italic r:id="rId26"/>
+      <p:boldItalic r:id="rId27"/>
+    </p:embeddedFont>
+    <p:embeddedFont>
+      <p:font typeface="Gill Sans" panose="020B0604020202020204" charset="0"/>
+      <p:regular r:id="rId28"/>
+      <p:bold r:id="rId29"/>
     </p:embeddedFont>
     <p:embeddedFont>
       <p:font typeface="Fira Sans Extra Condensed SemiBold" panose="020B0604020202020204" charset="0"/>
@@ -53,16 +56,11 @@
       <p:boldItalic r:id="rId33"/>
     </p:embeddedFont>
     <p:embeddedFont>
-      <p:font typeface="Roboto" panose="020B0604020202020204" charset="0"/>
+      <p:font typeface="Fira Sans Extra Condensed" panose="020B0604020202020204" charset="0"/>
       <p:regular r:id="rId34"/>
       <p:bold r:id="rId35"/>
       <p:italic r:id="rId36"/>
       <p:boldItalic r:id="rId37"/>
-    </p:embeddedFont>
-    <p:embeddedFont>
-      <p:font typeface="Gill Sans" panose="020B0604020202020204" charset="0"/>
-      <p:regular r:id="rId38"/>
-      <p:bold r:id="rId39"/>
     </p:embeddedFont>
   </p:embeddedFontLst>
   <p:defaultTextStyle>
@@ -310,7 +308,7 @@
       </p15:sldGuideLst>
     </p:ext>
     <p:ext uri="GoogleSlidesCustomDataVersion2">
-      <go:slidesCustomData xmlns:go="http://customooxmlschemas.google.com/" xmlns:ahyp="http://schemas.microsoft.com/office/drawing/2018/hyperlinkcolor" xmlns:p15="http://schemas.microsoft.com/office/powerpoint/2012/main" xmlns:p14="http://schemas.microsoft.com/office/powerpoint/2010/main" xmlns:com="http://schemas.openxmlformats.org/drawingml/2006/compatibility" xmlns:pvml="urn:schemas-microsoft-com:office:powerpoint" xmlns:v="urn:schemas-microsoft-com:vml" xmlns:o="urn:schemas-microsoft-com:office:office" xmlns:dgm="http://schemas.openxmlformats.org/drawingml/2006/diagram" xmlns:c="http://schemas.openxmlformats.org/drawingml/2006/chart" xmlns:mv="urn:schemas-microsoft-com:mac:vml" xmlns:mc="http://schemas.openxmlformats.org/markup-compatibility/2006" xmlns="" r:id="rId48" roundtripDataSignature="AMtx7mhnPMemRDOEyu9UVr23t9W7FD6Mzg=="/>
+      <go:slidesCustomData xmlns="" xmlns:mc="http://schemas.openxmlformats.org/markup-compatibility/2006" xmlns:mv="urn:schemas-microsoft-com:mac:vml" xmlns:c="http://schemas.openxmlformats.org/drawingml/2006/chart" xmlns:dgm="http://schemas.openxmlformats.org/drawingml/2006/diagram" xmlns:o="urn:schemas-microsoft-com:office:office" xmlns:v="urn:schemas-microsoft-com:vml" xmlns:pvml="urn:schemas-microsoft-com:office:powerpoint" xmlns:com="http://schemas.openxmlformats.org/drawingml/2006/compatibility" xmlns:p14="http://schemas.microsoft.com/office/powerpoint/2010/main" xmlns:p15="http://schemas.microsoft.com/office/powerpoint/2012/main" xmlns:ahyp="http://schemas.microsoft.com/office/drawing/2018/hyperlinkcolor" xmlns:go="http://customooxmlschemas.google.com/" r:id="rId48" roundtripDataSignature="AMtx7mhnPMemRDOEyu9UVr23t9W7FD6Mzg=="/>
     </p:ext>
   </p:extLst>
 </p:presentation>
@@ -1389,341 +1387,6 @@
   <p:cSld>
     <p:spTree>
       <p:nvGrpSpPr>
-        <p:cNvPr id="1" name="Shape 790"/>
-        <p:cNvGrpSpPr/>
-        <p:nvPr/>
-      </p:nvGrpSpPr>
-      <p:grpSpPr>
-        <a:xfrm>
-          <a:off x="0" y="0"/>
-          <a:ext cx="0" cy="0"/>
-          <a:chOff x="0" y="0"/>
-          <a:chExt cx="0" cy="0"/>
-        </a:xfrm>
-      </p:grpSpPr>
-      <p:sp>
-        <p:nvSpPr>
-          <p:cNvPr id="791" name="Google Shape;791;p41:notes"/>
-          <p:cNvSpPr>
-            <a:spLocks noGrp="1" noRot="1" noChangeAspect="1"/>
-          </p:cNvSpPr>
-          <p:nvPr>
-            <p:ph type="sldImg" idx="2"/>
-          </p:nvPr>
-        </p:nvSpPr>
-        <p:spPr>
-          <a:xfrm>
-            <a:off x="381000" y="685800"/>
-            <a:ext cx="6096000" cy="3429000"/>
-          </a:xfrm>
-          <a:custGeom>
-            <a:avLst/>
-            <a:gdLst/>
-            <a:ahLst/>
-            <a:cxnLst/>
-            <a:rect l="l" t="t" r="r" b="b"/>
-            <a:pathLst>
-              <a:path w="120000" h="120000" extrusionOk="0">
-                <a:moveTo>
-                  <a:pt x="0" y="0"/>
-                </a:moveTo>
-                <a:lnTo>
-                  <a:pt x="120000" y="0"/>
-                </a:lnTo>
-                <a:lnTo>
-                  <a:pt x="120000" y="120000"/>
-                </a:lnTo>
-                <a:lnTo>
-                  <a:pt x="0" y="120000"/>
-                </a:lnTo>
-                <a:close/>
-              </a:path>
-            </a:pathLst>
-          </a:custGeom>
-          <a:noFill/>
-          <a:ln>
-            <a:noFill/>
-          </a:ln>
-        </p:spPr>
-      </p:sp>
-      <p:sp>
-        <p:nvSpPr>
-          <p:cNvPr id="792" name="Google Shape;792;p41:notes"/>
-          <p:cNvSpPr txBox="1">
-            <a:spLocks noGrp="1"/>
-          </p:cNvSpPr>
-          <p:nvPr>
-            <p:ph type="body" idx="1"/>
-          </p:nvPr>
-        </p:nvSpPr>
-        <p:spPr>
-          <a:xfrm>
-            <a:off x="685800" y="4343400"/>
-            <a:ext cx="5486400" cy="4114800"/>
-          </a:xfrm>
-          <a:prstGeom prst="rect">
-            <a:avLst/>
-          </a:prstGeom>
-          <a:noFill/>
-          <a:ln>
-            <a:noFill/>
-          </a:ln>
-        </p:spPr>
-        <p:txBody>
-          <a:bodyPr spcFirstLastPara="1" wrap="square" lIns="91425" tIns="91425" rIns="91425" bIns="91425" anchor="t" anchorCtr="0">
-            <a:noAutofit/>
-          </a:bodyPr>
-          <a:lstStyle/>
-          <a:p>
-            <a:pPr marL="0" lvl="0" indent="0" algn="l" rtl="0">
-              <a:spcBef>
-                <a:spcPts val="0"/>
-              </a:spcBef>
-              <a:spcAft>
-                <a:spcPts val="0"/>
-              </a:spcAft>
-              <a:buNone/>
-            </a:pPr>
-            <a:endParaRPr/>
-          </a:p>
-        </p:txBody>
-      </p:sp>
-    </p:spTree>
-    <p:extLst>
-      <p:ext uri="{BB962C8B-B14F-4D97-AF65-F5344CB8AC3E}">
-        <p14:creationId xmlns:p14="http://schemas.microsoft.com/office/powerpoint/2010/main" val="1810163821"/>
-      </p:ext>
-    </p:extLst>
-  </p:cSld>
-  <p:clrMapOvr>
-    <a:masterClrMapping/>
-  </p:clrMapOvr>
-</p:notes>
-</file>
-
-<file path=ppt/notesSlides/notesSlide15.xml><?xml version="1.0" encoding="utf-8"?>
-<p:notes xmlns:a="http://schemas.openxmlformats.org/drawingml/2006/main" xmlns:r="http://schemas.openxmlformats.org/officeDocument/2006/relationships" xmlns:p="http://schemas.openxmlformats.org/presentationml/2006/main" showMasterSp="0" showMasterPhAnim="0">
-  <p:cSld>
-    <p:spTree>
-      <p:nvGrpSpPr>
-        <p:cNvPr id="1" name="Shape 869"/>
-        <p:cNvGrpSpPr/>
-        <p:nvPr/>
-      </p:nvGrpSpPr>
-      <p:grpSpPr>
-        <a:xfrm>
-          <a:off x="0" y="0"/>
-          <a:ext cx="0" cy="0"/>
-          <a:chOff x="0" y="0"/>
-          <a:chExt cx="0" cy="0"/>
-        </a:xfrm>
-      </p:grpSpPr>
-      <p:sp>
-        <p:nvSpPr>
-          <p:cNvPr id="870" name="Google Shape;870;p43:notes"/>
-          <p:cNvSpPr txBox="1">
-            <a:spLocks noGrp="1"/>
-          </p:cNvSpPr>
-          <p:nvPr>
-            <p:ph type="body" idx="1"/>
-          </p:nvPr>
-        </p:nvSpPr>
-        <p:spPr>
-          <a:xfrm>
-            <a:off x="685800" y="4343400"/>
-            <a:ext cx="5486400" cy="4114800"/>
-          </a:xfrm>
-          <a:prstGeom prst="rect">
-            <a:avLst/>
-          </a:prstGeom>
-        </p:spPr>
-        <p:txBody>
-          <a:bodyPr spcFirstLastPara="1" wrap="square" lIns="91425" tIns="91425" rIns="91425" bIns="91425" anchor="t" anchorCtr="0">
-            <a:noAutofit/>
-          </a:bodyPr>
-          <a:lstStyle/>
-          <a:p>
-            <a:pPr marL="0" lvl="0" indent="0" algn="l" rtl="0">
-              <a:spcBef>
-                <a:spcPts val="0"/>
-              </a:spcBef>
-              <a:spcAft>
-                <a:spcPts val="0"/>
-              </a:spcAft>
-              <a:buNone/>
-            </a:pPr>
-            <a:endParaRPr/>
-          </a:p>
-        </p:txBody>
-      </p:sp>
-      <p:sp>
-        <p:nvSpPr>
-          <p:cNvPr id="871" name="Google Shape;871;p43:notes"/>
-          <p:cNvSpPr>
-            <a:spLocks noGrp="1" noRot="1" noChangeAspect="1"/>
-          </p:cNvSpPr>
-          <p:nvPr>
-            <p:ph type="sldImg" idx="2"/>
-          </p:nvPr>
-        </p:nvSpPr>
-        <p:spPr>
-          <a:xfrm>
-            <a:off x="381000" y="685800"/>
-            <a:ext cx="6096000" cy="3429000"/>
-          </a:xfrm>
-          <a:custGeom>
-            <a:avLst/>
-            <a:gdLst/>
-            <a:ahLst/>
-            <a:cxnLst/>
-            <a:rect l="l" t="t" r="r" b="b"/>
-            <a:pathLst>
-              <a:path w="120000" h="120000" extrusionOk="0">
-                <a:moveTo>
-                  <a:pt x="0" y="0"/>
-                </a:moveTo>
-                <a:lnTo>
-                  <a:pt x="120000" y="0"/>
-                </a:lnTo>
-                <a:lnTo>
-                  <a:pt x="120000" y="120000"/>
-                </a:lnTo>
-                <a:lnTo>
-                  <a:pt x="0" y="120000"/>
-                </a:lnTo>
-                <a:close/>
-              </a:path>
-            </a:pathLst>
-          </a:custGeom>
-        </p:spPr>
-      </p:sp>
-    </p:spTree>
-    <p:extLst>
-      <p:ext uri="{BB962C8B-B14F-4D97-AF65-F5344CB8AC3E}">
-        <p14:creationId xmlns:p14="http://schemas.microsoft.com/office/powerpoint/2010/main" val="3600887926"/>
-      </p:ext>
-    </p:extLst>
-  </p:cSld>
-  <p:clrMapOvr>
-    <a:masterClrMapping/>
-  </p:clrMapOvr>
-</p:notes>
-</file>
-
-<file path=ppt/notesSlides/notesSlide16.xml><?xml version="1.0" encoding="utf-8"?>
-<p:notes xmlns:a="http://schemas.openxmlformats.org/drawingml/2006/main" xmlns:r="http://schemas.openxmlformats.org/officeDocument/2006/relationships" xmlns:p="http://schemas.openxmlformats.org/presentationml/2006/main" showMasterSp="0" showMasterPhAnim="0">
-  <p:cSld>
-    <p:spTree>
-      <p:nvGrpSpPr>
-        <p:cNvPr id="1" name="Shape 889"/>
-        <p:cNvGrpSpPr/>
-        <p:nvPr/>
-      </p:nvGrpSpPr>
-      <p:grpSpPr>
-        <a:xfrm>
-          <a:off x="0" y="0"/>
-          <a:ext cx="0" cy="0"/>
-          <a:chOff x="0" y="0"/>
-          <a:chExt cx="0" cy="0"/>
-        </a:xfrm>
-      </p:grpSpPr>
-      <p:sp>
-        <p:nvSpPr>
-          <p:cNvPr id="890" name="Google Shape;890;p46:notes"/>
-          <p:cNvSpPr txBox="1">
-            <a:spLocks noGrp="1"/>
-          </p:cNvSpPr>
-          <p:nvPr>
-            <p:ph type="body" idx="1"/>
-          </p:nvPr>
-        </p:nvSpPr>
-        <p:spPr>
-          <a:xfrm>
-            <a:off x="685800" y="4343400"/>
-            <a:ext cx="5486400" cy="4114800"/>
-          </a:xfrm>
-          <a:prstGeom prst="rect">
-            <a:avLst/>
-          </a:prstGeom>
-        </p:spPr>
-        <p:txBody>
-          <a:bodyPr spcFirstLastPara="1" wrap="square" lIns="91425" tIns="91425" rIns="91425" bIns="91425" anchor="t" anchorCtr="0">
-            <a:noAutofit/>
-          </a:bodyPr>
-          <a:lstStyle/>
-          <a:p>
-            <a:pPr marL="0" lvl="0" indent="0" algn="l" rtl="0">
-              <a:spcBef>
-                <a:spcPts val="0"/>
-              </a:spcBef>
-              <a:spcAft>
-                <a:spcPts val="0"/>
-              </a:spcAft>
-              <a:buNone/>
-            </a:pPr>
-            <a:endParaRPr/>
-          </a:p>
-        </p:txBody>
-      </p:sp>
-      <p:sp>
-        <p:nvSpPr>
-          <p:cNvPr id="891" name="Google Shape;891;p46:notes"/>
-          <p:cNvSpPr>
-            <a:spLocks noGrp="1" noRot="1" noChangeAspect="1"/>
-          </p:cNvSpPr>
-          <p:nvPr>
-            <p:ph type="sldImg" idx="2"/>
-          </p:nvPr>
-        </p:nvSpPr>
-        <p:spPr>
-          <a:xfrm>
-            <a:off x="381000" y="685800"/>
-            <a:ext cx="6096000" cy="3429000"/>
-          </a:xfrm>
-          <a:custGeom>
-            <a:avLst/>
-            <a:gdLst/>
-            <a:ahLst/>
-            <a:cxnLst/>
-            <a:rect l="l" t="t" r="r" b="b"/>
-            <a:pathLst>
-              <a:path w="120000" h="120000" extrusionOk="0">
-                <a:moveTo>
-                  <a:pt x="0" y="0"/>
-                </a:moveTo>
-                <a:lnTo>
-                  <a:pt x="120000" y="0"/>
-                </a:lnTo>
-                <a:lnTo>
-                  <a:pt x="120000" y="120000"/>
-                </a:lnTo>
-                <a:lnTo>
-                  <a:pt x="0" y="120000"/>
-                </a:lnTo>
-                <a:close/>
-              </a:path>
-            </a:pathLst>
-          </a:custGeom>
-        </p:spPr>
-      </p:sp>
-    </p:spTree>
-    <p:extLst>
-      <p:ext uri="{BB962C8B-B14F-4D97-AF65-F5344CB8AC3E}">
-        <p14:creationId xmlns:p14="http://schemas.microsoft.com/office/powerpoint/2010/main" val="2093115115"/>
-      </p:ext>
-    </p:extLst>
-  </p:cSld>
-  <p:clrMapOvr>
-    <a:masterClrMapping/>
-  </p:clrMapOvr>
-</p:notes>
-</file>
-
-<file path=ppt/notesSlides/notesSlide17.xml><?xml version="1.0" encoding="utf-8"?>
-<p:notes xmlns:a="http://schemas.openxmlformats.org/drawingml/2006/main" xmlns:r="http://schemas.openxmlformats.org/officeDocument/2006/relationships" xmlns:p="http://schemas.openxmlformats.org/presentationml/2006/main" showMasterSp="0" showMasterPhAnim="0">
-  <p:cSld>
-    <p:spTree>
-      <p:nvGrpSpPr>
         <p:cNvPr id="1" name="Shape 897"/>
         <p:cNvGrpSpPr/>
         <p:nvPr/>
@@ -1828,7 +1491,116 @@
 </p:notes>
 </file>
 
-<file path=ppt/notesSlides/notesSlide18.xml><?xml version="1.0" encoding="utf-8"?>
+<file path=ppt/notesSlides/notesSlide15.xml><?xml version="1.0" encoding="utf-8"?>
+<p:notes xmlns:a="http://schemas.openxmlformats.org/drawingml/2006/main" xmlns:r="http://schemas.openxmlformats.org/officeDocument/2006/relationships" xmlns:p="http://schemas.openxmlformats.org/presentationml/2006/main" showMasterSp="0" showMasterPhAnim="0">
+  <p:cSld>
+    <p:spTree>
+      <p:nvGrpSpPr>
+        <p:cNvPr id="1" name="Shape 897"/>
+        <p:cNvGrpSpPr/>
+        <p:nvPr/>
+      </p:nvGrpSpPr>
+      <p:grpSpPr>
+        <a:xfrm>
+          <a:off x="0" y="0"/>
+          <a:ext cx="0" cy="0"/>
+          <a:chOff x="0" y="0"/>
+          <a:chExt cx="0" cy="0"/>
+        </a:xfrm>
+      </p:grpSpPr>
+      <p:sp>
+        <p:nvSpPr>
+          <p:cNvPr id="898" name="Google Shape;898;p52:notes"/>
+          <p:cNvSpPr txBox="1">
+            <a:spLocks noGrp="1"/>
+          </p:cNvSpPr>
+          <p:nvPr>
+            <p:ph type="body" idx="1"/>
+          </p:nvPr>
+        </p:nvSpPr>
+        <p:spPr>
+          <a:xfrm>
+            <a:off x="685800" y="4343400"/>
+            <a:ext cx="5486400" cy="4114800"/>
+          </a:xfrm>
+          <a:prstGeom prst="rect">
+            <a:avLst/>
+          </a:prstGeom>
+        </p:spPr>
+        <p:txBody>
+          <a:bodyPr spcFirstLastPara="1" wrap="square" lIns="91425" tIns="91425" rIns="91425" bIns="91425" anchor="t" anchorCtr="0">
+            <a:noAutofit/>
+          </a:bodyPr>
+          <a:lstStyle/>
+          <a:p>
+            <a:pPr marL="0" lvl="0" indent="0" algn="l" rtl="0">
+              <a:spcBef>
+                <a:spcPts val="0"/>
+              </a:spcBef>
+              <a:spcAft>
+                <a:spcPts val="0"/>
+              </a:spcAft>
+              <a:buNone/>
+            </a:pPr>
+            <a:endParaRPr/>
+          </a:p>
+        </p:txBody>
+      </p:sp>
+      <p:sp>
+        <p:nvSpPr>
+          <p:cNvPr id="899" name="Google Shape;899;p52:notes"/>
+          <p:cNvSpPr>
+            <a:spLocks noGrp="1" noRot="1" noChangeAspect="1"/>
+          </p:cNvSpPr>
+          <p:nvPr>
+            <p:ph type="sldImg" idx="2"/>
+          </p:nvPr>
+        </p:nvSpPr>
+        <p:spPr>
+          <a:xfrm>
+            <a:off x="381000" y="685800"/>
+            <a:ext cx="6096000" cy="3429000"/>
+          </a:xfrm>
+          <a:custGeom>
+            <a:avLst/>
+            <a:gdLst/>
+            <a:ahLst/>
+            <a:cxnLst/>
+            <a:rect l="l" t="t" r="r" b="b"/>
+            <a:pathLst>
+              <a:path w="120000" h="120000" extrusionOk="0">
+                <a:moveTo>
+                  <a:pt x="0" y="0"/>
+                </a:moveTo>
+                <a:lnTo>
+                  <a:pt x="120000" y="0"/>
+                </a:lnTo>
+                <a:lnTo>
+                  <a:pt x="120000" y="120000"/>
+                </a:lnTo>
+                <a:lnTo>
+                  <a:pt x="0" y="120000"/>
+                </a:lnTo>
+                <a:close/>
+              </a:path>
+            </a:pathLst>
+          </a:custGeom>
+        </p:spPr>
+      </p:sp>
+    </p:spTree>
+    <p:extLst>
+      <p:ext uri="{BB962C8B-B14F-4D97-AF65-F5344CB8AC3E}">
+        <p14:creationId xmlns:p14="http://schemas.microsoft.com/office/powerpoint/2010/main" val="2706493938"/>
+      </p:ext>
+    </p:extLst>
+  </p:cSld>
+  <p:clrMapOvr>
+    <a:masterClrMapping/>
+  </p:clrMapOvr>
+</p:notes>
+</file>
+
+<file path=ppt/notesSlides/notesSlide16.xml><?xml version="1.0" encoding="utf-8"?>
 <p:notes xmlns:a="http://schemas.openxmlformats.org/drawingml/2006/main" xmlns:r="http://schemas.openxmlformats.org/officeDocument/2006/relationships" xmlns:p="http://schemas.openxmlformats.org/presentationml/2006/main" showMasterSp="0" showMasterPhAnim="0">
   <p:cSld>
     <p:spTree>
@@ -9975,7 +9747,7 @@
         </p:nvSpPr>
         <p:spPr>
           <a:xfrm>
-            <a:off x="1618563" y="1779553"/>
+            <a:off x="586412" y="1710470"/>
             <a:ext cx="7296300" cy="553968"/>
           </a:xfrm>
           <a:prstGeom prst="rect">
@@ -9992,7 +9764,7 @@
           </a:bodyPr>
           <a:lstStyle/>
           <a:p>
-            <a:pPr lvl="0"/>
+            <a:pPr lvl="0" algn="ctr"/>
             <a:r>
               <a:rPr lang="fr-FR" sz="2400" dirty="0"/>
               <a:t>Système </a:t>
@@ -10268,39 +10040,12 @@
       </p:grpSpPr>
       <p:pic>
         <p:nvPicPr>
-          <p:cNvPr id="690" name="Google Shape;690;p34"/>
+          <p:cNvPr id="691" name="Google Shape;691;p34" descr="C:\Users\Omar\Desktop\Mouh\loadinfo.net-(1).png"/>
           <p:cNvPicPr preferRelativeResize="0"/>
           <p:nvPr/>
         </p:nvPicPr>
         <p:blipFill rotWithShape="1">
           <a:blip r:embed="rId3">
-            <a:alphaModFix/>
-          </a:blip>
-          <a:srcRect/>
-          <a:stretch/>
-        </p:blipFill>
-        <p:spPr>
-          <a:xfrm>
-            <a:off x="922337" y="0"/>
-            <a:ext cx="7158037" cy="5143500"/>
-          </a:xfrm>
-          <a:prstGeom prst="rect">
-            <a:avLst/>
-          </a:prstGeom>
-          <a:noFill/>
-          <a:ln>
-            <a:noFill/>
-          </a:ln>
-        </p:spPr>
-      </p:pic>
-      <p:pic>
-        <p:nvPicPr>
-          <p:cNvPr id="691" name="Google Shape;691;p34" descr="C:\Users\Omar\Desktop\Mouh\loadinfo.net-(1).png"/>
-          <p:cNvPicPr preferRelativeResize="0"/>
-          <p:nvPr/>
-        </p:nvPicPr>
-        <p:blipFill rotWithShape="1">
-          <a:blip r:embed="rId4">
             <a:alphaModFix/>
           </a:blip>
           <a:srcRect/>
@@ -10446,7 +10191,7 @@
               <a:buNone/>
             </a:pPr>
             <a:r>
-              <a:rPr lang="fr-FR" sz="3200" b="1" i="0" u="none">
+              <a:rPr lang="fr-FR" sz="3200" b="1" i="0" u="none" dirty="0">
                 <a:solidFill>
                   <a:srgbClr val="000000"/>
                 </a:solidFill>
@@ -10457,7 +10202,7 @@
               </a:rPr>
               <a:t>Mobile Application Part</a:t>
             </a:r>
-            <a:endParaRPr/>
+            <a:endParaRPr dirty="0"/>
           </a:p>
         </p:txBody>
       </p:sp>
@@ -16725,7 +16470,7 @@
               <a:buNone/>
             </a:pPr>
             <a:r>
-              <a:rPr lang="fr-FR" sz="2400" b="1" i="0" u="none">
+              <a:rPr lang="" sz="2400" b="1" i="0" u="none" dirty="0" smtClean="0">
                 <a:solidFill>
                   <a:srgbClr val="000000"/>
                 </a:solidFill>
@@ -16734,9 +16479,9 @@
                 <a:cs typeface="Fira Sans Extra Condensed"/>
                 <a:sym typeface="Fira Sans Extra Condensed"/>
               </a:rPr>
-              <a:t>Tools</a:t>
+              <a:t>Outils</a:t>
             </a:r>
-            <a:endParaRPr/>
+            <a:endParaRPr dirty="0"/>
           </a:p>
         </p:txBody>
       </p:sp>
@@ -17076,7 +16821,7 @@
         <p:spPr>
           <a:xfrm>
             <a:off x="4603750" y="341312"/>
-            <a:ext cx="4010025" cy="522287"/>
+            <a:ext cx="4010025" cy="523180"/>
           </a:xfrm>
           <a:prstGeom prst="rect">
             <a:avLst/>
@@ -17110,18 +16855,13 @@
               <a:buNone/>
             </a:pPr>
             <a:r>
-              <a:rPr lang="fr-FR" sz="2800" b="1" i="0" u="none">
-                <a:solidFill>
-                  <a:srgbClr val="000000"/>
-                </a:solidFill>
+              <a:rPr lang="" sz="2800" b="1" dirty="0" smtClean="0">
                 <a:latin typeface="Fira Sans Extra Condensed"/>
-                <a:ea typeface="Fira Sans Extra Condensed"/>
-                <a:cs typeface="Fira Sans Extra Condensed"/>
                 <a:sym typeface="Fira Sans Extra Condensed"/>
               </a:rPr>
-              <a:t>3inek 3la Weldek</a:t>
+              <a:t>Etudiant</a:t>
             </a:r>
-            <a:endParaRPr/>
+            <a:endParaRPr dirty="0"/>
           </a:p>
         </p:txBody>
       </p:sp>
@@ -17160,8 +16900,8 @@
         </p:nvSpPr>
         <p:spPr>
           <a:xfrm>
-            <a:off x="-101750" y="4497375"/>
-            <a:ext cx="7663200" cy="1169700"/>
+            <a:off x="1543309" y="4535430"/>
+            <a:ext cx="4406382" cy="877133"/>
           </a:xfrm>
           <a:prstGeom prst="rect">
             <a:avLst/>
@@ -17177,84 +16917,12 @@
           </a:bodyPr>
           <a:lstStyle/>
           <a:p>
-            <a:pPr marL="0" lvl="0" indent="0" algn="ctr" rtl="0">
-              <a:spcBef>
-                <a:spcPts val="0"/>
-              </a:spcBef>
-              <a:spcAft>
-                <a:spcPts val="0"/>
-              </a:spcAft>
-              <a:buNone/>
-            </a:pPr>
+            <a:pPr lvl="0" algn="ctr"/>
             <a:r>
-              <a:rPr lang="fr-FR" sz="1500" b="1">
-                <a:solidFill>
-                  <a:schemeClr val="dk1"/>
-                </a:solidFill>
-                <a:latin typeface="Fira Sans Extra Condensed"/>
-                <a:ea typeface="Fira Sans Extra Condensed"/>
-                <a:cs typeface="Fira Sans Extra Condensed"/>
-                <a:sym typeface="Fira Sans Extra Condensed"/>
-              </a:rPr>
-              <a:t>Alert of  Students Absences and Attendance,Alert of</a:t>
+              <a:rPr lang="fr-FR" sz="1100" dirty="0"/>
+              <a:t>Alerte sur les absences et la présence des élèves, alerte sur les absences des enseignants, notification des résultats et des dates des examens.</a:t>
             </a:r>
-            <a:endParaRPr sz="1100">
-              <a:solidFill>
-                <a:schemeClr val="dk1"/>
-              </a:solidFill>
-            </a:endParaRPr>
-          </a:p>
-          <a:p>
-            <a:pPr marL="0" lvl="0" indent="0" algn="ctr" rtl="0">
-              <a:spcBef>
-                <a:spcPts val="0"/>
-              </a:spcBef>
-              <a:spcAft>
-                <a:spcPts val="0"/>
-              </a:spcAft>
-              <a:buNone/>
-            </a:pPr>
-            <a:r>
-              <a:rPr lang="fr-FR" sz="1500" b="1">
-                <a:solidFill>
-                  <a:schemeClr val="dk1"/>
-                </a:solidFill>
-                <a:latin typeface="Fira Sans Extra Condensed"/>
-                <a:ea typeface="Fira Sans Extra Condensed"/>
-                <a:cs typeface="Fira Sans Extra Condensed"/>
-                <a:sym typeface="Fira Sans Extra Condensed"/>
-              </a:rPr>
-              <a:t> Teachers Absences,</a:t>
-            </a:r>
-            <a:r>
-              <a:rPr lang="fr-FR" sz="1600" b="1">
-                <a:solidFill>
-                  <a:schemeClr val="dk1"/>
-                </a:solidFill>
-                <a:latin typeface="Fira Sans Extra Condensed"/>
-                <a:ea typeface="Fira Sans Extra Condensed"/>
-                <a:cs typeface="Fira Sans Extra Condensed"/>
-                <a:sym typeface="Fira Sans Extra Condensed"/>
-              </a:rPr>
-              <a:t>Notification of Exam Results and Dates</a:t>
-            </a:r>
-            <a:endParaRPr sz="1200">
-              <a:solidFill>
-                <a:schemeClr val="dk1"/>
-              </a:solidFill>
-            </a:endParaRPr>
-          </a:p>
-          <a:p>
-            <a:pPr marL="0" lvl="0" indent="0" algn="ctr" rtl="0">
-              <a:spcBef>
-                <a:spcPts val="0"/>
-              </a:spcBef>
-              <a:spcAft>
-                <a:spcPts val="0"/>
-              </a:spcAft>
-              <a:buNone/>
-            </a:pPr>
-            <a:endParaRPr sz="1500" b="1">
+            <a:endParaRPr sz="1100" b="1" dirty="0">
               <a:solidFill>
                 <a:schemeClr val="dk1"/>
               </a:solidFill>
@@ -17275,7 +16943,7 @@
               <a:buNone/>
             </a:pPr>
             <a:r>
-              <a:rPr lang="fr-FR" sz="1800" b="1">
+              <a:rPr lang="fr-FR" sz="1200" b="1" dirty="0">
                 <a:solidFill>
                   <a:schemeClr val="dk1"/>
                 </a:solidFill>
@@ -17286,7 +16954,7 @@
               </a:rPr>
               <a:t> </a:t>
             </a:r>
-            <a:endParaRPr/>
+            <a:endParaRPr sz="1050" dirty="0"/>
           </a:p>
         </p:txBody>
       </p:sp>
@@ -17299,7 +16967,7 @@
         <p:spPr>
           <a:xfrm>
             <a:off x="85576" y="1742325"/>
-            <a:ext cx="5955300" cy="769500"/>
+            <a:ext cx="5955300" cy="615523"/>
           </a:xfrm>
           <a:prstGeom prst="rect">
             <a:avLst/>
@@ -17315,28 +16983,14 @@
           </a:bodyPr>
           <a:lstStyle/>
           <a:p>
-            <a:pPr marL="0" lvl="0" indent="0" algn="l" rtl="0">
-              <a:spcBef>
-                <a:spcPts val="0"/>
-              </a:spcBef>
-              <a:spcAft>
-                <a:spcPts val="0"/>
-              </a:spcAft>
-              <a:buNone/>
-            </a:pPr>
             <a:r>
-              <a:rPr lang="fr-FR" sz="1900" b="1">
-                <a:solidFill>
-                  <a:schemeClr val="dk1"/>
-                </a:solidFill>
-                <a:latin typeface="Gill Sans"/>
-                <a:ea typeface="Gill Sans"/>
-                <a:cs typeface="Gill Sans"/>
-                <a:sym typeface="Gill Sans"/>
-              </a:rPr>
-              <a:t>supervising child’s absences and attendance at school plus Alerting parent about upcoming exams</a:t>
+              <a:rPr lang="fr-FR" dirty="0" smtClean="0"/>
+              <a:t>Supervision </a:t>
             </a:r>
-            <a:endParaRPr sz="900" b="1"/>
+            <a:r>
+              <a:rPr lang="fr-FR" dirty="0"/>
+              <a:t>des absences et de la présence d’un enfant à l’école, ainsi qu’alerte aux parents concernant les examens à venir.</a:t>
+            </a:r>
           </a:p>
         </p:txBody>
       </p:sp>
@@ -17427,8 +17081,8 @@
         </p:nvSpPr>
         <p:spPr>
           <a:xfrm>
-            <a:off x="523875" y="1828800"/>
-            <a:ext cx="4876800" cy="1938337"/>
+            <a:off x="494506" y="1232069"/>
+            <a:ext cx="4876800" cy="2246729"/>
           </a:xfrm>
           <a:prstGeom prst="rect">
             <a:avLst/>
@@ -17444,68 +17098,21 @@
           </a:bodyPr>
           <a:lstStyle/>
           <a:p>
-            <a:pPr marL="0" marR="0" lvl="0" indent="0" algn="l" rtl="0">
-              <a:lnSpc>
-                <a:spcPct val="100000"/>
-              </a:lnSpc>
-              <a:spcBef>
-                <a:spcPts val="0"/>
-              </a:spcBef>
-              <a:spcAft>
-                <a:spcPts val="0"/>
-              </a:spcAft>
-              <a:buClr>
-                <a:srgbClr val="000000"/>
-              </a:buClr>
+            <a:pPr lvl="0">
               <a:buSzPts val="2000"/>
-              <a:buFont typeface="Gill Sans"/>
-              <a:buNone/>
             </a:pPr>
             <a:r>
-              <a:rPr lang="fr-FR" sz="2000" b="0" i="0" u="none">
-                <a:solidFill>
-                  <a:srgbClr val="000000"/>
-                </a:solidFill>
-                <a:latin typeface="Gill Sans"/>
-                <a:ea typeface="Gill Sans"/>
-                <a:cs typeface="Gill Sans"/>
-                <a:sym typeface="Gill Sans"/>
-              </a:rPr>
-              <a:t>We also see here that the father was alerted by the application that his son was absent at such and such time on such and such day </a:t>
+              <a:rPr lang="fr-FR" sz="2000" dirty="0"/>
+              <a:t>Nous voyons également ici que le père a été alerté par l'application de l'absence de son fils à telle heure, tel jour.</a:t>
             </a:r>
-            <a:endParaRPr/>
-          </a:p>
-          <a:p>
-            <a:pPr marL="0" marR="0" lvl="0" indent="0" algn="l" rtl="0">
-              <a:lnSpc>
-                <a:spcPct val="100000"/>
-              </a:lnSpc>
-              <a:spcBef>
-                <a:spcPts val="0"/>
-              </a:spcBef>
-              <a:spcAft>
-                <a:spcPts val="0"/>
-              </a:spcAft>
-              <a:buClr>
-                <a:srgbClr val="000000"/>
-              </a:buClr>
-              <a:buSzPts val="2000"/>
-              <a:buFont typeface="Gill Sans"/>
-              <a:buNone/>
-            </a:pPr>
+            <a:br>
+              <a:rPr lang="fr-FR" sz="2000" dirty="0"/>
+            </a:br>
             <a:r>
-              <a:rPr lang="fr-FR" sz="2000" b="0" i="0" u="none">
-                <a:solidFill>
-                  <a:srgbClr val="000000"/>
-                </a:solidFill>
-                <a:latin typeface="Gill Sans"/>
-                <a:ea typeface="Gill Sans"/>
-                <a:cs typeface="Gill Sans"/>
-                <a:sym typeface="Gill Sans"/>
-              </a:rPr>
-              <a:t>the system also alerts father of the absence of teachers or changes in the time of lessons and classes</a:t>
+              <a:rPr lang="fr-FR" sz="2000" dirty="0"/>
+              <a:t>Le système alerte également le père sur l'absence des enseignants ou les changements dans les horaires des cours et des classes.</a:t>
             </a:r>
-            <a:endParaRPr/>
+            <a:endParaRPr dirty="0"/>
           </a:p>
         </p:txBody>
       </p:sp>
@@ -17655,7 +17262,7 @@
         <p:spPr>
           <a:xfrm>
             <a:off x="138112" y="500062"/>
-            <a:ext cx="2446337" cy="3138487"/>
+            <a:ext cx="2446337" cy="2677616"/>
           </a:xfrm>
           <a:prstGeom prst="rect">
             <a:avLst/>
@@ -17671,36 +17278,14 @@
           </a:bodyPr>
           <a:lstStyle/>
           <a:p>
-            <a:pPr marL="0" marR="0" lvl="0" indent="0" algn="l" rtl="0">
-              <a:lnSpc>
-                <a:spcPct val="100000"/>
-              </a:lnSpc>
-              <a:spcBef>
-                <a:spcPts val="0"/>
-              </a:spcBef>
-              <a:spcAft>
-                <a:spcPts val="0"/>
-              </a:spcAft>
-              <a:buClr>
-                <a:srgbClr val="000000"/>
-              </a:buClr>
+            <a:pPr lvl="0">
               <a:buSzPts val="1800"/>
-              <a:buFont typeface="Gill Sans"/>
-              <a:buNone/>
             </a:pPr>
             <a:r>
-              <a:rPr lang="fr-FR" sz="1800" b="0" i="0" u="none">
-                <a:solidFill>
-                  <a:srgbClr val="000000"/>
-                </a:solidFill>
-                <a:latin typeface="Gill Sans"/>
-                <a:ea typeface="Gill Sans"/>
-                <a:cs typeface="Gill Sans"/>
-                <a:sym typeface="Gill Sans"/>
-              </a:rPr>
-              <a:t>To summarize, our tool "3inek 3la Weldek" has various strengths that result in an enhanced user experience, personalized dashboard, advanced notifications, and robust data security measures. Each strong point is addressed as follows:</a:t>
+              <a:rPr lang="fr-FR" dirty="0"/>
+              <a:t>Pour résumer, notre outil "Parent App" présente plusieurs points forts qui contribuent à une expérience utilisateur améliorée, un tableau de bord personnalisé, des notifications avancées et des mesures de sécurité des données robustes. Chaque point fort est détaillé comme suit :</a:t>
             </a:r>
-            <a:endParaRPr/>
+            <a:endParaRPr sz="1100" dirty="0"/>
           </a:p>
         </p:txBody>
       </p:sp>
@@ -17713,7 +17298,7 @@
         <p:spPr>
           <a:xfrm>
             <a:off x="319087" y="4465637"/>
-            <a:ext cx="8281987" cy="646112"/>
+            <a:ext cx="8281987" cy="523180"/>
           </a:xfrm>
           <a:prstGeom prst="rect">
             <a:avLst/>
@@ -17729,36 +17314,14 @@
           </a:bodyPr>
           <a:lstStyle/>
           <a:p>
-            <a:pPr marL="0" marR="0" lvl="0" indent="0" algn="l" rtl="0">
-              <a:lnSpc>
-                <a:spcPct val="100000"/>
-              </a:lnSpc>
-              <a:spcBef>
-                <a:spcPts val="0"/>
-              </a:spcBef>
-              <a:spcAft>
-                <a:spcPts val="0"/>
-              </a:spcAft>
-              <a:buClr>
-                <a:srgbClr val="FF0000"/>
-              </a:buClr>
-              <a:buSzPts val="1800"/>
-              <a:buFont typeface="Gill Sans"/>
-              <a:buNone/>
-            </a:pPr>
             <a:r>
-              <a:rPr lang="fr-FR" sz="1800" b="0" i="0" u="none">
+              <a:rPr lang="fr-FR" dirty="0">
                 <a:solidFill>
                   <a:srgbClr val="FF0000"/>
                 </a:solidFill>
-                <a:latin typeface="Gill Sans"/>
-                <a:ea typeface="Gill Sans"/>
-                <a:cs typeface="Gill Sans"/>
-                <a:sym typeface="Gill Sans"/>
               </a:rPr>
-              <a:t>Enhanced User Experience ,Personalized Dashboard ,Advanced Notifications ,Data Security</a:t>
+              <a:t>Expérience utilisateur améliorée, tableau de bord personnalisé, notifications avancées, sécurité des données.</a:t>
             </a:r>
-            <a:endParaRPr/>
           </a:p>
         </p:txBody>
       </p:sp>
@@ -17860,7934 +17423,6 @@
   <p:cSld>
     <p:spTree>
       <p:nvGrpSpPr>
-        <p:cNvPr id="1" name="Shape 793"/>
-        <p:cNvGrpSpPr/>
-        <p:nvPr/>
-      </p:nvGrpSpPr>
-      <p:grpSpPr>
-        <a:xfrm>
-          <a:off x="0" y="0"/>
-          <a:ext cx="0" cy="0"/>
-          <a:chOff x="0" y="0"/>
-          <a:chExt cx="0" cy="0"/>
-        </a:xfrm>
-      </p:grpSpPr>
-      <p:sp>
-        <p:nvSpPr>
-          <p:cNvPr id="794" name="Google Shape;794;p41"/>
-          <p:cNvSpPr txBox="1">
-            <a:spLocks noGrp="1"/>
-          </p:cNvSpPr>
-          <p:nvPr>
-            <p:ph type="title"/>
-          </p:nvPr>
-        </p:nvSpPr>
-        <p:spPr>
-          <a:xfrm>
-            <a:off x="3011487" y="712787"/>
-            <a:ext cx="8229600" cy="700087"/>
-          </a:xfrm>
-          <a:prstGeom prst="rect">
-            <a:avLst/>
-          </a:prstGeom>
-          <a:noFill/>
-          <a:ln>
-            <a:noFill/>
-          </a:ln>
-        </p:spPr>
-        <p:txBody>
-          <a:bodyPr spcFirstLastPara="1" wrap="square" lIns="91425" tIns="91425" rIns="91425" bIns="91425" anchor="ctr" anchorCtr="0">
-            <a:noAutofit/>
-          </a:bodyPr>
-          <a:lstStyle/>
-          <a:p>
-            <a:pPr marL="0" lvl="0" indent="0" algn="ctr" rtl="0">
-              <a:lnSpc>
-                <a:spcPct val="100000"/>
-              </a:lnSpc>
-              <a:spcBef>
-                <a:spcPts val="0"/>
-              </a:spcBef>
-              <a:spcAft>
-                <a:spcPts val="0"/>
-              </a:spcAft>
-              <a:buSzPts val="2800"/>
-              <a:buNone/>
-            </a:pPr>
-            <a:r>
-              <a:rPr lang="fr-FR" sz="3200" b="1" i="0" u="none">
-                <a:solidFill>
-                  <a:srgbClr val="000000"/>
-                </a:solidFill>
-                <a:latin typeface="Gill Sans"/>
-                <a:ea typeface="Gill Sans"/>
-                <a:cs typeface="Gill Sans"/>
-                <a:sym typeface="Gill Sans"/>
-              </a:rPr>
-              <a:t>Mobile Application Part</a:t>
-            </a:r>
-            <a:endParaRPr/>
-          </a:p>
-        </p:txBody>
-      </p:sp>
-      <p:sp>
-        <p:nvSpPr>
-          <p:cNvPr id="795" name="Google Shape;795;p41"/>
-          <p:cNvSpPr txBox="1"/>
-          <p:nvPr/>
-        </p:nvSpPr>
-        <p:spPr>
-          <a:xfrm>
-            <a:off x="5118100" y="1517650"/>
-            <a:ext cx="3244850" cy="331787"/>
-          </a:xfrm>
-          <a:prstGeom prst="rect">
-            <a:avLst/>
-          </a:prstGeom>
-          <a:noFill/>
-          <a:ln>
-            <a:noFill/>
-          </a:ln>
-        </p:spPr>
-        <p:txBody>
-          <a:bodyPr spcFirstLastPara="1" wrap="square" lIns="91425" tIns="91425" rIns="91425" bIns="91425" anchor="ctr" anchorCtr="0">
-            <a:noAutofit/>
-          </a:bodyPr>
-          <a:lstStyle/>
-          <a:p>
-            <a:pPr marL="0" marR="0" lvl="0" indent="0" algn="l" rtl="0">
-              <a:lnSpc>
-                <a:spcPct val="100000"/>
-              </a:lnSpc>
-              <a:spcBef>
-                <a:spcPts val="0"/>
-              </a:spcBef>
-              <a:spcAft>
-                <a:spcPts val="0"/>
-              </a:spcAft>
-              <a:buNone/>
-            </a:pPr>
-            <a:endParaRPr sz="1400" b="0" i="0" u="none">
-              <a:solidFill>
-                <a:srgbClr val="000000"/>
-              </a:solidFill>
-              <a:latin typeface="Arial"/>
-              <a:ea typeface="Arial"/>
-              <a:cs typeface="Arial"/>
-              <a:sym typeface="Arial"/>
-            </a:endParaRPr>
-          </a:p>
-        </p:txBody>
-      </p:sp>
-      <p:sp>
-        <p:nvSpPr>
-          <p:cNvPr id="796" name="Google Shape;796;p41"/>
-          <p:cNvSpPr/>
-          <p:nvPr/>
-        </p:nvSpPr>
-        <p:spPr>
-          <a:xfrm>
-            <a:off x="2517775" y="3870325"/>
-            <a:ext cx="1744662" cy="638175"/>
-          </a:xfrm>
-          <a:prstGeom prst="roundRect">
-            <a:avLst>
-              <a:gd name="adj" fmla="val 16667"/>
-            </a:avLst>
-          </a:prstGeom>
-          <a:solidFill>
-            <a:srgbClr val="E66147"/>
-          </a:solidFill>
-          <a:ln>
-            <a:noFill/>
-          </a:ln>
-        </p:spPr>
-        <p:txBody>
-          <a:bodyPr spcFirstLastPara="1" wrap="square" lIns="91425" tIns="91425" rIns="91425" bIns="91425" anchor="ctr" anchorCtr="0">
-            <a:noAutofit/>
-          </a:bodyPr>
-          <a:lstStyle/>
-          <a:p>
-            <a:pPr marL="0" marR="0" lvl="0" indent="0" algn="l" rtl="0">
-              <a:lnSpc>
-                <a:spcPct val="100000"/>
-              </a:lnSpc>
-              <a:spcBef>
-                <a:spcPts val="0"/>
-              </a:spcBef>
-              <a:spcAft>
-                <a:spcPts val="0"/>
-              </a:spcAft>
-              <a:buNone/>
-            </a:pPr>
-            <a:endParaRPr sz="1400" b="0" i="0" u="none">
-              <a:solidFill>
-                <a:srgbClr val="000000"/>
-              </a:solidFill>
-              <a:latin typeface="Arial"/>
-              <a:ea typeface="Arial"/>
-              <a:cs typeface="Arial"/>
-              <a:sym typeface="Arial"/>
-            </a:endParaRPr>
-          </a:p>
-        </p:txBody>
-      </p:sp>
-      <p:sp>
-        <p:nvSpPr>
-          <p:cNvPr id="797" name="Google Shape;797;p41"/>
-          <p:cNvSpPr/>
-          <p:nvPr/>
-        </p:nvSpPr>
-        <p:spPr>
-          <a:xfrm>
-            <a:off x="2517775" y="1117600"/>
-            <a:ext cx="1744662" cy="638175"/>
-          </a:xfrm>
-          <a:prstGeom prst="roundRect">
-            <a:avLst>
-              <a:gd name="adj" fmla="val 16667"/>
-            </a:avLst>
-          </a:prstGeom>
-          <a:solidFill>
-            <a:srgbClr val="FFC157"/>
-          </a:solidFill>
-          <a:ln>
-            <a:noFill/>
-          </a:ln>
-        </p:spPr>
-        <p:txBody>
-          <a:bodyPr spcFirstLastPara="1" wrap="square" lIns="91425" tIns="91425" rIns="91425" bIns="91425" anchor="ctr" anchorCtr="0">
-            <a:noAutofit/>
-          </a:bodyPr>
-          <a:lstStyle/>
-          <a:p>
-            <a:pPr marL="0" marR="0" lvl="0" indent="0" algn="l" rtl="0">
-              <a:lnSpc>
-                <a:spcPct val="100000"/>
-              </a:lnSpc>
-              <a:spcBef>
-                <a:spcPts val="0"/>
-              </a:spcBef>
-              <a:spcAft>
-                <a:spcPts val="0"/>
-              </a:spcAft>
-              <a:buNone/>
-            </a:pPr>
-            <a:endParaRPr sz="1400" b="0" i="0" u="none">
-              <a:solidFill>
-                <a:srgbClr val="000000"/>
-              </a:solidFill>
-              <a:latin typeface="Arial"/>
-              <a:ea typeface="Arial"/>
-              <a:cs typeface="Arial"/>
-              <a:sym typeface="Arial"/>
-            </a:endParaRPr>
-          </a:p>
-        </p:txBody>
-      </p:sp>
-      <p:grpSp>
-        <p:nvGrpSpPr>
-          <p:cNvPr id="798" name="Google Shape;798;p41"/>
-          <p:cNvGrpSpPr/>
-          <p:nvPr/>
-        </p:nvGrpSpPr>
-        <p:grpSpPr>
-          <a:xfrm>
-            <a:off x="5118100" y="2767012"/>
-            <a:ext cx="3244850" cy="1965325"/>
-            <a:chOff x="5118051" y="2767080"/>
-            <a:chExt cx="3244892" cy="1964986"/>
-          </a:xfrm>
-        </p:grpSpPr>
-        <p:grpSp>
-          <p:nvGrpSpPr>
-            <p:cNvPr id="799" name="Google Shape;799;p41"/>
-            <p:cNvGrpSpPr/>
-            <p:nvPr/>
-          </p:nvGrpSpPr>
-          <p:grpSpPr>
-            <a:xfrm>
-              <a:off x="5118051" y="2767080"/>
-              <a:ext cx="3244892" cy="1964986"/>
-              <a:chOff x="898650" y="3590533"/>
-              <a:chExt cx="1216500" cy="736667"/>
-            </a:xfrm>
-          </p:grpSpPr>
-          <p:sp>
-            <p:nvSpPr>
-              <p:cNvPr id="800" name="Google Shape;800;p41"/>
-              <p:cNvSpPr/>
-              <p:nvPr/>
-            </p:nvSpPr>
-            <p:spPr>
-              <a:xfrm>
-                <a:off x="1146830" y="3590533"/>
-                <a:ext cx="649316" cy="213621"/>
-              </a:xfrm>
-              <a:custGeom>
-                <a:avLst/>
-                <a:gdLst/>
-                <a:ahLst/>
-                <a:cxnLst/>
-                <a:rect l="l" t="t" r="r" b="b"/>
-                <a:pathLst>
-                  <a:path w="53637" h="17650" extrusionOk="0">
-                    <a:moveTo>
-                      <a:pt x="0" y="0"/>
-                    </a:moveTo>
-                    <a:lnTo>
-                      <a:pt x="0" y="17650"/>
-                    </a:lnTo>
-                    <a:lnTo>
-                      <a:pt x="50115" y="17650"/>
-                    </a:lnTo>
-                    <a:lnTo>
-                      <a:pt x="50301" y="17636"/>
-                    </a:lnTo>
-                    <a:lnTo>
-                      <a:pt x="50487" y="17607"/>
-                    </a:lnTo>
-                    <a:lnTo>
-                      <a:pt x="50674" y="17578"/>
-                    </a:lnTo>
-                    <a:lnTo>
-                      <a:pt x="50845" y="17535"/>
-                    </a:lnTo>
-                    <a:lnTo>
-                      <a:pt x="51031" y="17492"/>
-                    </a:lnTo>
-                    <a:lnTo>
-                      <a:pt x="51203" y="17435"/>
-                    </a:lnTo>
-                    <a:lnTo>
-                      <a:pt x="51375" y="17364"/>
-                    </a:lnTo>
-                    <a:lnTo>
-                      <a:pt x="51532" y="17292"/>
-                    </a:lnTo>
-                    <a:lnTo>
-                      <a:pt x="51690" y="17206"/>
-                    </a:lnTo>
-                    <a:lnTo>
-                      <a:pt x="51847" y="17120"/>
-                    </a:lnTo>
-                    <a:lnTo>
-                      <a:pt x="52005" y="17020"/>
-                    </a:lnTo>
-                    <a:lnTo>
-                      <a:pt x="52148" y="16920"/>
-                    </a:lnTo>
-                    <a:lnTo>
-                      <a:pt x="52291" y="16805"/>
-                    </a:lnTo>
-                    <a:lnTo>
-                      <a:pt x="52549" y="16562"/>
-                    </a:lnTo>
-                    <a:lnTo>
-                      <a:pt x="52792" y="16304"/>
-                    </a:lnTo>
-                    <a:lnTo>
-                      <a:pt x="52907" y="16161"/>
-                    </a:lnTo>
-                    <a:lnTo>
-                      <a:pt x="53007" y="16018"/>
-                    </a:lnTo>
-                    <a:lnTo>
-                      <a:pt x="53107" y="15861"/>
-                    </a:lnTo>
-                    <a:lnTo>
-                      <a:pt x="53193" y="15703"/>
-                    </a:lnTo>
-                    <a:lnTo>
-                      <a:pt x="53279" y="15546"/>
-                    </a:lnTo>
-                    <a:lnTo>
-                      <a:pt x="53350" y="15374"/>
-                    </a:lnTo>
-                    <a:lnTo>
-                      <a:pt x="53422" y="15216"/>
-                    </a:lnTo>
-                    <a:lnTo>
-                      <a:pt x="53479" y="15030"/>
-                    </a:lnTo>
-                    <a:lnTo>
-                      <a:pt x="53522" y="14859"/>
-                    </a:lnTo>
-                    <a:lnTo>
-                      <a:pt x="53565" y="14687"/>
-                    </a:lnTo>
-                    <a:lnTo>
-                      <a:pt x="53594" y="14501"/>
-                    </a:lnTo>
-                    <a:lnTo>
-                      <a:pt x="53622" y="14315"/>
-                    </a:lnTo>
-                    <a:lnTo>
-                      <a:pt x="53637" y="14114"/>
-                    </a:lnTo>
-                    <a:lnTo>
-                      <a:pt x="53637" y="13928"/>
-                    </a:lnTo>
-                    <a:lnTo>
-                      <a:pt x="53637" y="3722"/>
-                    </a:lnTo>
-                    <a:lnTo>
-                      <a:pt x="53637" y="3536"/>
-                    </a:lnTo>
-                    <a:lnTo>
-                      <a:pt x="53622" y="3350"/>
-                    </a:lnTo>
-                    <a:lnTo>
-                      <a:pt x="53594" y="3164"/>
-                    </a:lnTo>
-                    <a:lnTo>
-                      <a:pt x="53565" y="2978"/>
-                    </a:lnTo>
-                    <a:lnTo>
-                      <a:pt x="53522" y="2791"/>
-                    </a:lnTo>
-                    <a:lnTo>
-                      <a:pt x="53479" y="2620"/>
-                    </a:lnTo>
-                    <a:lnTo>
-                      <a:pt x="53422" y="2448"/>
-                    </a:lnTo>
-                    <a:lnTo>
-                      <a:pt x="53350" y="2276"/>
-                    </a:lnTo>
-                    <a:lnTo>
-                      <a:pt x="53279" y="2104"/>
-                    </a:lnTo>
-                    <a:lnTo>
-                      <a:pt x="53193" y="1947"/>
-                    </a:lnTo>
-                    <a:lnTo>
-                      <a:pt x="53107" y="1789"/>
-                    </a:lnTo>
-                    <a:lnTo>
-                      <a:pt x="53007" y="1646"/>
-                    </a:lnTo>
-                    <a:lnTo>
-                      <a:pt x="52907" y="1489"/>
-                    </a:lnTo>
-                    <a:lnTo>
-                      <a:pt x="52792" y="1360"/>
-                    </a:lnTo>
-                    <a:lnTo>
-                      <a:pt x="52549" y="1088"/>
-                    </a:lnTo>
-                    <a:lnTo>
-                      <a:pt x="52291" y="845"/>
-                    </a:lnTo>
-                    <a:lnTo>
-                      <a:pt x="52148" y="745"/>
-                    </a:lnTo>
-                    <a:lnTo>
-                      <a:pt x="52005" y="630"/>
-                    </a:lnTo>
-                    <a:lnTo>
-                      <a:pt x="51847" y="544"/>
-                    </a:lnTo>
-                    <a:lnTo>
-                      <a:pt x="51690" y="444"/>
-                    </a:lnTo>
-                    <a:lnTo>
-                      <a:pt x="51532" y="372"/>
-                    </a:lnTo>
-                    <a:lnTo>
-                      <a:pt x="51375" y="286"/>
-                    </a:lnTo>
-                    <a:lnTo>
-                      <a:pt x="51203" y="229"/>
-                    </a:lnTo>
-                    <a:lnTo>
-                      <a:pt x="51031" y="172"/>
-                    </a:lnTo>
-                    <a:lnTo>
-                      <a:pt x="50845" y="115"/>
-                    </a:lnTo>
-                    <a:lnTo>
-                      <a:pt x="50674" y="72"/>
-                    </a:lnTo>
-                    <a:lnTo>
-                      <a:pt x="50487" y="43"/>
-                    </a:lnTo>
-                    <a:lnTo>
-                      <a:pt x="50301" y="14"/>
-                    </a:lnTo>
-                    <a:lnTo>
-                      <a:pt x="50115" y="0"/>
-                    </a:lnTo>
-                    <a:lnTo>
-                      <a:pt x="0" y="0"/>
-                    </a:lnTo>
-                    <a:close/>
-                  </a:path>
-                </a:pathLst>
-              </a:custGeom>
-              <a:solidFill>
-                <a:srgbClr val="FFC157"/>
-              </a:solidFill>
-              <a:ln>
-                <a:noFill/>
-              </a:ln>
-            </p:spPr>
-            <p:txBody>
-              <a:bodyPr spcFirstLastPara="1" wrap="square" lIns="91425" tIns="91425" rIns="91425" bIns="91425" anchor="ctr" anchorCtr="0">
-                <a:noAutofit/>
-              </a:bodyPr>
-              <a:lstStyle/>
-              <a:p>
-                <a:pPr marL="0" marR="0" lvl="0" indent="0" algn="l" rtl="0">
-                  <a:lnSpc>
-                    <a:spcPct val="100000"/>
-                  </a:lnSpc>
-                  <a:spcBef>
-                    <a:spcPts val="0"/>
-                  </a:spcBef>
-                  <a:spcAft>
-                    <a:spcPts val="0"/>
-                  </a:spcAft>
-                  <a:buNone/>
-                </a:pPr>
-                <a:endParaRPr sz="1400" b="0" i="0" u="none">
-                  <a:solidFill>
-                    <a:srgbClr val="000000"/>
-                  </a:solidFill>
-                  <a:latin typeface="Arial"/>
-                  <a:ea typeface="Arial"/>
-                  <a:cs typeface="Arial"/>
-                  <a:sym typeface="Arial"/>
-                </a:endParaRPr>
-              </a:p>
-            </p:txBody>
-          </p:sp>
-          <p:sp>
-            <p:nvSpPr>
-              <p:cNvPr id="801" name="Google Shape;801;p41"/>
-              <p:cNvSpPr/>
-              <p:nvPr/>
-            </p:nvSpPr>
-            <p:spPr>
-              <a:xfrm>
-                <a:off x="1146654" y="3613755"/>
-                <a:ext cx="621853" cy="166563"/>
-              </a:xfrm>
-              <a:custGeom>
-                <a:avLst/>
-                <a:gdLst/>
-                <a:ahLst/>
-                <a:cxnLst/>
-                <a:rect l="l" t="t" r="r" b="b"/>
-                <a:pathLst>
-                  <a:path w="51361" h="13757" extrusionOk="0">
-                    <a:moveTo>
-                      <a:pt x="0" y="0"/>
-                    </a:moveTo>
-                    <a:lnTo>
-                      <a:pt x="0" y="13757"/>
-                    </a:lnTo>
-                    <a:lnTo>
-                      <a:pt x="51361" y="13757"/>
-                    </a:lnTo>
-                    <a:lnTo>
-                      <a:pt x="51361" y="0"/>
-                    </a:lnTo>
-                    <a:lnTo>
-                      <a:pt x="0" y="0"/>
-                    </a:lnTo>
-                    <a:close/>
-                  </a:path>
-                </a:pathLst>
-              </a:custGeom>
-              <a:solidFill>
-                <a:srgbClr val="EFEFEF"/>
-              </a:solidFill>
-              <a:ln>
-                <a:noFill/>
-              </a:ln>
-            </p:spPr>
-            <p:txBody>
-              <a:bodyPr spcFirstLastPara="1" wrap="square" lIns="91425" tIns="91425" rIns="91425" bIns="91425" anchor="ctr" anchorCtr="0">
-                <a:noAutofit/>
-              </a:bodyPr>
-              <a:lstStyle/>
-              <a:p>
-                <a:pPr marL="0" marR="0" lvl="0" indent="0" algn="l" rtl="0">
-                  <a:lnSpc>
-                    <a:spcPct val="100000"/>
-                  </a:lnSpc>
-                  <a:spcBef>
-                    <a:spcPts val="0"/>
-                  </a:spcBef>
-                  <a:spcAft>
-                    <a:spcPts val="0"/>
-                  </a:spcAft>
-                  <a:buNone/>
-                </a:pPr>
-                <a:endParaRPr sz="1400" b="0" i="0" u="none">
-                  <a:solidFill>
-                    <a:srgbClr val="000000"/>
-                  </a:solidFill>
-                  <a:latin typeface="Arial"/>
-                  <a:ea typeface="Arial"/>
-                  <a:cs typeface="Arial"/>
-                  <a:sym typeface="Arial"/>
-                </a:endParaRPr>
-              </a:p>
-            </p:txBody>
-          </p:sp>
-          <p:sp>
-            <p:nvSpPr>
-              <p:cNvPr id="802" name="Google Shape;802;p41"/>
-              <p:cNvSpPr/>
-              <p:nvPr/>
-            </p:nvSpPr>
-            <p:spPr>
-              <a:xfrm>
-                <a:off x="1146654" y="3613755"/>
-                <a:ext cx="621853" cy="166563"/>
-              </a:xfrm>
-              <a:custGeom>
-                <a:avLst/>
-                <a:gdLst/>
-                <a:ahLst/>
-                <a:cxnLst/>
-                <a:rect l="l" t="t" r="r" b="b"/>
-                <a:pathLst>
-                  <a:path w="51361" h="13757" extrusionOk="0">
-                    <a:moveTo>
-                      <a:pt x="0" y="0"/>
-                    </a:moveTo>
-                    <a:lnTo>
-                      <a:pt x="0" y="1976"/>
-                    </a:lnTo>
-                    <a:lnTo>
-                      <a:pt x="49586" y="1976"/>
-                    </a:lnTo>
-                    <a:lnTo>
-                      <a:pt x="49586" y="13757"/>
-                    </a:lnTo>
-                    <a:lnTo>
-                      <a:pt x="51361" y="13757"/>
-                    </a:lnTo>
-                    <a:lnTo>
-                      <a:pt x="51361" y="0"/>
-                    </a:lnTo>
-                    <a:lnTo>
-                      <a:pt x="0" y="0"/>
-                    </a:lnTo>
-                    <a:close/>
-                  </a:path>
-                </a:pathLst>
-              </a:custGeom>
-              <a:solidFill>
-                <a:srgbClr val="DDDDDD"/>
-              </a:solidFill>
-              <a:ln>
-                <a:noFill/>
-              </a:ln>
-            </p:spPr>
-            <p:txBody>
-              <a:bodyPr spcFirstLastPara="1" wrap="square" lIns="91425" tIns="91425" rIns="91425" bIns="91425" anchor="ctr" anchorCtr="0">
-                <a:noAutofit/>
-              </a:bodyPr>
-              <a:lstStyle/>
-              <a:p>
-                <a:pPr marL="0" marR="0" lvl="0" indent="0" algn="l" rtl="0">
-                  <a:lnSpc>
-                    <a:spcPct val="100000"/>
-                  </a:lnSpc>
-                  <a:spcBef>
-                    <a:spcPts val="0"/>
-                  </a:spcBef>
-                  <a:spcAft>
-                    <a:spcPts val="0"/>
-                  </a:spcAft>
-                  <a:buNone/>
-                </a:pPr>
-                <a:endParaRPr sz="1400" b="0" i="0" u="none">
-                  <a:solidFill>
-                    <a:srgbClr val="000000"/>
-                  </a:solidFill>
-                  <a:latin typeface="Arial"/>
-                  <a:ea typeface="Arial"/>
-                  <a:cs typeface="Arial"/>
-                  <a:sym typeface="Arial"/>
-                </a:endParaRPr>
-              </a:p>
-            </p:txBody>
-          </p:sp>
-          <p:sp>
-            <p:nvSpPr>
-              <p:cNvPr id="803" name="Google Shape;803;p41"/>
-              <p:cNvSpPr/>
-              <p:nvPr/>
-            </p:nvSpPr>
-            <p:spPr>
-              <a:xfrm>
-                <a:off x="1146654" y="3753960"/>
-                <a:ext cx="600362" cy="8851"/>
-              </a:xfrm>
-              <a:custGeom>
-                <a:avLst/>
-                <a:gdLst/>
-                <a:ahLst/>
-                <a:cxnLst/>
-                <a:rect l="l" t="t" r="r" b="b"/>
-                <a:pathLst>
-                  <a:path w="49586" h="731" extrusionOk="0">
-                    <a:moveTo>
-                      <a:pt x="0" y="1"/>
-                    </a:moveTo>
-                    <a:lnTo>
-                      <a:pt x="49586" y="731"/>
-                    </a:lnTo>
-                    <a:lnTo>
-                      <a:pt x="49586" y="1"/>
-                    </a:lnTo>
-                    <a:lnTo>
-                      <a:pt x="0" y="1"/>
-                    </a:lnTo>
-                    <a:close/>
-                  </a:path>
-                </a:pathLst>
-              </a:custGeom>
-              <a:solidFill>
-                <a:srgbClr val="DDDDDD"/>
-              </a:solidFill>
-              <a:ln>
-                <a:noFill/>
-              </a:ln>
-            </p:spPr>
-            <p:txBody>
-              <a:bodyPr spcFirstLastPara="1" wrap="square" lIns="91425" tIns="91425" rIns="91425" bIns="91425" anchor="ctr" anchorCtr="0">
-                <a:noAutofit/>
-              </a:bodyPr>
-              <a:lstStyle/>
-              <a:p>
-                <a:pPr marL="0" marR="0" lvl="0" indent="0" algn="l" rtl="0">
-                  <a:lnSpc>
-                    <a:spcPct val="100000"/>
-                  </a:lnSpc>
-                  <a:spcBef>
-                    <a:spcPts val="0"/>
-                  </a:spcBef>
-                  <a:spcAft>
-                    <a:spcPts val="0"/>
-                  </a:spcAft>
-                  <a:buNone/>
-                </a:pPr>
-                <a:endParaRPr sz="1400" b="0" i="0" u="none">
-                  <a:solidFill>
-                    <a:srgbClr val="000000"/>
-                  </a:solidFill>
-                  <a:latin typeface="Arial"/>
-                  <a:ea typeface="Arial"/>
-                  <a:cs typeface="Arial"/>
-                  <a:sym typeface="Arial"/>
-                </a:endParaRPr>
-              </a:p>
-            </p:txBody>
-          </p:sp>
-          <p:sp>
-            <p:nvSpPr>
-              <p:cNvPr id="804" name="Google Shape;804;p41"/>
-              <p:cNvSpPr/>
-              <p:nvPr/>
-            </p:nvSpPr>
-            <p:spPr>
-              <a:xfrm>
-                <a:off x="1146654" y="3733862"/>
-                <a:ext cx="600362" cy="8851"/>
-              </a:xfrm>
-              <a:custGeom>
-                <a:avLst/>
-                <a:gdLst/>
-                <a:ahLst/>
-                <a:cxnLst/>
-                <a:rect l="l" t="t" r="r" b="b"/>
-                <a:pathLst>
-                  <a:path w="49586" h="731" extrusionOk="0">
-                    <a:moveTo>
-                      <a:pt x="0" y="0"/>
-                    </a:moveTo>
-                    <a:lnTo>
-                      <a:pt x="49586" y="730"/>
-                    </a:lnTo>
-                    <a:lnTo>
-                      <a:pt x="49586" y="0"/>
-                    </a:lnTo>
-                    <a:lnTo>
-                      <a:pt x="0" y="0"/>
-                    </a:lnTo>
-                    <a:close/>
-                  </a:path>
-                </a:pathLst>
-              </a:custGeom>
-              <a:solidFill>
-                <a:srgbClr val="DDDDDD"/>
-              </a:solidFill>
-              <a:ln>
-                <a:noFill/>
-              </a:ln>
-            </p:spPr>
-            <p:txBody>
-              <a:bodyPr spcFirstLastPara="1" wrap="square" lIns="91425" tIns="91425" rIns="91425" bIns="91425" anchor="ctr" anchorCtr="0">
-                <a:noAutofit/>
-              </a:bodyPr>
-              <a:lstStyle/>
-              <a:p>
-                <a:pPr marL="0" marR="0" lvl="0" indent="0" algn="l" rtl="0">
-                  <a:lnSpc>
-                    <a:spcPct val="100000"/>
-                  </a:lnSpc>
-                  <a:spcBef>
-                    <a:spcPts val="0"/>
-                  </a:spcBef>
-                  <a:spcAft>
-                    <a:spcPts val="0"/>
-                  </a:spcAft>
-                  <a:buNone/>
-                </a:pPr>
-                <a:endParaRPr sz="1400" b="0" i="0" u="none">
-                  <a:solidFill>
-                    <a:srgbClr val="000000"/>
-                  </a:solidFill>
-                  <a:latin typeface="Arial"/>
-                  <a:ea typeface="Arial"/>
-                  <a:cs typeface="Arial"/>
-                  <a:sym typeface="Arial"/>
-                </a:endParaRPr>
-              </a:p>
-            </p:txBody>
-          </p:sp>
-          <p:sp>
-            <p:nvSpPr>
-              <p:cNvPr id="805" name="Google Shape;805;p41"/>
-              <p:cNvSpPr/>
-              <p:nvPr/>
-            </p:nvSpPr>
-            <p:spPr>
-              <a:xfrm>
-                <a:off x="1146654" y="3713581"/>
-                <a:ext cx="600362" cy="8851"/>
-              </a:xfrm>
-              <a:custGeom>
-                <a:avLst/>
-                <a:gdLst/>
-                <a:ahLst/>
-                <a:cxnLst/>
-                <a:rect l="l" t="t" r="r" b="b"/>
-                <a:pathLst>
-                  <a:path w="49586" h="731" extrusionOk="0">
-                    <a:moveTo>
-                      <a:pt x="0" y="0"/>
-                    </a:moveTo>
-                    <a:lnTo>
-                      <a:pt x="49586" y="730"/>
-                    </a:lnTo>
-                    <a:lnTo>
-                      <a:pt x="49586" y="0"/>
-                    </a:lnTo>
-                    <a:lnTo>
-                      <a:pt x="0" y="0"/>
-                    </a:lnTo>
-                    <a:close/>
-                  </a:path>
-                </a:pathLst>
-              </a:custGeom>
-              <a:solidFill>
-                <a:srgbClr val="DDDDDD"/>
-              </a:solidFill>
-              <a:ln>
-                <a:noFill/>
-              </a:ln>
-            </p:spPr>
-            <p:txBody>
-              <a:bodyPr spcFirstLastPara="1" wrap="square" lIns="91425" tIns="91425" rIns="91425" bIns="91425" anchor="ctr" anchorCtr="0">
-                <a:noAutofit/>
-              </a:bodyPr>
-              <a:lstStyle/>
-              <a:p>
-                <a:pPr marL="0" marR="0" lvl="0" indent="0" algn="l" rtl="0">
-                  <a:lnSpc>
-                    <a:spcPct val="100000"/>
-                  </a:lnSpc>
-                  <a:spcBef>
-                    <a:spcPts val="0"/>
-                  </a:spcBef>
-                  <a:spcAft>
-                    <a:spcPts val="0"/>
-                  </a:spcAft>
-                  <a:buNone/>
-                </a:pPr>
-                <a:endParaRPr sz="1400" b="0" i="0" u="none">
-                  <a:solidFill>
-                    <a:srgbClr val="000000"/>
-                  </a:solidFill>
-                  <a:latin typeface="Arial"/>
-                  <a:ea typeface="Arial"/>
-                  <a:cs typeface="Arial"/>
-                  <a:sym typeface="Arial"/>
-                </a:endParaRPr>
-              </a:p>
-            </p:txBody>
-          </p:sp>
-          <p:sp>
-            <p:nvSpPr>
-              <p:cNvPr id="806" name="Google Shape;806;p41"/>
-              <p:cNvSpPr/>
-              <p:nvPr/>
-            </p:nvSpPr>
-            <p:spPr>
-              <a:xfrm>
-                <a:off x="1146654" y="3693301"/>
-                <a:ext cx="600362" cy="8851"/>
-              </a:xfrm>
-              <a:custGeom>
-                <a:avLst/>
-                <a:gdLst/>
-                <a:ahLst/>
-                <a:cxnLst/>
-                <a:rect l="l" t="t" r="r" b="b"/>
-                <a:pathLst>
-                  <a:path w="49586" h="731" extrusionOk="0">
-                    <a:moveTo>
-                      <a:pt x="0" y="1"/>
-                    </a:moveTo>
-                    <a:lnTo>
-                      <a:pt x="49586" y="731"/>
-                    </a:lnTo>
-                    <a:lnTo>
-                      <a:pt x="49586" y="1"/>
-                    </a:lnTo>
-                    <a:lnTo>
-                      <a:pt x="0" y="1"/>
-                    </a:lnTo>
-                    <a:close/>
-                  </a:path>
-                </a:pathLst>
-              </a:custGeom>
-              <a:solidFill>
-                <a:srgbClr val="DDDDDD"/>
-              </a:solidFill>
-              <a:ln>
-                <a:noFill/>
-              </a:ln>
-            </p:spPr>
-            <p:txBody>
-              <a:bodyPr spcFirstLastPara="1" wrap="square" lIns="91425" tIns="91425" rIns="91425" bIns="91425" anchor="ctr" anchorCtr="0">
-                <a:noAutofit/>
-              </a:bodyPr>
-              <a:lstStyle/>
-              <a:p>
-                <a:pPr marL="0" marR="0" lvl="0" indent="0" algn="l" rtl="0">
-                  <a:lnSpc>
-                    <a:spcPct val="100000"/>
-                  </a:lnSpc>
-                  <a:spcBef>
-                    <a:spcPts val="0"/>
-                  </a:spcBef>
-                  <a:spcAft>
-                    <a:spcPts val="0"/>
-                  </a:spcAft>
-                  <a:buNone/>
-                </a:pPr>
-                <a:endParaRPr sz="1400" b="0" i="0" u="none">
-                  <a:solidFill>
-                    <a:srgbClr val="000000"/>
-                  </a:solidFill>
-                  <a:latin typeface="Arial"/>
-                  <a:ea typeface="Arial"/>
-                  <a:cs typeface="Arial"/>
-                  <a:sym typeface="Arial"/>
-                </a:endParaRPr>
-              </a:p>
-            </p:txBody>
-          </p:sp>
-          <p:sp>
-            <p:nvSpPr>
-              <p:cNvPr id="807" name="Google Shape;807;p41"/>
-              <p:cNvSpPr/>
-              <p:nvPr/>
-            </p:nvSpPr>
-            <p:spPr>
-              <a:xfrm>
-                <a:off x="1146654" y="3673203"/>
-                <a:ext cx="600362" cy="8851"/>
-              </a:xfrm>
-              <a:custGeom>
-                <a:avLst/>
-                <a:gdLst/>
-                <a:ahLst/>
-                <a:cxnLst/>
-                <a:rect l="l" t="t" r="r" b="b"/>
-                <a:pathLst>
-                  <a:path w="49586" h="731" extrusionOk="0">
-                    <a:moveTo>
-                      <a:pt x="0" y="0"/>
-                    </a:moveTo>
-                    <a:lnTo>
-                      <a:pt x="49586" y="730"/>
-                    </a:lnTo>
-                    <a:lnTo>
-                      <a:pt x="49586" y="0"/>
-                    </a:lnTo>
-                    <a:lnTo>
-                      <a:pt x="0" y="0"/>
-                    </a:lnTo>
-                    <a:close/>
-                  </a:path>
-                </a:pathLst>
-              </a:custGeom>
-              <a:solidFill>
-                <a:srgbClr val="DDDDDD"/>
-              </a:solidFill>
-              <a:ln>
-                <a:noFill/>
-              </a:ln>
-            </p:spPr>
-            <p:txBody>
-              <a:bodyPr spcFirstLastPara="1" wrap="square" lIns="91425" tIns="91425" rIns="91425" bIns="91425" anchor="ctr" anchorCtr="0">
-                <a:noAutofit/>
-              </a:bodyPr>
-              <a:lstStyle/>
-              <a:p>
-                <a:pPr marL="0" marR="0" lvl="0" indent="0" algn="l" rtl="0">
-                  <a:lnSpc>
-                    <a:spcPct val="100000"/>
-                  </a:lnSpc>
-                  <a:spcBef>
-                    <a:spcPts val="0"/>
-                  </a:spcBef>
-                  <a:spcAft>
-                    <a:spcPts val="0"/>
-                  </a:spcAft>
-                  <a:buNone/>
-                </a:pPr>
-                <a:endParaRPr sz="1400" b="0" i="0" u="none">
-                  <a:solidFill>
-                    <a:srgbClr val="000000"/>
-                  </a:solidFill>
-                  <a:latin typeface="Arial"/>
-                  <a:ea typeface="Arial"/>
-                  <a:cs typeface="Arial"/>
-                  <a:sym typeface="Arial"/>
-                </a:endParaRPr>
-              </a:p>
-            </p:txBody>
-          </p:sp>
-          <p:sp>
-            <p:nvSpPr>
-              <p:cNvPr id="808" name="Google Shape;808;p41"/>
-              <p:cNvSpPr/>
-              <p:nvPr/>
-            </p:nvSpPr>
-            <p:spPr>
-              <a:xfrm>
-                <a:off x="1146654" y="3652923"/>
-                <a:ext cx="600362" cy="8851"/>
-              </a:xfrm>
-              <a:custGeom>
-                <a:avLst/>
-                <a:gdLst/>
-                <a:ahLst/>
-                <a:cxnLst/>
-                <a:rect l="l" t="t" r="r" b="b"/>
-                <a:pathLst>
-                  <a:path w="49586" h="731" extrusionOk="0">
-                    <a:moveTo>
-                      <a:pt x="0" y="0"/>
-                    </a:moveTo>
-                    <a:lnTo>
-                      <a:pt x="49586" y="730"/>
-                    </a:lnTo>
-                    <a:lnTo>
-                      <a:pt x="49586" y="0"/>
-                    </a:lnTo>
-                    <a:lnTo>
-                      <a:pt x="0" y="0"/>
-                    </a:lnTo>
-                    <a:close/>
-                  </a:path>
-                </a:pathLst>
-              </a:custGeom>
-              <a:solidFill>
-                <a:srgbClr val="DDDDDD"/>
-              </a:solidFill>
-              <a:ln>
-                <a:noFill/>
-              </a:ln>
-            </p:spPr>
-            <p:txBody>
-              <a:bodyPr spcFirstLastPara="1" wrap="square" lIns="91425" tIns="91425" rIns="91425" bIns="91425" anchor="ctr" anchorCtr="0">
-                <a:noAutofit/>
-              </a:bodyPr>
-              <a:lstStyle/>
-              <a:p>
-                <a:pPr marL="0" marR="0" lvl="0" indent="0" algn="l" rtl="0">
-                  <a:lnSpc>
-                    <a:spcPct val="100000"/>
-                  </a:lnSpc>
-                  <a:spcBef>
-                    <a:spcPts val="0"/>
-                  </a:spcBef>
-                  <a:spcAft>
-                    <a:spcPts val="0"/>
-                  </a:spcAft>
-                  <a:buNone/>
-                </a:pPr>
-                <a:endParaRPr sz="1400" b="0" i="0" u="none">
-                  <a:solidFill>
-                    <a:srgbClr val="000000"/>
-                  </a:solidFill>
-                  <a:latin typeface="Arial"/>
-                  <a:ea typeface="Arial"/>
-                  <a:cs typeface="Arial"/>
-                  <a:sym typeface="Arial"/>
-                </a:endParaRPr>
-              </a:p>
-            </p:txBody>
-          </p:sp>
-          <p:sp>
-            <p:nvSpPr>
-              <p:cNvPr id="809" name="Google Shape;809;p41"/>
-              <p:cNvSpPr/>
-              <p:nvPr/>
-            </p:nvSpPr>
-            <p:spPr>
-              <a:xfrm>
-                <a:off x="1146654" y="3632643"/>
-                <a:ext cx="600362" cy="8851"/>
-              </a:xfrm>
-              <a:custGeom>
-                <a:avLst/>
-                <a:gdLst/>
-                <a:ahLst/>
-                <a:cxnLst/>
-                <a:rect l="l" t="t" r="r" b="b"/>
-                <a:pathLst>
-                  <a:path w="49586" h="731" extrusionOk="0">
-                    <a:moveTo>
-                      <a:pt x="0" y="1"/>
-                    </a:moveTo>
-                    <a:lnTo>
-                      <a:pt x="49586" y="731"/>
-                    </a:lnTo>
-                    <a:lnTo>
-                      <a:pt x="49586" y="1"/>
-                    </a:lnTo>
-                    <a:lnTo>
-                      <a:pt x="0" y="1"/>
-                    </a:lnTo>
-                    <a:close/>
-                  </a:path>
-                </a:pathLst>
-              </a:custGeom>
-              <a:solidFill>
-                <a:srgbClr val="DDDDDD"/>
-              </a:solidFill>
-              <a:ln>
-                <a:noFill/>
-              </a:ln>
-            </p:spPr>
-            <p:txBody>
-              <a:bodyPr spcFirstLastPara="1" wrap="square" lIns="91425" tIns="91425" rIns="91425" bIns="91425" anchor="ctr" anchorCtr="0">
-                <a:noAutofit/>
-              </a:bodyPr>
-              <a:lstStyle/>
-              <a:p>
-                <a:pPr marL="0" marR="0" lvl="0" indent="0" algn="l" rtl="0">
-                  <a:lnSpc>
-                    <a:spcPct val="100000"/>
-                  </a:lnSpc>
-                  <a:spcBef>
-                    <a:spcPts val="0"/>
-                  </a:spcBef>
-                  <a:spcAft>
-                    <a:spcPts val="0"/>
-                  </a:spcAft>
-                  <a:buNone/>
-                </a:pPr>
-                <a:endParaRPr sz="1400" b="0" i="0" u="none">
-                  <a:solidFill>
-                    <a:srgbClr val="000000"/>
-                  </a:solidFill>
-                  <a:latin typeface="Arial"/>
-                  <a:ea typeface="Arial"/>
-                  <a:cs typeface="Arial"/>
-                  <a:sym typeface="Arial"/>
-                </a:endParaRPr>
-              </a:p>
-            </p:txBody>
-          </p:sp>
-          <p:sp>
-            <p:nvSpPr>
-              <p:cNvPr id="810" name="Google Shape;810;p41"/>
-              <p:cNvSpPr/>
-              <p:nvPr/>
-            </p:nvSpPr>
-            <p:spPr>
-              <a:xfrm>
-                <a:off x="898650" y="4113600"/>
-                <a:ext cx="1216500" cy="213600"/>
-              </a:xfrm>
-              <a:prstGeom prst="ellipse">
-                <a:avLst/>
-              </a:prstGeom>
-              <a:solidFill>
-                <a:srgbClr val="666666">
-                  <a:alpha val="12156"/>
-                </a:srgbClr>
-              </a:solidFill>
-              <a:ln>
-                <a:noFill/>
-              </a:ln>
-            </p:spPr>
-            <p:txBody>
-              <a:bodyPr spcFirstLastPara="1" wrap="square" lIns="91425" tIns="91425" rIns="91425" bIns="91425" anchor="ctr" anchorCtr="0">
-                <a:noAutofit/>
-              </a:bodyPr>
-              <a:lstStyle/>
-              <a:p>
-                <a:pPr marL="0" marR="0" lvl="0" indent="0" algn="l" rtl="0">
-                  <a:lnSpc>
-                    <a:spcPct val="100000"/>
-                  </a:lnSpc>
-                  <a:spcBef>
-                    <a:spcPts val="0"/>
-                  </a:spcBef>
-                  <a:spcAft>
-                    <a:spcPts val="0"/>
-                  </a:spcAft>
-                  <a:buNone/>
-                </a:pPr>
-                <a:endParaRPr sz="1400" b="0" i="0" u="none">
-                  <a:solidFill>
-                    <a:srgbClr val="000000"/>
-                  </a:solidFill>
-                  <a:latin typeface="Arial"/>
-                  <a:ea typeface="Arial"/>
-                  <a:cs typeface="Arial"/>
-                  <a:sym typeface="Arial"/>
-                </a:endParaRPr>
-              </a:p>
-            </p:txBody>
-          </p:sp>
-          <p:sp>
-            <p:nvSpPr>
-              <p:cNvPr id="811" name="Google Shape;811;p41"/>
-              <p:cNvSpPr/>
-              <p:nvPr/>
-            </p:nvSpPr>
-            <p:spPr>
-              <a:xfrm>
-                <a:off x="1324661" y="3846840"/>
-                <a:ext cx="43333" cy="43163"/>
-              </a:xfrm>
-              <a:custGeom>
-                <a:avLst/>
-                <a:gdLst/>
-                <a:ahLst/>
-                <a:cxnLst/>
-                <a:rect l="l" t="t" r="r" b="b"/>
-                <a:pathLst>
-                  <a:path w="3579" h="3565" extrusionOk="0">
-                    <a:moveTo>
-                      <a:pt x="1603" y="0"/>
-                    </a:moveTo>
-                    <a:lnTo>
-                      <a:pt x="1432" y="29"/>
-                    </a:lnTo>
-                    <a:lnTo>
-                      <a:pt x="1260" y="72"/>
-                    </a:lnTo>
-                    <a:lnTo>
-                      <a:pt x="1102" y="144"/>
-                    </a:lnTo>
-                    <a:lnTo>
-                      <a:pt x="945" y="215"/>
-                    </a:lnTo>
-                    <a:lnTo>
-                      <a:pt x="788" y="301"/>
-                    </a:lnTo>
-                    <a:lnTo>
-                      <a:pt x="659" y="401"/>
-                    </a:lnTo>
-                    <a:lnTo>
-                      <a:pt x="530" y="516"/>
-                    </a:lnTo>
-                    <a:lnTo>
-                      <a:pt x="415" y="645"/>
-                    </a:lnTo>
-                    <a:lnTo>
-                      <a:pt x="315" y="788"/>
-                    </a:lnTo>
-                    <a:lnTo>
-                      <a:pt x="215" y="931"/>
-                    </a:lnTo>
-                    <a:lnTo>
-                      <a:pt x="143" y="1088"/>
-                    </a:lnTo>
-                    <a:lnTo>
-                      <a:pt x="86" y="1246"/>
-                    </a:lnTo>
-                    <a:lnTo>
-                      <a:pt x="43" y="1418"/>
-                    </a:lnTo>
-                    <a:lnTo>
-                      <a:pt x="15" y="1604"/>
-                    </a:lnTo>
-                    <a:lnTo>
-                      <a:pt x="0" y="1790"/>
-                    </a:lnTo>
-                    <a:lnTo>
-                      <a:pt x="15" y="1962"/>
-                    </a:lnTo>
-                    <a:lnTo>
-                      <a:pt x="43" y="2148"/>
-                    </a:lnTo>
-                    <a:lnTo>
-                      <a:pt x="86" y="2319"/>
-                    </a:lnTo>
-                    <a:lnTo>
-                      <a:pt x="143" y="2477"/>
-                    </a:lnTo>
-                    <a:lnTo>
-                      <a:pt x="215" y="2634"/>
-                    </a:lnTo>
-                    <a:lnTo>
-                      <a:pt x="315" y="2777"/>
-                    </a:lnTo>
-                    <a:lnTo>
-                      <a:pt x="415" y="2921"/>
-                    </a:lnTo>
-                    <a:lnTo>
-                      <a:pt x="530" y="3049"/>
-                    </a:lnTo>
-                    <a:lnTo>
-                      <a:pt x="659" y="3164"/>
-                    </a:lnTo>
-                    <a:lnTo>
-                      <a:pt x="788" y="3264"/>
-                    </a:lnTo>
-                    <a:lnTo>
-                      <a:pt x="945" y="3350"/>
-                    </a:lnTo>
-                    <a:lnTo>
-                      <a:pt x="1102" y="3436"/>
-                    </a:lnTo>
-                    <a:lnTo>
-                      <a:pt x="1260" y="3493"/>
-                    </a:lnTo>
-                    <a:lnTo>
-                      <a:pt x="1432" y="3536"/>
-                    </a:lnTo>
-                    <a:lnTo>
-                      <a:pt x="1603" y="3565"/>
-                    </a:lnTo>
-                    <a:lnTo>
-                      <a:pt x="1976" y="3565"/>
-                    </a:lnTo>
-                    <a:lnTo>
-                      <a:pt x="2147" y="3536"/>
-                    </a:lnTo>
-                    <a:lnTo>
-                      <a:pt x="2319" y="3493"/>
-                    </a:lnTo>
-                    <a:lnTo>
-                      <a:pt x="2491" y="3436"/>
-                    </a:lnTo>
-                    <a:lnTo>
-                      <a:pt x="2648" y="3350"/>
-                    </a:lnTo>
-                    <a:lnTo>
-                      <a:pt x="2792" y="3264"/>
-                    </a:lnTo>
-                    <a:lnTo>
-                      <a:pt x="2935" y="3164"/>
-                    </a:lnTo>
-                    <a:lnTo>
-                      <a:pt x="3049" y="3049"/>
-                    </a:lnTo>
-                    <a:lnTo>
-                      <a:pt x="3164" y="2921"/>
-                    </a:lnTo>
-                    <a:lnTo>
-                      <a:pt x="3278" y="2777"/>
-                    </a:lnTo>
-                    <a:lnTo>
-                      <a:pt x="3364" y="2634"/>
-                    </a:lnTo>
-                    <a:lnTo>
-                      <a:pt x="3436" y="2477"/>
-                    </a:lnTo>
-                    <a:lnTo>
-                      <a:pt x="3493" y="2319"/>
-                    </a:lnTo>
-                    <a:lnTo>
-                      <a:pt x="3536" y="2148"/>
-                    </a:lnTo>
-                    <a:lnTo>
-                      <a:pt x="3565" y="1962"/>
-                    </a:lnTo>
-                    <a:lnTo>
-                      <a:pt x="3579" y="1790"/>
-                    </a:lnTo>
-                    <a:lnTo>
-                      <a:pt x="3565" y="1604"/>
-                    </a:lnTo>
-                    <a:lnTo>
-                      <a:pt x="3536" y="1418"/>
-                    </a:lnTo>
-                    <a:lnTo>
-                      <a:pt x="3493" y="1246"/>
-                    </a:lnTo>
-                    <a:lnTo>
-                      <a:pt x="3436" y="1088"/>
-                    </a:lnTo>
-                    <a:lnTo>
-                      <a:pt x="3364" y="931"/>
-                    </a:lnTo>
-                    <a:lnTo>
-                      <a:pt x="3278" y="788"/>
-                    </a:lnTo>
-                    <a:lnTo>
-                      <a:pt x="3164" y="645"/>
-                    </a:lnTo>
-                    <a:lnTo>
-                      <a:pt x="3049" y="516"/>
-                    </a:lnTo>
-                    <a:lnTo>
-                      <a:pt x="2935" y="401"/>
-                    </a:lnTo>
-                    <a:lnTo>
-                      <a:pt x="2792" y="301"/>
-                    </a:lnTo>
-                    <a:lnTo>
-                      <a:pt x="2648" y="215"/>
-                    </a:lnTo>
-                    <a:lnTo>
-                      <a:pt x="2491" y="144"/>
-                    </a:lnTo>
-                    <a:lnTo>
-                      <a:pt x="2319" y="72"/>
-                    </a:lnTo>
-                    <a:lnTo>
-                      <a:pt x="2147" y="29"/>
-                    </a:lnTo>
-                    <a:lnTo>
-                      <a:pt x="1976" y="0"/>
-                    </a:lnTo>
-                    <a:lnTo>
-                      <a:pt x="1603" y="0"/>
-                    </a:lnTo>
-                    <a:close/>
-                  </a:path>
-                </a:pathLst>
-              </a:custGeom>
-              <a:solidFill>
-                <a:srgbClr val="294A4F"/>
-              </a:solidFill>
-              <a:ln>
-                <a:noFill/>
-              </a:ln>
-            </p:spPr>
-            <p:txBody>
-              <a:bodyPr spcFirstLastPara="1" wrap="square" lIns="91425" tIns="91425" rIns="91425" bIns="91425" anchor="ctr" anchorCtr="0">
-                <a:noAutofit/>
-              </a:bodyPr>
-              <a:lstStyle/>
-              <a:p>
-                <a:pPr marL="0" marR="0" lvl="0" indent="0" algn="l" rtl="0">
-                  <a:lnSpc>
-                    <a:spcPct val="100000"/>
-                  </a:lnSpc>
-                  <a:spcBef>
-                    <a:spcPts val="0"/>
-                  </a:spcBef>
-                  <a:spcAft>
-                    <a:spcPts val="0"/>
-                  </a:spcAft>
-                  <a:buNone/>
-                </a:pPr>
-                <a:endParaRPr sz="1400" b="0" i="0" u="none">
-                  <a:solidFill>
-                    <a:srgbClr val="000000"/>
-                  </a:solidFill>
-                  <a:latin typeface="Arial"/>
-                  <a:ea typeface="Arial"/>
-                  <a:cs typeface="Arial"/>
-                  <a:sym typeface="Arial"/>
-                </a:endParaRPr>
-              </a:p>
-            </p:txBody>
-          </p:sp>
-          <p:sp>
-            <p:nvSpPr>
-              <p:cNvPr id="812" name="Google Shape;812;p41"/>
-              <p:cNvSpPr/>
-              <p:nvPr/>
-            </p:nvSpPr>
-            <p:spPr>
-              <a:xfrm>
-                <a:off x="1020657" y="4010636"/>
-                <a:ext cx="901067" cy="213621"/>
-              </a:xfrm>
-              <a:custGeom>
-                <a:avLst/>
-                <a:gdLst/>
-                <a:ahLst/>
-                <a:cxnLst/>
-                <a:rect l="l" t="t" r="r" b="b"/>
-                <a:pathLst>
-                  <a:path w="74422" h="17651" extrusionOk="0">
-                    <a:moveTo>
-                      <a:pt x="3537" y="1"/>
-                    </a:moveTo>
-                    <a:lnTo>
-                      <a:pt x="3351" y="15"/>
-                    </a:lnTo>
-                    <a:lnTo>
-                      <a:pt x="3164" y="44"/>
-                    </a:lnTo>
-                    <a:lnTo>
-                      <a:pt x="2978" y="72"/>
-                    </a:lnTo>
-                    <a:lnTo>
-                      <a:pt x="2807" y="115"/>
-                    </a:lnTo>
-                    <a:lnTo>
-                      <a:pt x="2620" y="172"/>
-                    </a:lnTo>
-                    <a:lnTo>
-                      <a:pt x="2449" y="230"/>
-                    </a:lnTo>
-                    <a:lnTo>
-                      <a:pt x="2277" y="287"/>
-                    </a:lnTo>
-                    <a:lnTo>
-                      <a:pt x="2119" y="373"/>
-                    </a:lnTo>
-                    <a:lnTo>
-                      <a:pt x="1962" y="444"/>
-                    </a:lnTo>
-                    <a:lnTo>
-                      <a:pt x="1805" y="545"/>
-                    </a:lnTo>
-                    <a:lnTo>
-                      <a:pt x="1647" y="631"/>
-                    </a:lnTo>
-                    <a:lnTo>
-                      <a:pt x="1504" y="745"/>
-                    </a:lnTo>
-                    <a:lnTo>
-                      <a:pt x="1361" y="845"/>
-                    </a:lnTo>
-                    <a:lnTo>
-                      <a:pt x="1103" y="1089"/>
-                    </a:lnTo>
-                    <a:lnTo>
-                      <a:pt x="860" y="1361"/>
-                    </a:lnTo>
-                    <a:lnTo>
-                      <a:pt x="745" y="1504"/>
-                    </a:lnTo>
-                    <a:lnTo>
-                      <a:pt x="645" y="1647"/>
-                    </a:lnTo>
-                    <a:lnTo>
-                      <a:pt x="545" y="1790"/>
-                    </a:lnTo>
-                    <a:lnTo>
-                      <a:pt x="459" y="1947"/>
-                    </a:lnTo>
-                    <a:lnTo>
-                      <a:pt x="373" y="2105"/>
-                    </a:lnTo>
-                    <a:lnTo>
-                      <a:pt x="302" y="2277"/>
-                    </a:lnTo>
-                    <a:lnTo>
-                      <a:pt x="230" y="2448"/>
-                    </a:lnTo>
-                    <a:lnTo>
-                      <a:pt x="173" y="2620"/>
-                    </a:lnTo>
-                    <a:lnTo>
-                      <a:pt x="115" y="2792"/>
-                    </a:lnTo>
-                    <a:lnTo>
-                      <a:pt x="87" y="2978"/>
-                    </a:lnTo>
-                    <a:lnTo>
-                      <a:pt x="44" y="3164"/>
-                    </a:lnTo>
-                    <a:lnTo>
-                      <a:pt x="30" y="3350"/>
-                    </a:lnTo>
-                    <a:lnTo>
-                      <a:pt x="15" y="3536"/>
-                    </a:lnTo>
-                    <a:lnTo>
-                      <a:pt x="1" y="3722"/>
-                    </a:lnTo>
-                    <a:lnTo>
-                      <a:pt x="1" y="13929"/>
-                    </a:lnTo>
-                    <a:lnTo>
-                      <a:pt x="15" y="14129"/>
-                    </a:lnTo>
-                    <a:lnTo>
-                      <a:pt x="30" y="14315"/>
-                    </a:lnTo>
-                    <a:lnTo>
-                      <a:pt x="44" y="14501"/>
-                    </a:lnTo>
-                    <a:lnTo>
-                      <a:pt x="87" y="14687"/>
-                    </a:lnTo>
-                    <a:lnTo>
-                      <a:pt x="115" y="14859"/>
-                    </a:lnTo>
-                    <a:lnTo>
-                      <a:pt x="173" y="15045"/>
-                    </a:lnTo>
-                    <a:lnTo>
-                      <a:pt x="230" y="15217"/>
-                    </a:lnTo>
-                    <a:lnTo>
-                      <a:pt x="302" y="15374"/>
-                    </a:lnTo>
-                    <a:lnTo>
-                      <a:pt x="373" y="15546"/>
-                    </a:lnTo>
-                    <a:lnTo>
-                      <a:pt x="459" y="15704"/>
-                    </a:lnTo>
-                    <a:lnTo>
-                      <a:pt x="545" y="15861"/>
-                    </a:lnTo>
-                    <a:lnTo>
-                      <a:pt x="645" y="16019"/>
-                    </a:lnTo>
-                    <a:lnTo>
-                      <a:pt x="745" y="16162"/>
-                    </a:lnTo>
-                    <a:lnTo>
-                      <a:pt x="860" y="16305"/>
-                    </a:lnTo>
-                    <a:lnTo>
-                      <a:pt x="1103" y="16563"/>
-                    </a:lnTo>
-                    <a:lnTo>
-                      <a:pt x="1361" y="16806"/>
-                    </a:lnTo>
-                    <a:lnTo>
-                      <a:pt x="1504" y="16920"/>
-                    </a:lnTo>
-                    <a:lnTo>
-                      <a:pt x="1647" y="17021"/>
-                    </a:lnTo>
-                    <a:lnTo>
-                      <a:pt x="1805" y="17121"/>
-                    </a:lnTo>
-                    <a:lnTo>
-                      <a:pt x="1962" y="17207"/>
-                    </a:lnTo>
-                    <a:lnTo>
-                      <a:pt x="2119" y="17293"/>
-                    </a:lnTo>
-                    <a:lnTo>
-                      <a:pt x="2277" y="17364"/>
-                    </a:lnTo>
-                    <a:lnTo>
-                      <a:pt x="2449" y="17436"/>
-                    </a:lnTo>
-                    <a:lnTo>
-                      <a:pt x="2620" y="17493"/>
-                    </a:lnTo>
-                    <a:lnTo>
-                      <a:pt x="2807" y="17536"/>
-                    </a:lnTo>
-                    <a:lnTo>
-                      <a:pt x="2978" y="17579"/>
-                    </a:lnTo>
-                    <a:lnTo>
-                      <a:pt x="3164" y="17608"/>
-                    </a:lnTo>
-                    <a:lnTo>
-                      <a:pt x="3351" y="17636"/>
-                    </a:lnTo>
-                    <a:lnTo>
-                      <a:pt x="3537" y="17650"/>
-                    </a:lnTo>
-                    <a:lnTo>
-                      <a:pt x="74422" y="17650"/>
-                    </a:lnTo>
-                    <a:lnTo>
-                      <a:pt x="74422" y="1"/>
-                    </a:lnTo>
-                    <a:lnTo>
-                      <a:pt x="3537" y="1"/>
-                    </a:lnTo>
-                    <a:close/>
-                  </a:path>
-                </a:pathLst>
-              </a:custGeom>
-              <a:solidFill>
-                <a:srgbClr val="E66147"/>
-              </a:solidFill>
-              <a:ln>
-                <a:noFill/>
-              </a:ln>
-            </p:spPr>
-            <p:txBody>
-              <a:bodyPr spcFirstLastPara="1" wrap="square" lIns="91425" tIns="91425" rIns="91425" bIns="91425" anchor="ctr" anchorCtr="0">
-                <a:noAutofit/>
-              </a:bodyPr>
-              <a:lstStyle/>
-              <a:p>
-                <a:pPr marL="0" marR="0" lvl="0" indent="0" algn="l" rtl="0">
-                  <a:lnSpc>
-                    <a:spcPct val="100000"/>
-                  </a:lnSpc>
-                  <a:spcBef>
-                    <a:spcPts val="0"/>
-                  </a:spcBef>
-                  <a:spcAft>
-                    <a:spcPts val="0"/>
-                  </a:spcAft>
-                  <a:buNone/>
-                </a:pPr>
-                <a:endParaRPr sz="1400" b="0" i="0" u="none">
-                  <a:solidFill>
-                    <a:srgbClr val="000000"/>
-                  </a:solidFill>
-                  <a:latin typeface="Arial"/>
-                  <a:ea typeface="Arial"/>
-                  <a:cs typeface="Arial"/>
-                  <a:sym typeface="Arial"/>
-                </a:endParaRPr>
-              </a:p>
-            </p:txBody>
-          </p:sp>
-          <p:sp>
-            <p:nvSpPr>
-              <p:cNvPr id="813" name="Google Shape;813;p41"/>
-              <p:cNvSpPr/>
-              <p:nvPr/>
-            </p:nvSpPr>
-            <p:spPr>
-              <a:xfrm>
-                <a:off x="1048574" y="4033840"/>
-                <a:ext cx="873326" cy="166575"/>
-              </a:xfrm>
-              <a:custGeom>
-                <a:avLst/>
-                <a:gdLst/>
-                <a:ahLst/>
-                <a:cxnLst/>
-                <a:rect l="l" t="t" r="r" b="b"/>
-                <a:pathLst>
-                  <a:path w="72131" h="13758" extrusionOk="0">
-                    <a:moveTo>
-                      <a:pt x="0" y="1"/>
-                    </a:moveTo>
-                    <a:lnTo>
-                      <a:pt x="0" y="13757"/>
-                    </a:lnTo>
-                    <a:lnTo>
-                      <a:pt x="72131" y="13757"/>
-                    </a:lnTo>
-                    <a:lnTo>
-                      <a:pt x="72131" y="1"/>
-                    </a:lnTo>
-                    <a:lnTo>
-                      <a:pt x="0" y="1"/>
-                    </a:lnTo>
-                    <a:close/>
-                  </a:path>
-                </a:pathLst>
-              </a:custGeom>
-              <a:solidFill>
-                <a:srgbClr val="EFEFEF"/>
-              </a:solidFill>
-              <a:ln>
-                <a:noFill/>
-              </a:ln>
-            </p:spPr>
-            <p:txBody>
-              <a:bodyPr spcFirstLastPara="1" wrap="square" lIns="91425" tIns="91425" rIns="91425" bIns="91425" anchor="ctr" anchorCtr="0">
-                <a:noAutofit/>
-              </a:bodyPr>
-              <a:lstStyle/>
-              <a:p>
-                <a:pPr marL="0" marR="0" lvl="0" indent="0" algn="l" rtl="0">
-                  <a:lnSpc>
-                    <a:spcPct val="100000"/>
-                  </a:lnSpc>
-                  <a:spcBef>
-                    <a:spcPts val="0"/>
-                  </a:spcBef>
-                  <a:spcAft>
-                    <a:spcPts val="0"/>
-                  </a:spcAft>
-                  <a:buNone/>
-                </a:pPr>
-                <a:endParaRPr sz="1400" b="0" i="0" u="none">
-                  <a:solidFill>
-                    <a:srgbClr val="000000"/>
-                  </a:solidFill>
-                  <a:latin typeface="Arial"/>
-                  <a:ea typeface="Arial"/>
-                  <a:cs typeface="Arial"/>
-                  <a:sym typeface="Arial"/>
-                </a:endParaRPr>
-              </a:p>
-            </p:txBody>
-          </p:sp>
-          <p:sp>
-            <p:nvSpPr>
-              <p:cNvPr id="814" name="Google Shape;814;p41"/>
-              <p:cNvSpPr/>
-              <p:nvPr/>
-            </p:nvSpPr>
-            <p:spPr>
-              <a:xfrm>
-                <a:off x="1048574" y="4033840"/>
-                <a:ext cx="873326" cy="166575"/>
-              </a:xfrm>
-              <a:custGeom>
-                <a:avLst/>
-                <a:gdLst/>
-                <a:ahLst/>
-                <a:cxnLst/>
-                <a:rect l="l" t="t" r="r" b="b"/>
-                <a:pathLst>
-                  <a:path w="72131" h="13758" extrusionOk="0">
-                    <a:moveTo>
-                      <a:pt x="0" y="1"/>
-                    </a:moveTo>
-                    <a:lnTo>
-                      <a:pt x="0" y="13757"/>
-                    </a:lnTo>
-                    <a:lnTo>
-                      <a:pt x="1775" y="13757"/>
-                    </a:lnTo>
-                    <a:lnTo>
-                      <a:pt x="1775" y="1561"/>
-                    </a:lnTo>
-                    <a:lnTo>
-                      <a:pt x="72131" y="1561"/>
-                    </a:lnTo>
-                    <a:lnTo>
-                      <a:pt x="72131" y="1"/>
-                    </a:lnTo>
-                    <a:lnTo>
-                      <a:pt x="0" y="1"/>
-                    </a:lnTo>
-                    <a:close/>
-                  </a:path>
-                </a:pathLst>
-              </a:custGeom>
-              <a:solidFill>
-                <a:srgbClr val="DDDDDD"/>
-              </a:solidFill>
-              <a:ln>
-                <a:noFill/>
-              </a:ln>
-            </p:spPr>
-            <p:txBody>
-              <a:bodyPr spcFirstLastPara="1" wrap="square" lIns="91425" tIns="91425" rIns="91425" bIns="91425" anchor="ctr" anchorCtr="0">
-                <a:noAutofit/>
-              </a:bodyPr>
-              <a:lstStyle/>
-              <a:p>
-                <a:pPr marL="0" marR="0" lvl="0" indent="0" algn="l" rtl="0">
-                  <a:lnSpc>
-                    <a:spcPct val="100000"/>
-                  </a:lnSpc>
-                  <a:spcBef>
-                    <a:spcPts val="0"/>
-                  </a:spcBef>
-                  <a:spcAft>
-                    <a:spcPts val="0"/>
-                  </a:spcAft>
-                  <a:buNone/>
-                </a:pPr>
-                <a:endParaRPr sz="1400" b="0" i="0" u="none">
-                  <a:solidFill>
-                    <a:srgbClr val="000000"/>
-                  </a:solidFill>
-                  <a:latin typeface="Arial"/>
-                  <a:ea typeface="Arial"/>
-                  <a:cs typeface="Arial"/>
-                  <a:sym typeface="Arial"/>
-                </a:endParaRPr>
-              </a:p>
-            </p:txBody>
-          </p:sp>
-          <p:sp>
-            <p:nvSpPr>
-              <p:cNvPr id="815" name="Google Shape;815;p41"/>
-              <p:cNvSpPr/>
-              <p:nvPr/>
-            </p:nvSpPr>
-            <p:spPr>
-              <a:xfrm>
-                <a:off x="1070065" y="4174227"/>
-                <a:ext cx="851835" cy="8681"/>
-              </a:xfrm>
-              <a:custGeom>
-                <a:avLst/>
-                <a:gdLst/>
-                <a:ahLst/>
-                <a:cxnLst/>
-                <a:rect l="l" t="t" r="r" b="b"/>
-                <a:pathLst>
-                  <a:path w="70356" h="717" extrusionOk="0">
-                    <a:moveTo>
-                      <a:pt x="0" y="1"/>
-                    </a:moveTo>
-                    <a:lnTo>
-                      <a:pt x="0" y="716"/>
-                    </a:lnTo>
-                    <a:lnTo>
-                      <a:pt x="70356" y="1"/>
-                    </a:lnTo>
-                    <a:lnTo>
-                      <a:pt x="0" y="1"/>
-                    </a:lnTo>
-                    <a:close/>
-                  </a:path>
-                </a:pathLst>
-              </a:custGeom>
-              <a:solidFill>
-                <a:srgbClr val="DDDDDD"/>
-              </a:solidFill>
-              <a:ln>
-                <a:noFill/>
-              </a:ln>
-            </p:spPr>
-            <p:txBody>
-              <a:bodyPr spcFirstLastPara="1" wrap="square" lIns="91425" tIns="91425" rIns="91425" bIns="91425" anchor="ctr" anchorCtr="0">
-                <a:noAutofit/>
-              </a:bodyPr>
-              <a:lstStyle/>
-              <a:p>
-                <a:pPr marL="0" marR="0" lvl="0" indent="0" algn="l" rtl="0">
-                  <a:lnSpc>
-                    <a:spcPct val="100000"/>
-                  </a:lnSpc>
-                  <a:spcBef>
-                    <a:spcPts val="0"/>
-                  </a:spcBef>
-                  <a:spcAft>
-                    <a:spcPts val="0"/>
-                  </a:spcAft>
-                  <a:buNone/>
-                </a:pPr>
-                <a:endParaRPr sz="1400" b="0" i="0" u="none">
-                  <a:solidFill>
-                    <a:srgbClr val="000000"/>
-                  </a:solidFill>
-                  <a:latin typeface="Arial"/>
-                  <a:ea typeface="Arial"/>
-                  <a:cs typeface="Arial"/>
-                  <a:sym typeface="Arial"/>
-                </a:endParaRPr>
-              </a:p>
-            </p:txBody>
-          </p:sp>
-          <p:sp>
-            <p:nvSpPr>
-              <p:cNvPr id="816" name="Google Shape;816;p41"/>
-              <p:cNvSpPr/>
-              <p:nvPr/>
-            </p:nvSpPr>
-            <p:spPr>
-              <a:xfrm>
-                <a:off x="1070065" y="4153947"/>
-                <a:ext cx="851835" cy="8851"/>
-              </a:xfrm>
-              <a:custGeom>
-                <a:avLst/>
-                <a:gdLst/>
-                <a:ahLst/>
-                <a:cxnLst/>
-                <a:rect l="l" t="t" r="r" b="b"/>
-                <a:pathLst>
-                  <a:path w="70356" h="731" extrusionOk="0">
-                    <a:moveTo>
-                      <a:pt x="0" y="1"/>
-                    </a:moveTo>
-                    <a:lnTo>
-                      <a:pt x="0" y="731"/>
-                    </a:lnTo>
-                    <a:lnTo>
-                      <a:pt x="70356" y="1"/>
-                    </a:lnTo>
-                    <a:lnTo>
-                      <a:pt x="0" y="1"/>
-                    </a:lnTo>
-                    <a:close/>
-                  </a:path>
-                </a:pathLst>
-              </a:custGeom>
-              <a:solidFill>
-                <a:srgbClr val="DDDDDD"/>
-              </a:solidFill>
-              <a:ln>
-                <a:noFill/>
-              </a:ln>
-            </p:spPr>
-            <p:txBody>
-              <a:bodyPr spcFirstLastPara="1" wrap="square" lIns="91425" tIns="91425" rIns="91425" bIns="91425" anchor="ctr" anchorCtr="0">
-                <a:noAutofit/>
-              </a:bodyPr>
-              <a:lstStyle/>
-              <a:p>
-                <a:pPr marL="0" marR="0" lvl="0" indent="0" algn="l" rtl="0">
-                  <a:lnSpc>
-                    <a:spcPct val="100000"/>
-                  </a:lnSpc>
-                  <a:spcBef>
-                    <a:spcPts val="0"/>
-                  </a:spcBef>
-                  <a:spcAft>
-                    <a:spcPts val="0"/>
-                  </a:spcAft>
-                  <a:buNone/>
-                </a:pPr>
-                <a:endParaRPr sz="1400" b="0" i="0" u="none">
-                  <a:solidFill>
-                    <a:srgbClr val="000000"/>
-                  </a:solidFill>
-                  <a:latin typeface="Arial"/>
-                  <a:ea typeface="Arial"/>
-                  <a:cs typeface="Arial"/>
-                  <a:sym typeface="Arial"/>
-                </a:endParaRPr>
-              </a:p>
-            </p:txBody>
-          </p:sp>
-          <p:sp>
-            <p:nvSpPr>
-              <p:cNvPr id="817" name="Google Shape;817;p41"/>
-              <p:cNvSpPr/>
-              <p:nvPr/>
-            </p:nvSpPr>
-            <p:spPr>
-              <a:xfrm>
-                <a:off x="1070065" y="4133667"/>
-                <a:ext cx="851835" cy="8863"/>
-              </a:xfrm>
-              <a:custGeom>
-                <a:avLst/>
-                <a:gdLst/>
-                <a:ahLst/>
-                <a:cxnLst/>
-                <a:rect l="l" t="t" r="r" b="b"/>
-                <a:pathLst>
-                  <a:path w="70356" h="732" extrusionOk="0">
-                    <a:moveTo>
-                      <a:pt x="0" y="1"/>
-                    </a:moveTo>
-                    <a:lnTo>
-                      <a:pt x="0" y="731"/>
-                    </a:lnTo>
-                    <a:lnTo>
-                      <a:pt x="70356" y="1"/>
-                    </a:lnTo>
-                    <a:lnTo>
-                      <a:pt x="0" y="1"/>
-                    </a:lnTo>
-                    <a:close/>
-                  </a:path>
-                </a:pathLst>
-              </a:custGeom>
-              <a:solidFill>
-                <a:srgbClr val="DDDDDD"/>
-              </a:solidFill>
-              <a:ln>
-                <a:noFill/>
-              </a:ln>
-            </p:spPr>
-            <p:txBody>
-              <a:bodyPr spcFirstLastPara="1" wrap="square" lIns="91425" tIns="91425" rIns="91425" bIns="91425" anchor="ctr" anchorCtr="0">
-                <a:noAutofit/>
-              </a:bodyPr>
-              <a:lstStyle/>
-              <a:p>
-                <a:pPr marL="0" marR="0" lvl="0" indent="0" algn="l" rtl="0">
-                  <a:lnSpc>
-                    <a:spcPct val="100000"/>
-                  </a:lnSpc>
-                  <a:spcBef>
-                    <a:spcPts val="0"/>
-                  </a:spcBef>
-                  <a:spcAft>
-                    <a:spcPts val="0"/>
-                  </a:spcAft>
-                  <a:buNone/>
-                </a:pPr>
-                <a:endParaRPr sz="1400" b="0" i="0" u="none">
-                  <a:solidFill>
-                    <a:srgbClr val="000000"/>
-                  </a:solidFill>
-                  <a:latin typeface="Arial"/>
-                  <a:ea typeface="Arial"/>
-                  <a:cs typeface="Arial"/>
-                  <a:sym typeface="Arial"/>
-                </a:endParaRPr>
-              </a:p>
-            </p:txBody>
-          </p:sp>
-          <p:sp>
-            <p:nvSpPr>
-              <p:cNvPr id="818" name="Google Shape;818;p41"/>
-              <p:cNvSpPr/>
-              <p:nvPr/>
-            </p:nvSpPr>
-            <p:spPr>
-              <a:xfrm>
-                <a:off x="1070065" y="4113399"/>
-                <a:ext cx="851835" cy="8851"/>
-              </a:xfrm>
-              <a:custGeom>
-                <a:avLst/>
-                <a:gdLst/>
-                <a:ahLst/>
-                <a:cxnLst/>
-                <a:rect l="l" t="t" r="r" b="b"/>
-                <a:pathLst>
-                  <a:path w="70356" h="731" extrusionOk="0">
-                    <a:moveTo>
-                      <a:pt x="0" y="0"/>
-                    </a:moveTo>
-                    <a:lnTo>
-                      <a:pt x="0" y="730"/>
-                    </a:lnTo>
-                    <a:lnTo>
-                      <a:pt x="70356" y="0"/>
-                    </a:lnTo>
-                    <a:lnTo>
-                      <a:pt x="0" y="0"/>
-                    </a:lnTo>
-                    <a:close/>
-                  </a:path>
-                </a:pathLst>
-              </a:custGeom>
-              <a:solidFill>
-                <a:srgbClr val="DDDDDD"/>
-              </a:solidFill>
-              <a:ln>
-                <a:noFill/>
-              </a:ln>
-            </p:spPr>
-            <p:txBody>
-              <a:bodyPr spcFirstLastPara="1" wrap="square" lIns="91425" tIns="91425" rIns="91425" bIns="91425" anchor="ctr" anchorCtr="0">
-                <a:noAutofit/>
-              </a:bodyPr>
-              <a:lstStyle/>
-              <a:p>
-                <a:pPr marL="0" marR="0" lvl="0" indent="0" algn="l" rtl="0">
-                  <a:lnSpc>
-                    <a:spcPct val="100000"/>
-                  </a:lnSpc>
-                  <a:spcBef>
-                    <a:spcPts val="0"/>
-                  </a:spcBef>
-                  <a:spcAft>
-                    <a:spcPts val="0"/>
-                  </a:spcAft>
-                  <a:buNone/>
-                </a:pPr>
-                <a:endParaRPr sz="1400" b="0" i="0" u="none">
-                  <a:solidFill>
-                    <a:srgbClr val="000000"/>
-                  </a:solidFill>
-                  <a:latin typeface="Arial"/>
-                  <a:ea typeface="Arial"/>
-                  <a:cs typeface="Arial"/>
-                  <a:sym typeface="Arial"/>
-                </a:endParaRPr>
-              </a:p>
-            </p:txBody>
-          </p:sp>
-          <p:sp>
-            <p:nvSpPr>
-              <p:cNvPr id="819" name="Google Shape;819;p41"/>
-              <p:cNvSpPr/>
-              <p:nvPr/>
-            </p:nvSpPr>
-            <p:spPr>
-              <a:xfrm>
-                <a:off x="1070065" y="4093288"/>
-                <a:ext cx="851835" cy="8851"/>
-              </a:xfrm>
-              <a:custGeom>
-                <a:avLst/>
-                <a:gdLst/>
-                <a:ahLst/>
-                <a:cxnLst/>
-                <a:rect l="l" t="t" r="r" b="b"/>
-                <a:pathLst>
-                  <a:path w="70356" h="731" extrusionOk="0">
-                    <a:moveTo>
-                      <a:pt x="0" y="1"/>
-                    </a:moveTo>
-                    <a:lnTo>
-                      <a:pt x="0" y="731"/>
-                    </a:lnTo>
-                    <a:lnTo>
-                      <a:pt x="70356" y="1"/>
-                    </a:lnTo>
-                    <a:lnTo>
-                      <a:pt x="0" y="1"/>
-                    </a:lnTo>
-                    <a:close/>
-                  </a:path>
-                </a:pathLst>
-              </a:custGeom>
-              <a:solidFill>
-                <a:srgbClr val="DDDDDD"/>
-              </a:solidFill>
-              <a:ln>
-                <a:noFill/>
-              </a:ln>
-            </p:spPr>
-            <p:txBody>
-              <a:bodyPr spcFirstLastPara="1" wrap="square" lIns="91425" tIns="91425" rIns="91425" bIns="91425" anchor="ctr" anchorCtr="0">
-                <a:noAutofit/>
-              </a:bodyPr>
-              <a:lstStyle/>
-              <a:p>
-                <a:pPr marL="0" marR="0" lvl="0" indent="0" algn="l" rtl="0">
-                  <a:lnSpc>
-                    <a:spcPct val="100000"/>
-                  </a:lnSpc>
-                  <a:spcBef>
-                    <a:spcPts val="0"/>
-                  </a:spcBef>
-                  <a:spcAft>
-                    <a:spcPts val="0"/>
-                  </a:spcAft>
-                  <a:buNone/>
-                </a:pPr>
-                <a:endParaRPr sz="1400" b="0" i="0" u="none">
-                  <a:solidFill>
-                    <a:srgbClr val="000000"/>
-                  </a:solidFill>
-                  <a:latin typeface="Arial"/>
-                  <a:ea typeface="Arial"/>
-                  <a:cs typeface="Arial"/>
-                  <a:sym typeface="Arial"/>
-                </a:endParaRPr>
-              </a:p>
-            </p:txBody>
-          </p:sp>
-          <p:sp>
-            <p:nvSpPr>
-              <p:cNvPr id="820" name="Google Shape;820;p41"/>
-              <p:cNvSpPr/>
-              <p:nvPr/>
-            </p:nvSpPr>
-            <p:spPr>
-              <a:xfrm>
-                <a:off x="1070065" y="4073008"/>
-                <a:ext cx="851835" cy="8851"/>
-              </a:xfrm>
-              <a:custGeom>
-                <a:avLst/>
-                <a:gdLst/>
-                <a:ahLst/>
-                <a:cxnLst/>
-                <a:rect l="l" t="t" r="r" b="b"/>
-                <a:pathLst>
-                  <a:path w="70356" h="731" extrusionOk="0">
-                    <a:moveTo>
-                      <a:pt x="0" y="1"/>
-                    </a:moveTo>
-                    <a:lnTo>
-                      <a:pt x="0" y="731"/>
-                    </a:lnTo>
-                    <a:lnTo>
-                      <a:pt x="70356" y="1"/>
-                    </a:lnTo>
-                    <a:lnTo>
-                      <a:pt x="0" y="1"/>
-                    </a:lnTo>
-                    <a:close/>
-                  </a:path>
-                </a:pathLst>
-              </a:custGeom>
-              <a:solidFill>
-                <a:srgbClr val="DDDDDD"/>
-              </a:solidFill>
-              <a:ln>
-                <a:noFill/>
-              </a:ln>
-            </p:spPr>
-            <p:txBody>
-              <a:bodyPr spcFirstLastPara="1" wrap="square" lIns="91425" tIns="91425" rIns="91425" bIns="91425" anchor="ctr" anchorCtr="0">
-                <a:noAutofit/>
-              </a:bodyPr>
-              <a:lstStyle/>
-              <a:p>
-                <a:pPr marL="0" marR="0" lvl="0" indent="0" algn="l" rtl="0">
-                  <a:lnSpc>
-                    <a:spcPct val="100000"/>
-                  </a:lnSpc>
-                  <a:spcBef>
-                    <a:spcPts val="0"/>
-                  </a:spcBef>
-                  <a:spcAft>
-                    <a:spcPts val="0"/>
-                  </a:spcAft>
-                  <a:buNone/>
-                </a:pPr>
-                <a:endParaRPr sz="1400" b="0" i="0" u="none">
-                  <a:solidFill>
-                    <a:srgbClr val="000000"/>
-                  </a:solidFill>
-                  <a:latin typeface="Arial"/>
-                  <a:ea typeface="Arial"/>
-                  <a:cs typeface="Arial"/>
-                  <a:sym typeface="Arial"/>
-                </a:endParaRPr>
-              </a:p>
-            </p:txBody>
-          </p:sp>
-          <p:sp>
-            <p:nvSpPr>
-              <p:cNvPr id="821" name="Google Shape;821;p41"/>
-              <p:cNvSpPr/>
-              <p:nvPr/>
-            </p:nvSpPr>
-            <p:spPr>
-              <a:xfrm>
-                <a:off x="1070065" y="4052740"/>
-                <a:ext cx="851835" cy="8851"/>
-              </a:xfrm>
-              <a:custGeom>
-                <a:avLst/>
-                <a:gdLst/>
-                <a:ahLst/>
-                <a:cxnLst/>
-                <a:rect l="l" t="t" r="r" b="b"/>
-                <a:pathLst>
-                  <a:path w="70356" h="731" extrusionOk="0">
-                    <a:moveTo>
-                      <a:pt x="0" y="0"/>
-                    </a:moveTo>
-                    <a:lnTo>
-                      <a:pt x="0" y="730"/>
-                    </a:lnTo>
-                    <a:lnTo>
-                      <a:pt x="70356" y="0"/>
-                    </a:lnTo>
-                    <a:lnTo>
-                      <a:pt x="0" y="0"/>
-                    </a:lnTo>
-                    <a:close/>
-                  </a:path>
-                </a:pathLst>
-              </a:custGeom>
-              <a:solidFill>
-                <a:srgbClr val="DDDDDD"/>
-              </a:solidFill>
-              <a:ln>
-                <a:noFill/>
-              </a:ln>
-            </p:spPr>
-            <p:txBody>
-              <a:bodyPr spcFirstLastPara="1" wrap="square" lIns="91425" tIns="91425" rIns="91425" bIns="91425" anchor="ctr" anchorCtr="0">
-                <a:noAutofit/>
-              </a:bodyPr>
-              <a:lstStyle/>
-              <a:p>
-                <a:pPr marL="0" marR="0" lvl="0" indent="0" algn="l" rtl="0">
-                  <a:lnSpc>
-                    <a:spcPct val="100000"/>
-                  </a:lnSpc>
-                  <a:spcBef>
-                    <a:spcPts val="0"/>
-                  </a:spcBef>
-                  <a:spcAft>
-                    <a:spcPts val="0"/>
-                  </a:spcAft>
-                  <a:buNone/>
-                </a:pPr>
-                <a:endParaRPr sz="1400" b="0" i="0" u="none">
-                  <a:solidFill>
-                    <a:srgbClr val="000000"/>
-                  </a:solidFill>
-                  <a:latin typeface="Arial"/>
-                  <a:ea typeface="Arial"/>
-                  <a:cs typeface="Arial"/>
-                  <a:sym typeface="Arial"/>
-                </a:endParaRPr>
-              </a:p>
-            </p:txBody>
-          </p:sp>
-          <p:sp>
-            <p:nvSpPr>
-              <p:cNvPr id="822" name="Google Shape;822;p41"/>
-              <p:cNvSpPr/>
-              <p:nvPr/>
-            </p:nvSpPr>
-            <p:spPr>
-              <a:xfrm>
-                <a:off x="1092076" y="3801179"/>
-                <a:ext cx="901067" cy="213621"/>
-              </a:xfrm>
-              <a:custGeom>
-                <a:avLst/>
-                <a:gdLst/>
-                <a:ahLst/>
-                <a:cxnLst/>
-                <a:rect l="l" t="t" r="r" b="b"/>
-                <a:pathLst>
-                  <a:path w="74422" h="17650" extrusionOk="0">
-                    <a:moveTo>
-                      <a:pt x="3537" y="0"/>
-                    </a:moveTo>
-                    <a:lnTo>
-                      <a:pt x="3350" y="14"/>
-                    </a:lnTo>
-                    <a:lnTo>
-                      <a:pt x="3164" y="43"/>
-                    </a:lnTo>
-                    <a:lnTo>
-                      <a:pt x="2978" y="72"/>
-                    </a:lnTo>
-                    <a:lnTo>
-                      <a:pt x="2792" y="115"/>
-                    </a:lnTo>
-                    <a:lnTo>
-                      <a:pt x="2620" y="158"/>
-                    </a:lnTo>
-                    <a:lnTo>
-                      <a:pt x="2449" y="229"/>
-                    </a:lnTo>
-                    <a:lnTo>
-                      <a:pt x="2277" y="286"/>
-                    </a:lnTo>
-                    <a:lnTo>
-                      <a:pt x="2119" y="358"/>
-                    </a:lnTo>
-                    <a:lnTo>
-                      <a:pt x="1948" y="444"/>
-                    </a:lnTo>
-                    <a:lnTo>
-                      <a:pt x="1804" y="530"/>
-                    </a:lnTo>
-                    <a:lnTo>
-                      <a:pt x="1647" y="630"/>
-                    </a:lnTo>
-                    <a:lnTo>
-                      <a:pt x="1504" y="730"/>
-                    </a:lnTo>
-                    <a:lnTo>
-                      <a:pt x="1361" y="845"/>
-                    </a:lnTo>
-                    <a:lnTo>
-                      <a:pt x="1089" y="1088"/>
-                    </a:lnTo>
-                    <a:lnTo>
-                      <a:pt x="860" y="1360"/>
-                    </a:lnTo>
-                    <a:lnTo>
-                      <a:pt x="745" y="1489"/>
-                    </a:lnTo>
-                    <a:lnTo>
-                      <a:pt x="645" y="1646"/>
-                    </a:lnTo>
-                    <a:lnTo>
-                      <a:pt x="545" y="1789"/>
-                    </a:lnTo>
-                    <a:lnTo>
-                      <a:pt x="459" y="1947"/>
-                    </a:lnTo>
-                    <a:lnTo>
-                      <a:pt x="373" y="2104"/>
-                    </a:lnTo>
-                    <a:lnTo>
-                      <a:pt x="301" y="2276"/>
-                    </a:lnTo>
-                    <a:lnTo>
-                      <a:pt x="230" y="2448"/>
-                    </a:lnTo>
-                    <a:lnTo>
-                      <a:pt x="173" y="2620"/>
-                    </a:lnTo>
-                    <a:lnTo>
-                      <a:pt x="115" y="2791"/>
-                    </a:lnTo>
-                    <a:lnTo>
-                      <a:pt x="72" y="2978"/>
-                    </a:lnTo>
-                    <a:lnTo>
-                      <a:pt x="44" y="3149"/>
-                    </a:lnTo>
-                    <a:lnTo>
-                      <a:pt x="29" y="3335"/>
-                    </a:lnTo>
-                    <a:lnTo>
-                      <a:pt x="15" y="3536"/>
-                    </a:lnTo>
-                    <a:lnTo>
-                      <a:pt x="1" y="3722"/>
-                    </a:lnTo>
-                    <a:lnTo>
-                      <a:pt x="1" y="13928"/>
-                    </a:lnTo>
-                    <a:lnTo>
-                      <a:pt x="15" y="14114"/>
-                    </a:lnTo>
-                    <a:lnTo>
-                      <a:pt x="29" y="14315"/>
-                    </a:lnTo>
-                    <a:lnTo>
-                      <a:pt x="44" y="14501"/>
-                    </a:lnTo>
-                    <a:lnTo>
-                      <a:pt x="72" y="14673"/>
-                    </a:lnTo>
-                    <a:lnTo>
-                      <a:pt x="115" y="14859"/>
-                    </a:lnTo>
-                    <a:lnTo>
-                      <a:pt x="173" y="15030"/>
-                    </a:lnTo>
-                    <a:lnTo>
-                      <a:pt x="230" y="15202"/>
-                    </a:lnTo>
-                    <a:lnTo>
-                      <a:pt x="301" y="15374"/>
-                    </a:lnTo>
-                    <a:lnTo>
-                      <a:pt x="373" y="15546"/>
-                    </a:lnTo>
-                    <a:lnTo>
-                      <a:pt x="459" y="15703"/>
-                    </a:lnTo>
-                    <a:lnTo>
-                      <a:pt x="545" y="15861"/>
-                    </a:lnTo>
-                    <a:lnTo>
-                      <a:pt x="645" y="16018"/>
-                    </a:lnTo>
-                    <a:lnTo>
-                      <a:pt x="745" y="16161"/>
-                    </a:lnTo>
-                    <a:lnTo>
-                      <a:pt x="860" y="16304"/>
-                    </a:lnTo>
-                    <a:lnTo>
-                      <a:pt x="1089" y="16562"/>
-                    </a:lnTo>
-                    <a:lnTo>
-                      <a:pt x="1361" y="16805"/>
-                    </a:lnTo>
-                    <a:lnTo>
-                      <a:pt x="1504" y="16920"/>
-                    </a:lnTo>
-                    <a:lnTo>
-                      <a:pt x="1647" y="17020"/>
-                    </a:lnTo>
-                    <a:lnTo>
-                      <a:pt x="1804" y="17120"/>
-                    </a:lnTo>
-                    <a:lnTo>
-                      <a:pt x="1948" y="17206"/>
-                    </a:lnTo>
-                    <a:lnTo>
-                      <a:pt x="2119" y="17292"/>
-                    </a:lnTo>
-                    <a:lnTo>
-                      <a:pt x="2277" y="17364"/>
-                    </a:lnTo>
-                    <a:lnTo>
-                      <a:pt x="2449" y="17421"/>
-                    </a:lnTo>
-                    <a:lnTo>
-                      <a:pt x="2620" y="17492"/>
-                    </a:lnTo>
-                    <a:lnTo>
-                      <a:pt x="2792" y="17535"/>
-                    </a:lnTo>
-                    <a:lnTo>
-                      <a:pt x="2978" y="17578"/>
-                    </a:lnTo>
-                    <a:lnTo>
-                      <a:pt x="3164" y="17607"/>
-                    </a:lnTo>
-                    <a:lnTo>
-                      <a:pt x="3350" y="17636"/>
-                    </a:lnTo>
-                    <a:lnTo>
-                      <a:pt x="3537" y="17650"/>
-                    </a:lnTo>
-                    <a:lnTo>
-                      <a:pt x="74422" y="17650"/>
-                    </a:lnTo>
-                    <a:lnTo>
-                      <a:pt x="74422" y="0"/>
-                    </a:lnTo>
-                    <a:lnTo>
-                      <a:pt x="3537" y="0"/>
-                    </a:lnTo>
-                    <a:close/>
-                  </a:path>
-                </a:pathLst>
-              </a:custGeom>
-              <a:solidFill>
-                <a:srgbClr val="FD8B64"/>
-              </a:solidFill>
-              <a:ln>
-                <a:noFill/>
-              </a:ln>
-            </p:spPr>
-            <p:txBody>
-              <a:bodyPr spcFirstLastPara="1" wrap="square" lIns="91425" tIns="91425" rIns="91425" bIns="91425" anchor="ctr" anchorCtr="0">
-                <a:noAutofit/>
-              </a:bodyPr>
-              <a:lstStyle/>
-              <a:p>
-                <a:pPr marL="0" marR="0" lvl="0" indent="0" algn="l" rtl="0">
-                  <a:lnSpc>
-                    <a:spcPct val="100000"/>
-                  </a:lnSpc>
-                  <a:spcBef>
-                    <a:spcPts val="0"/>
-                  </a:spcBef>
-                  <a:spcAft>
-                    <a:spcPts val="0"/>
-                  </a:spcAft>
-                  <a:buNone/>
-                </a:pPr>
-                <a:endParaRPr sz="1400" b="0" i="0" u="none">
-                  <a:solidFill>
-                    <a:srgbClr val="000000"/>
-                  </a:solidFill>
-                  <a:latin typeface="Arial"/>
-                  <a:ea typeface="Arial"/>
-                  <a:cs typeface="Arial"/>
-                  <a:sym typeface="Arial"/>
-                </a:endParaRPr>
-              </a:p>
-            </p:txBody>
-          </p:sp>
-          <p:sp>
-            <p:nvSpPr>
-              <p:cNvPr id="823" name="Google Shape;823;p41"/>
-              <p:cNvSpPr/>
-              <p:nvPr/>
-            </p:nvSpPr>
-            <p:spPr>
-              <a:xfrm>
-                <a:off x="1119633" y="3824138"/>
-                <a:ext cx="873326" cy="166563"/>
-              </a:xfrm>
-              <a:custGeom>
-                <a:avLst/>
-                <a:gdLst/>
-                <a:ahLst/>
-                <a:cxnLst/>
-                <a:rect l="l" t="t" r="r" b="b"/>
-                <a:pathLst>
-                  <a:path w="72131" h="13757" extrusionOk="0">
-                    <a:moveTo>
-                      <a:pt x="0" y="0"/>
-                    </a:moveTo>
-                    <a:lnTo>
-                      <a:pt x="0" y="13757"/>
-                    </a:lnTo>
-                    <a:lnTo>
-                      <a:pt x="72131" y="13757"/>
-                    </a:lnTo>
-                    <a:lnTo>
-                      <a:pt x="72131" y="0"/>
-                    </a:lnTo>
-                    <a:lnTo>
-                      <a:pt x="0" y="0"/>
-                    </a:lnTo>
-                    <a:close/>
-                  </a:path>
-                </a:pathLst>
-              </a:custGeom>
-              <a:solidFill>
-                <a:srgbClr val="EFEFEF"/>
-              </a:solidFill>
-              <a:ln>
-                <a:noFill/>
-              </a:ln>
-            </p:spPr>
-            <p:txBody>
-              <a:bodyPr spcFirstLastPara="1" wrap="square" lIns="91425" tIns="91425" rIns="91425" bIns="91425" anchor="ctr" anchorCtr="0">
-                <a:noAutofit/>
-              </a:bodyPr>
-              <a:lstStyle/>
-              <a:p>
-                <a:pPr marL="0" marR="0" lvl="0" indent="0" algn="l" rtl="0">
-                  <a:lnSpc>
-                    <a:spcPct val="100000"/>
-                  </a:lnSpc>
-                  <a:spcBef>
-                    <a:spcPts val="0"/>
-                  </a:spcBef>
-                  <a:spcAft>
-                    <a:spcPts val="0"/>
-                  </a:spcAft>
-                  <a:buNone/>
-                </a:pPr>
-                <a:endParaRPr sz="1400" b="0" i="0" u="none">
-                  <a:solidFill>
-                    <a:srgbClr val="000000"/>
-                  </a:solidFill>
-                  <a:latin typeface="Arial"/>
-                  <a:ea typeface="Arial"/>
-                  <a:cs typeface="Arial"/>
-                  <a:sym typeface="Arial"/>
-                </a:endParaRPr>
-              </a:p>
-            </p:txBody>
-          </p:sp>
-          <p:sp>
-            <p:nvSpPr>
-              <p:cNvPr id="824" name="Google Shape;824;p41"/>
-              <p:cNvSpPr/>
-              <p:nvPr/>
-            </p:nvSpPr>
-            <p:spPr>
-              <a:xfrm>
-                <a:off x="1119633" y="3824138"/>
-                <a:ext cx="873326" cy="166563"/>
-              </a:xfrm>
-              <a:custGeom>
-                <a:avLst/>
-                <a:gdLst/>
-                <a:ahLst/>
-                <a:cxnLst/>
-                <a:rect l="l" t="t" r="r" b="b"/>
-                <a:pathLst>
-                  <a:path w="72131" h="13757" extrusionOk="0">
-                    <a:moveTo>
-                      <a:pt x="0" y="0"/>
-                    </a:moveTo>
-                    <a:lnTo>
-                      <a:pt x="0" y="13757"/>
-                    </a:lnTo>
-                    <a:lnTo>
-                      <a:pt x="1775" y="13757"/>
-                    </a:lnTo>
-                    <a:lnTo>
-                      <a:pt x="1775" y="1561"/>
-                    </a:lnTo>
-                    <a:lnTo>
-                      <a:pt x="72131" y="1561"/>
-                    </a:lnTo>
-                    <a:lnTo>
-                      <a:pt x="72131" y="0"/>
-                    </a:lnTo>
-                    <a:lnTo>
-                      <a:pt x="0" y="0"/>
-                    </a:lnTo>
-                    <a:close/>
-                  </a:path>
-                </a:pathLst>
-              </a:custGeom>
-              <a:solidFill>
-                <a:srgbClr val="DDDDDD"/>
-              </a:solidFill>
-              <a:ln>
-                <a:noFill/>
-              </a:ln>
-            </p:spPr>
-            <p:txBody>
-              <a:bodyPr spcFirstLastPara="1" wrap="square" lIns="91425" tIns="91425" rIns="91425" bIns="91425" anchor="ctr" anchorCtr="0">
-                <a:noAutofit/>
-              </a:bodyPr>
-              <a:lstStyle/>
-              <a:p>
-                <a:pPr marL="0" marR="0" lvl="0" indent="0" algn="l" rtl="0">
-                  <a:lnSpc>
-                    <a:spcPct val="100000"/>
-                  </a:lnSpc>
-                  <a:spcBef>
-                    <a:spcPts val="0"/>
-                  </a:spcBef>
-                  <a:spcAft>
-                    <a:spcPts val="0"/>
-                  </a:spcAft>
-                  <a:buNone/>
-                </a:pPr>
-                <a:endParaRPr sz="1400" b="0" i="0" u="none">
-                  <a:solidFill>
-                    <a:srgbClr val="000000"/>
-                  </a:solidFill>
-                  <a:latin typeface="Arial"/>
-                  <a:ea typeface="Arial"/>
-                  <a:cs typeface="Arial"/>
-                  <a:sym typeface="Arial"/>
-                </a:endParaRPr>
-              </a:p>
-            </p:txBody>
-          </p:sp>
-          <p:sp>
-            <p:nvSpPr>
-              <p:cNvPr id="825" name="Google Shape;825;p41"/>
-              <p:cNvSpPr/>
-              <p:nvPr/>
-            </p:nvSpPr>
-            <p:spPr>
-              <a:xfrm>
-                <a:off x="1141124" y="3964343"/>
-                <a:ext cx="851835" cy="8851"/>
-              </a:xfrm>
-              <a:custGeom>
-                <a:avLst/>
-                <a:gdLst/>
-                <a:ahLst/>
-                <a:cxnLst/>
-                <a:rect l="l" t="t" r="r" b="b"/>
-                <a:pathLst>
-                  <a:path w="70356" h="731" extrusionOk="0">
-                    <a:moveTo>
-                      <a:pt x="0" y="1"/>
-                    </a:moveTo>
-                    <a:lnTo>
-                      <a:pt x="0" y="731"/>
-                    </a:lnTo>
-                    <a:lnTo>
-                      <a:pt x="70356" y="1"/>
-                    </a:lnTo>
-                    <a:lnTo>
-                      <a:pt x="0" y="1"/>
-                    </a:lnTo>
-                    <a:close/>
-                  </a:path>
-                </a:pathLst>
-              </a:custGeom>
-              <a:solidFill>
-                <a:srgbClr val="DDDDDD"/>
-              </a:solidFill>
-              <a:ln>
-                <a:noFill/>
-              </a:ln>
-            </p:spPr>
-            <p:txBody>
-              <a:bodyPr spcFirstLastPara="1" wrap="square" lIns="91425" tIns="91425" rIns="91425" bIns="91425" anchor="ctr" anchorCtr="0">
-                <a:noAutofit/>
-              </a:bodyPr>
-              <a:lstStyle/>
-              <a:p>
-                <a:pPr marL="0" marR="0" lvl="0" indent="0" algn="l" rtl="0">
-                  <a:lnSpc>
-                    <a:spcPct val="100000"/>
-                  </a:lnSpc>
-                  <a:spcBef>
-                    <a:spcPts val="0"/>
-                  </a:spcBef>
-                  <a:spcAft>
-                    <a:spcPts val="0"/>
-                  </a:spcAft>
-                  <a:buNone/>
-                </a:pPr>
-                <a:endParaRPr sz="1400" b="0" i="0" u="none">
-                  <a:solidFill>
-                    <a:srgbClr val="000000"/>
-                  </a:solidFill>
-                  <a:latin typeface="Arial"/>
-                  <a:ea typeface="Arial"/>
-                  <a:cs typeface="Arial"/>
-                  <a:sym typeface="Arial"/>
-                </a:endParaRPr>
-              </a:p>
-            </p:txBody>
-          </p:sp>
-          <p:sp>
-            <p:nvSpPr>
-              <p:cNvPr id="826" name="Google Shape;826;p41"/>
-              <p:cNvSpPr/>
-              <p:nvPr/>
-            </p:nvSpPr>
-            <p:spPr>
-              <a:xfrm>
-                <a:off x="1141124" y="3944245"/>
-                <a:ext cx="851835" cy="8851"/>
-              </a:xfrm>
-              <a:custGeom>
-                <a:avLst/>
-                <a:gdLst/>
-                <a:ahLst/>
-                <a:cxnLst/>
-                <a:rect l="l" t="t" r="r" b="b"/>
-                <a:pathLst>
-                  <a:path w="70356" h="731" extrusionOk="0">
-                    <a:moveTo>
-                      <a:pt x="0" y="0"/>
-                    </a:moveTo>
-                    <a:lnTo>
-                      <a:pt x="0" y="730"/>
-                    </a:lnTo>
-                    <a:lnTo>
-                      <a:pt x="70356" y="0"/>
-                    </a:lnTo>
-                    <a:lnTo>
-                      <a:pt x="0" y="0"/>
-                    </a:lnTo>
-                    <a:close/>
-                  </a:path>
-                </a:pathLst>
-              </a:custGeom>
-              <a:solidFill>
-                <a:srgbClr val="DDDDDD"/>
-              </a:solidFill>
-              <a:ln>
-                <a:noFill/>
-              </a:ln>
-            </p:spPr>
-            <p:txBody>
-              <a:bodyPr spcFirstLastPara="1" wrap="square" lIns="91425" tIns="91425" rIns="91425" bIns="91425" anchor="ctr" anchorCtr="0">
-                <a:noAutofit/>
-              </a:bodyPr>
-              <a:lstStyle/>
-              <a:p>
-                <a:pPr marL="0" marR="0" lvl="0" indent="0" algn="l" rtl="0">
-                  <a:lnSpc>
-                    <a:spcPct val="100000"/>
-                  </a:lnSpc>
-                  <a:spcBef>
-                    <a:spcPts val="0"/>
-                  </a:spcBef>
-                  <a:spcAft>
-                    <a:spcPts val="0"/>
-                  </a:spcAft>
-                  <a:buNone/>
-                </a:pPr>
-                <a:endParaRPr sz="1400" b="0" i="0" u="none">
-                  <a:solidFill>
-                    <a:srgbClr val="000000"/>
-                  </a:solidFill>
-                  <a:latin typeface="Arial"/>
-                  <a:ea typeface="Arial"/>
-                  <a:cs typeface="Arial"/>
-                  <a:sym typeface="Arial"/>
-                </a:endParaRPr>
-              </a:p>
-            </p:txBody>
-          </p:sp>
-          <p:sp>
-            <p:nvSpPr>
-              <p:cNvPr id="827" name="Google Shape;827;p41"/>
-              <p:cNvSpPr/>
-              <p:nvPr/>
-            </p:nvSpPr>
-            <p:spPr>
-              <a:xfrm>
-                <a:off x="1141124" y="3923965"/>
-                <a:ext cx="851835" cy="8851"/>
-              </a:xfrm>
-              <a:custGeom>
-                <a:avLst/>
-                <a:gdLst/>
-                <a:ahLst/>
-                <a:cxnLst/>
-                <a:rect l="l" t="t" r="r" b="b"/>
-                <a:pathLst>
-                  <a:path w="70356" h="731" extrusionOk="0">
-                    <a:moveTo>
-                      <a:pt x="0" y="0"/>
-                    </a:moveTo>
-                    <a:lnTo>
-                      <a:pt x="0" y="730"/>
-                    </a:lnTo>
-                    <a:lnTo>
-                      <a:pt x="70356" y="0"/>
-                    </a:lnTo>
-                    <a:lnTo>
-                      <a:pt x="0" y="0"/>
-                    </a:lnTo>
-                    <a:close/>
-                  </a:path>
-                </a:pathLst>
-              </a:custGeom>
-              <a:solidFill>
-                <a:srgbClr val="DDDDDD"/>
-              </a:solidFill>
-              <a:ln>
-                <a:noFill/>
-              </a:ln>
-            </p:spPr>
-            <p:txBody>
-              <a:bodyPr spcFirstLastPara="1" wrap="square" lIns="91425" tIns="91425" rIns="91425" bIns="91425" anchor="ctr" anchorCtr="0">
-                <a:noAutofit/>
-              </a:bodyPr>
-              <a:lstStyle/>
-              <a:p>
-                <a:pPr marL="0" marR="0" lvl="0" indent="0" algn="l" rtl="0">
-                  <a:lnSpc>
-                    <a:spcPct val="100000"/>
-                  </a:lnSpc>
-                  <a:spcBef>
-                    <a:spcPts val="0"/>
-                  </a:spcBef>
-                  <a:spcAft>
-                    <a:spcPts val="0"/>
-                  </a:spcAft>
-                  <a:buNone/>
-                </a:pPr>
-                <a:endParaRPr sz="1400" b="0" i="0" u="none">
-                  <a:solidFill>
-                    <a:srgbClr val="000000"/>
-                  </a:solidFill>
-                  <a:latin typeface="Arial"/>
-                  <a:ea typeface="Arial"/>
-                  <a:cs typeface="Arial"/>
-                  <a:sym typeface="Arial"/>
-                </a:endParaRPr>
-              </a:p>
-            </p:txBody>
-          </p:sp>
-          <p:sp>
-            <p:nvSpPr>
-              <p:cNvPr id="828" name="Google Shape;828;p41"/>
-              <p:cNvSpPr/>
-              <p:nvPr/>
-            </p:nvSpPr>
-            <p:spPr>
-              <a:xfrm>
-                <a:off x="1141124" y="3903685"/>
-                <a:ext cx="851835" cy="8851"/>
-              </a:xfrm>
-              <a:custGeom>
-                <a:avLst/>
-                <a:gdLst/>
-                <a:ahLst/>
-                <a:cxnLst/>
-                <a:rect l="l" t="t" r="r" b="b"/>
-                <a:pathLst>
-                  <a:path w="70356" h="731" extrusionOk="0">
-                    <a:moveTo>
-                      <a:pt x="0" y="1"/>
-                    </a:moveTo>
-                    <a:lnTo>
-                      <a:pt x="0" y="731"/>
-                    </a:lnTo>
-                    <a:lnTo>
-                      <a:pt x="70356" y="1"/>
-                    </a:lnTo>
-                    <a:lnTo>
-                      <a:pt x="0" y="1"/>
-                    </a:lnTo>
-                    <a:close/>
-                  </a:path>
-                </a:pathLst>
-              </a:custGeom>
-              <a:solidFill>
-                <a:srgbClr val="DDDDDD"/>
-              </a:solidFill>
-              <a:ln>
-                <a:noFill/>
-              </a:ln>
-            </p:spPr>
-            <p:txBody>
-              <a:bodyPr spcFirstLastPara="1" wrap="square" lIns="91425" tIns="91425" rIns="91425" bIns="91425" anchor="ctr" anchorCtr="0">
-                <a:noAutofit/>
-              </a:bodyPr>
-              <a:lstStyle/>
-              <a:p>
-                <a:pPr marL="0" marR="0" lvl="0" indent="0" algn="l" rtl="0">
-                  <a:lnSpc>
-                    <a:spcPct val="100000"/>
-                  </a:lnSpc>
-                  <a:spcBef>
-                    <a:spcPts val="0"/>
-                  </a:spcBef>
-                  <a:spcAft>
-                    <a:spcPts val="0"/>
-                  </a:spcAft>
-                  <a:buNone/>
-                </a:pPr>
-                <a:endParaRPr sz="1400" b="0" i="0" u="none">
-                  <a:solidFill>
-                    <a:srgbClr val="000000"/>
-                  </a:solidFill>
-                  <a:latin typeface="Arial"/>
-                  <a:ea typeface="Arial"/>
-                  <a:cs typeface="Arial"/>
-                  <a:sym typeface="Arial"/>
-                </a:endParaRPr>
-              </a:p>
-            </p:txBody>
-          </p:sp>
-          <p:sp>
-            <p:nvSpPr>
-              <p:cNvPr id="829" name="Google Shape;829;p41"/>
-              <p:cNvSpPr/>
-              <p:nvPr/>
-            </p:nvSpPr>
-            <p:spPr>
-              <a:xfrm>
-                <a:off x="1141124" y="3883404"/>
-                <a:ext cx="851835" cy="8851"/>
-              </a:xfrm>
-              <a:custGeom>
-                <a:avLst/>
-                <a:gdLst/>
-                <a:ahLst/>
-                <a:cxnLst/>
-                <a:rect l="l" t="t" r="r" b="b"/>
-                <a:pathLst>
-                  <a:path w="70356" h="731" extrusionOk="0">
-                    <a:moveTo>
-                      <a:pt x="0" y="1"/>
-                    </a:moveTo>
-                    <a:lnTo>
-                      <a:pt x="0" y="731"/>
-                    </a:lnTo>
-                    <a:lnTo>
-                      <a:pt x="70356" y="1"/>
-                    </a:lnTo>
-                    <a:lnTo>
-                      <a:pt x="0" y="1"/>
-                    </a:lnTo>
-                    <a:close/>
-                  </a:path>
-                </a:pathLst>
-              </a:custGeom>
-              <a:solidFill>
-                <a:srgbClr val="DDDDDD"/>
-              </a:solidFill>
-              <a:ln>
-                <a:noFill/>
-              </a:ln>
-            </p:spPr>
-            <p:txBody>
-              <a:bodyPr spcFirstLastPara="1" wrap="square" lIns="91425" tIns="91425" rIns="91425" bIns="91425" anchor="ctr" anchorCtr="0">
-                <a:noAutofit/>
-              </a:bodyPr>
-              <a:lstStyle/>
-              <a:p>
-                <a:pPr marL="0" marR="0" lvl="0" indent="0" algn="l" rtl="0">
-                  <a:lnSpc>
-                    <a:spcPct val="100000"/>
-                  </a:lnSpc>
-                  <a:spcBef>
-                    <a:spcPts val="0"/>
-                  </a:spcBef>
-                  <a:spcAft>
-                    <a:spcPts val="0"/>
-                  </a:spcAft>
-                  <a:buNone/>
-                </a:pPr>
-                <a:endParaRPr sz="1400" b="0" i="0" u="none">
-                  <a:solidFill>
-                    <a:srgbClr val="000000"/>
-                  </a:solidFill>
-                  <a:latin typeface="Arial"/>
-                  <a:ea typeface="Arial"/>
-                  <a:cs typeface="Arial"/>
-                  <a:sym typeface="Arial"/>
-                </a:endParaRPr>
-              </a:p>
-            </p:txBody>
-          </p:sp>
-          <p:sp>
-            <p:nvSpPr>
-              <p:cNvPr id="830" name="Google Shape;830;p41"/>
-              <p:cNvSpPr/>
-              <p:nvPr/>
-            </p:nvSpPr>
-            <p:spPr>
-              <a:xfrm>
-                <a:off x="1141124" y="3863306"/>
-                <a:ext cx="851835" cy="8851"/>
-              </a:xfrm>
-              <a:custGeom>
-                <a:avLst/>
-                <a:gdLst/>
-                <a:ahLst/>
-                <a:cxnLst/>
-                <a:rect l="l" t="t" r="r" b="b"/>
-                <a:pathLst>
-                  <a:path w="70356" h="731" extrusionOk="0">
-                    <a:moveTo>
-                      <a:pt x="0" y="0"/>
-                    </a:moveTo>
-                    <a:lnTo>
-                      <a:pt x="0" y="730"/>
-                    </a:lnTo>
-                    <a:lnTo>
-                      <a:pt x="70356" y="0"/>
-                    </a:lnTo>
-                    <a:lnTo>
-                      <a:pt x="0" y="0"/>
-                    </a:lnTo>
-                    <a:close/>
-                  </a:path>
-                </a:pathLst>
-              </a:custGeom>
-              <a:solidFill>
-                <a:srgbClr val="DDDDDD"/>
-              </a:solidFill>
-              <a:ln>
-                <a:noFill/>
-              </a:ln>
-            </p:spPr>
-            <p:txBody>
-              <a:bodyPr spcFirstLastPara="1" wrap="square" lIns="91425" tIns="91425" rIns="91425" bIns="91425" anchor="ctr" anchorCtr="0">
-                <a:noAutofit/>
-              </a:bodyPr>
-              <a:lstStyle/>
-              <a:p>
-                <a:pPr marL="0" marR="0" lvl="0" indent="0" algn="l" rtl="0">
-                  <a:lnSpc>
-                    <a:spcPct val="100000"/>
-                  </a:lnSpc>
-                  <a:spcBef>
-                    <a:spcPts val="0"/>
-                  </a:spcBef>
-                  <a:spcAft>
-                    <a:spcPts val="0"/>
-                  </a:spcAft>
-                  <a:buNone/>
-                </a:pPr>
-                <a:endParaRPr sz="1400" b="0" i="0" u="none">
-                  <a:solidFill>
-                    <a:srgbClr val="000000"/>
-                  </a:solidFill>
-                  <a:latin typeface="Arial"/>
-                  <a:ea typeface="Arial"/>
-                  <a:cs typeface="Arial"/>
-                  <a:sym typeface="Arial"/>
-                </a:endParaRPr>
-              </a:p>
-            </p:txBody>
-          </p:sp>
-          <p:sp>
-            <p:nvSpPr>
-              <p:cNvPr id="831" name="Google Shape;831;p41"/>
-              <p:cNvSpPr/>
-              <p:nvPr/>
-            </p:nvSpPr>
-            <p:spPr>
-              <a:xfrm>
-                <a:off x="1141124" y="3843026"/>
-                <a:ext cx="851835" cy="8851"/>
-              </a:xfrm>
-              <a:custGeom>
-                <a:avLst/>
-                <a:gdLst/>
-                <a:ahLst/>
-                <a:cxnLst/>
-                <a:rect l="l" t="t" r="r" b="b"/>
-                <a:pathLst>
-                  <a:path w="70356" h="731" extrusionOk="0">
-                    <a:moveTo>
-                      <a:pt x="0" y="1"/>
-                    </a:moveTo>
-                    <a:lnTo>
-                      <a:pt x="0" y="731"/>
-                    </a:lnTo>
-                    <a:lnTo>
-                      <a:pt x="70356" y="1"/>
-                    </a:lnTo>
-                    <a:lnTo>
-                      <a:pt x="0" y="1"/>
-                    </a:lnTo>
-                    <a:close/>
-                  </a:path>
-                </a:pathLst>
-              </a:custGeom>
-              <a:solidFill>
-                <a:srgbClr val="DDDDDD"/>
-              </a:solidFill>
-              <a:ln>
-                <a:noFill/>
-              </a:ln>
-            </p:spPr>
-            <p:txBody>
-              <a:bodyPr spcFirstLastPara="1" wrap="square" lIns="91425" tIns="91425" rIns="91425" bIns="91425" anchor="ctr" anchorCtr="0">
-                <a:noAutofit/>
-              </a:bodyPr>
-              <a:lstStyle/>
-              <a:p>
-                <a:pPr marL="0" marR="0" lvl="0" indent="0" algn="l" rtl="0">
-                  <a:lnSpc>
-                    <a:spcPct val="100000"/>
-                  </a:lnSpc>
-                  <a:spcBef>
-                    <a:spcPts val="0"/>
-                  </a:spcBef>
-                  <a:spcAft>
-                    <a:spcPts val="0"/>
-                  </a:spcAft>
-                  <a:buNone/>
-                </a:pPr>
-                <a:endParaRPr sz="1400" b="0" i="0" u="none">
-                  <a:solidFill>
-                    <a:srgbClr val="000000"/>
-                  </a:solidFill>
-                  <a:latin typeface="Arial"/>
-                  <a:ea typeface="Arial"/>
-                  <a:cs typeface="Arial"/>
-                  <a:sym typeface="Arial"/>
-                </a:endParaRPr>
-              </a:p>
-            </p:txBody>
-          </p:sp>
-        </p:grpSp>
-        <p:sp>
-          <p:nvSpPr>
-            <p:cNvPr id="832" name="Google Shape;832;p41"/>
-            <p:cNvSpPr/>
-            <p:nvPr/>
-          </p:nvSpPr>
-          <p:spPr>
-            <a:xfrm>
-              <a:off x="5369125" y="4122872"/>
-              <a:ext cx="132900" cy="132900"/>
-            </a:xfrm>
-            <a:prstGeom prst="roundRect">
-              <a:avLst>
-                <a:gd name="adj" fmla="val 16667"/>
-              </a:avLst>
-            </a:prstGeom>
-            <a:noFill/>
-            <a:ln>
-              <a:noFill/>
-            </a:ln>
-          </p:spPr>
-          <p:txBody>
-            <a:bodyPr spcFirstLastPara="1" wrap="square" lIns="91425" tIns="91425" rIns="91425" bIns="91425" anchor="ctr" anchorCtr="0">
-              <a:noAutofit/>
-            </a:bodyPr>
-            <a:lstStyle/>
-            <a:p>
-              <a:pPr marL="0" marR="0" lvl="0" indent="0" algn="l" rtl="0">
-                <a:lnSpc>
-                  <a:spcPct val="100000"/>
-                </a:lnSpc>
-                <a:spcBef>
-                  <a:spcPts val="0"/>
-                </a:spcBef>
-                <a:spcAft>
-                  <a:spcPts val="0"/>
-                </a:spcAft>
-                <a:buNone/>
-              </a:pPr>
-              <a:endParaRPr sz="1400" b="0" i="0" u="none">
-                <a:solidFill>
-                  <a:srgbClr val="000000"/>
-                </a:solidFill>
-                <a:latin typeface="Arial"/>
-                <a:ea typeface="Arial"/>
-                <a:cs typeface="Arial"/>
-                <a:sym typeface="Arial"/>
-              </a:endParaRPr>
-            </a:p>
-          </p:txBody>
-        </p:sp>
-        <p:sp>
-          <p:nvSpPr>
-            <p:cNvPr id="833" name="Google Shape;833;p41"/>
-            <p:cNvSpPr/>
-            <p:nvPr/>
-          </p:nvSpPr>
-          <p:spPr>
-            <a:xfrm>
-              <a:off x="5569150" y="3560897"/>
-              <a:ext cx="132900" cy="132900"/>
-            </a:xfrm>
-            <a:prstGeom prst="roundRect">
-              <a:avLst>
-                <a:gd name="adj" fmla="val 16667"/>
-              </a:avLst>
-            </a:prstGeom>
-            <a:noFill/>
-            <a:ln>
-              <a:noFill/>
-            </a:ln>
-          </p:spPr>
-          <p:txBody>
-            <a:bodyPr spcFirstLastPara="1" wrap="square" lIns="91425" tIns="91425" rIns="91425" bIns="91425" anchor="ctr" anchorCtr="0">
-              <a:noAutofit/>
-            </a:bodyPr>
-            <a:lstStyle/>
-            <a:p>
-              <a:pPr marL="0" marR="0" lvl="0" indent="0" algn="l" rtl="0">
-                <a:lnSpc>
-                  <a:spcPct val="100000"/>
-                </a:lnSpc>
-                <a:spcBef>
-                  <a:spcPts val="0"/>
-                </a:spcBef>
-                <a:spcAft>
-                  <a:spcPts val="0"/>
-                </a:spcAft>
-                <a:buNone/>
-              </a:pPr>
-              <a:endParaRPr sz="1400" b="0" i="0" u="none">
-                <a:solidFill>
-                  <a:srgbClr val="000000"/>
-                </a:solidFill>
-                <a:latin typeface="Arial"/>
-                <a:ea typeface="Arial"/>
-                <a:cs typeface="Arial"/>
-                <a:sym typeface="Arial"/>
-              </a:endParaRPr>
-            </a:p>
-          </p:txBody>
-        </p:sp>
-        <p:sp>
-          <p:nvSpPr>
-            <p:cNvPr id="834" name="Google Shape;834;p41"/>
-            <p:cNvSpPr/>
-            <p:nvPr/>
-          </p:nvSpPr>
-          <p:spPr>
-            <a:xfrm>
-              <a:off x="5702050" y="3020172"/>
-              <a:ext cx="132900" cy="132900"/>
-            </a:xfrm>
-            <a:prstGeom prst="roundRect">
-              <a:avLst>
-                <a:gd name="adj" fmla="val 16667"/>
-              </a:avLst>
-            </a:prstGeom>
-            <a:noFill/>
-            <a:ln>
-              <a:noFill/>
-            </a:ln>
-          </p:spPr>
-          <p:txBody>
-            <a:bodyPr spcFirstLastPara="1" wrap="square" lIns="91425" tIns="91425" rIns="91425" bIns="91425" anchor="ctr" anchorCtr="0">
-              <a:noAutofit/>
-            </a:bodyPr>
-            <a:lstStyle/>
-            <a:p>
-              <a:pPr marL="0" marR="0" lvl="0" indent="0" algn="l" rtl="0">
-                <a:lnSpc>
-                  <a:spcPct val="100000"/>
-                </a:lnSpc>
-                <a:spcBef>
-                  <a:spcPts val="0"/>
-                </a:spcBef>
-                <a:spcAft>
-                  <a:spcPts val="0"/>
-                </a:spcAft>
-                <a:buNone/>
-              </a:pPr>
-              <a:endParaRPr sz="1400" b="0" i="0" u="none">
-                <a:solidFill>
-                  <a:srgbClr val="000000"/>
-                </a:solidFill>
-                <a:latin typeface="Arial"/>
-                <a:ea typeface="Arial"/>
-                <a:cs typeface="Arial"/>
-                <a:sym typeface="Arial"/>
-              </a:endParaRPr>
-            </a:p>
-          </p:txBody>
-        </p:sp>
-      </p:grpSp>
-      <p:cxnSp>
-        <p:nvCxnSpPr>
-          <p:cNvPr id="835" name="Google Shape;835;p41"/>
-          <p:cNvCxnSpPr/>
-          <p:nvPr/>
-        </p:nvCxnSpPr>
-        <p:spPr>
-          <a:xfrm rot="-5400000" flipH="1">
-            <a:off x="4157737" y="1541387"/>
-            <a:ext cx="1649400" cy="1440000"/>
-          </a:xfrm>
-          <a:prstGeom prst="curvedConnector3">
-            <a:avLst>
-              <a:gd name="adj1" fmla="val 0"/>
-            </a:avLst>
-          </a:prstGeom>
-          <a:noFill/>
-          <a:ln w="9525" cap="flat" cmpd="sng">
-            <a:solidFill>
-              <a:schemeClr val="dk2"/>
-            </a:solidFill>
-            <a:prstDash val="solid"/>
-            <a:miter lim="800000"/>
-            <a:headEnd type="none" w="med" len="med"/>
-            <a:tailEnd type="oval" w="med" len="med"/>
-          </a:ln>
-        </p:spPr>
-      </p:cxnSp>
-      <p:cxnSp>
-        <p:nvCxnSpPr>
-          <p:cNvPr id="836" name="Google Shape;836;p41"/>
-          <p:cNvCxnSpPr/>
-          <p:nvPr/>
-        </p:nvCxnSpPr>
-        <p:spPr>
-          <a:xfrm>
-            <a:off x="4262437" y="4189412"/>
-            <a:ext cx="1106400" cy="600"/>
-          </a:xfrm>
-          <a:prstGeom prst="curvedConnector3">
-            <a:avLst>
-              <a:gd name="adj1" fmla="val 10801"/>
-            </a:avLst>
-          </a:prstGeom>
-          <a:noFill/>
-          <a:ln w="9525" cap="flat" cmpd="sng">
-            <a:solidFill>
-              <a:schemeClr val="dk2"/>
-            </a:solidFill>
-            <a:prstDash val="solid"/>
-            <a:miter lim="800000"/>
-            <a:headEnd type="none" w="med" len="med"/>
-            <a:tailEnd type="oval" w="med" len="med"/>
-          </a:ln>
-        </p:spPr>
-      </p:cxnSp>
-      <p:grpSp>
-        <p:nvGrpSpPr>
-          <p:cNvPr id="837" name="Google Shape;837;p41"/>
-          <p:cNvGrpSpPr/>
-          <p:nvPr/>
-        </p:nvGrpSpPr>
-        <p:grpSpPr>
-          <a:xfrm>
-            <a:off x="2633662" y="1270000"/>
-            <a:ext cx="349250" cy="331787"/>
-            <a:chOff x="1605691" y="2879187"/>
-            <a:chExt cx="384020" cy="364850"/>
-          </a:xfrm>
-        </p:grpSpPr>
-        <p:sp>
-          <p:nvSpPr>
-            <p:cNvPr id="838" name="Google Shape;838;p41"/>
-            <p:cNvSpPr/>
-            <p:nvPr/>
-          </p:nvSpPr>
-          <p:spPr>
-            <a:xfrm>
-              <a:off x="1637493" y="2934712"/>
-              <a:ext cx="297583" cy="254347"/>
-            </a:xfrm>
-            <a:custGeom>
-              <a:avLst/>
-              <a:gdLst/>
-              <a:ahLst/>
-              <a:cxnLst/>
-              <a:rect l="l" t="t" r="r" b="b"/>
-              <a:pathLst>
-                <a:path w="8693" h="7430" extrusionOk="0">
-                  <a:moveTo>
-                    <a:pt x="4966" y="679"/>
-                  </a:moveTo>
-                  <a:cubicBezTo>
-                    <a:pt x="5126" y="679"/>
-                    <a:pt x="5287" y="786"/>
-                    <a:pt x="5287" y="1001"/>
-                  </a:cubicBezTo>
-                  <a:lnTo>
-                    <a:pt x="5287" y="1405"/>
-                  </a:lnTo>
-                  <a:cubicBezTo>
-                    <a:pt x="5287" y="1608"/>
-                    <a:pt x="5126" y="1709"/>
-                    <a:pt x="4966" y="1709"/>
-                  </a:cubicBezTo>
-                  <a:cubicBezTo>
-                    <a:pt x="4805" y="1709"/>
-                    <a:pt x="4644" y="1608"/>
-                    <a:pt x="4644" y="1405"/>
-                  </a:cubicBezTo>
-                  <a:lnTo>
-                    <a:pt x="4644" y="1001"/>
-                  </a:lnTo>
-                  <a:cubicBezTo>
-                    <a:pt x="4644" y="786"/>
-                    <a:pt x="4805" y="679"/>
-                    <a:pt x="4966" y="679"/>
-                  </a:cubicBezTo>
-                  <a:close/>
-                  <a:moveTo>
-                    <a:pt x="3084" y="1465"/>
-                  </a:moveTo>
-                  <a:cubicBezTo>
-                    <a:pt x="3168" y="1465"/>
-                    <a:pt x="3251" y="1501"/>
-                    <a:pt x="3310" y="1572"/>
-                  </a:cubicBezTo>
-                  <a:lnTo>
-                    <a:pt x="3596" y="1858"/>
-                  </a:lnTo>
-                  <a:cubicBezTo>
-                    <a:pt x="3715" y="1977"/>
-                    <a:pt x="3715" y="2191"/>
-                    <a:pt x="3596" y="2310"/>
-                  </a:cubicBezTo>
-                  <a:cubicBezTo>
-                    <a:pt x="3549" y="2358"/>
-                    <a:pt x="3453" y="2406"/>
-                    <a:pt x="3382" y="2406"/>
-                  </a:cubicBezTo>
-                  <a:cubicBezTo>
-                    <a:pt x="3287" y="2406"/>
-                    <a:pt x="3215" y="2358"/>
-                    <a:pt x="3168" y="2310"/>
-                  </a:cubicBezTo>
-                  <a:lnTo>
-                    <a:pt x="2858" y="2001"/>
-                  </a:lnTo>
-                  <a:cubicBezTo>
-                    <a:pt x="2739" y="1882"/>
-                    <a:pt x="2739" y="1691"/>
-                    <a:pt x="2858" y="1572"/>
-                  </a:cubicBezTo>
-                  <a:cubicBezTo>
-                    <a:pt x="2918" y="1501"/>
-                    <a:pt x="3001" y="1465"/>
-                    <a:pt x="3084" y="1465"/>
-                  </a:cubicBezTo>
-                  <a:close/>
-                  <a:moveTo>
-                    <a:pt x="6859" y="1536"/>
-                  </a:moveTo>
-                  <a:cubicBezTo>
-                    <a:pt x="6936" y="1536"/>
-                    <a:pt x="7014" y="1572"/>
-                    <a:pt x="7073" y="1644"/>
-                  </a:cubicBezTo>
-                  <a:cubicBezTo>
-                    <a:pt x="7192" y="1763"/>
-                    <a:pt x="7192" y="1953"/>
-                    <a:pt x="7073" y="2072"/>
-                  </a:cubicBezTo>
-                  <a:lnTo>
-                    <a:pt x="6787" y="2382"/>
-                  </a:lnTo>
-                  <a:cubicBezTo>
-                    <a:pt x="6716" y="2448"/>
-                    <a:pt x="6638" y="2476"/>
-                    <a:pt x="6564" y="2476"/>
-                  </a:cubicBezTo>
-                  <a:cubicBezTo>
-                    <a:pt x="6318" y="2476"/>
-                    <a:pt x="6115" y="2167"/>
-                    <a:pt x="6335" y="1929"/>
-                  </a:cubicBezTo>
-                  <a:lnTo>
-                    <a:pt x="6645" y="1644"/>
-                  </a:lnTo>
-                  <a:cubicBezTo>
-                    <a:pt x="6704" y="1572"/>
-                    <a:pt x="6781" y="1536"/>
-                    <a:pt x="6859" y="1536"/>
-                  </a:cubicBezTo>
-                  <a:close/>
-                  <a:moveTo>
-                    <a:pt x="2810" y="3382"/>
-                  </a:moveTo>
-                  <a:cubicBezTo>
-                    <a:pt x="3239" y="3382"/>
-                    <a:pt x="3239" y="4025"/>
-                    <a:pt x="2810" y="4025"/>
-                  </a:cubicBezTo>
-                  <a:lnTo>
-                    <a:pt x="2406" y="4025"/>
-                  </a:lnTo>
-                  <a:cubicBezTo>
-                    <a:pt x="1977" y="4025"/>
-                    <a:pt x="1977" y="3382"/>
-                    <a:pt x="2406" y="3382"/>
-                  </a:cubicBezTo>
-                  <a:lnTo>
-                    <a:pt x="2810" y="3382"/>
-                  </a:lnTo>
-                  <a:close/>
-                  <a:moveTo>
-                    <a:pt x="7573" y="3406"/>
-                  </a:moveTo>
-                  <a:cubicBezTo>
-                    <a:pt x="8002" y="3406"/>
-                    <a:pt x="8002" y="4025"/>
-                    <a:pt x="7573" y="4025"/>
-                  </a:cubicBezTo>
-                  <a:lnTo>
-                    <a:pt x="7168" y="4025"/>
-                  </a:lnTo>
-                  <a:cubicBezTo>
-                    <a:pt x="6740" y="4025"/>
-                    <a:pt x="6740" y="3406"/>
-                    <a:pt x="7168" y="3406"/>
-                  </a:cubicBezTo>
-                  <a:lnTo>
-                    <a:pt x="7573" y="3406"/>
-                  </a:lnTo>
-                  <a:close/>
-                  <a:moveTo>
-                    <a:pt x="4977" y="2221"/>
-                  </a:moveTo>
-                  <a:cubicBezTo>
-                    <a:pt x="5132" y="2221"/>
-                    <a:pt x="5287" y="2322"/>
-                    <a:pt x="5287" y="2525"/>
-                  </a:cubicBezTo>
-                  <a:lnTo>
-                    <a:pt x="5287" y="3430"/>
-                  </a:lnTo>
-                  <a:lnTo>
-                    <a:pt x="5716" y="3430"/>
-                  </a:lnTo>
-                  <a:cubicBezTo>
-                    <a:pt x="6121" y="3430"/>
-                    <a:pt x="6121" y="4049"/>
-                    <a:pt x="5716" y="4049"/>
-                  </a:cubicBezTo>
-                  <a:lnTo>
-                    <a:pt x="5692" y="4025"/>
-                  </a:lnTo>
-                  <a:lnTo>
-                    <a:pt x="4977" y="4025"/>
-                  </a:lnTo>
-                  <a:cubicBezTo>
-                    <a:pt x="4811" y="4025"/>
-                    <a:pt x="4668" y="3882"/>
-                    <a:pt x="4668" y="3715"/>
-                  </a:cubicBezTo>
-                  <a:lnTo>
-                    <a:pt x="4668" y="2525"/>
-                  </a:lnTo>
-                  <a:cubicBezTo>
-                    <a:pt x="4668" y="2322"/>
-                    <a:pt x="4823" y="2221"/>
-                    <a:pt x="4977" y="2221"/>
-                  </a:cubicBezTo>
-                  <a:close/>
-                  <a:moveTo>
-                    <a:pt x="3477" y="4912"/>
-                  </a:moveTo>
-                  <a:cubicBezTo>
-                    <a:pt x="3555" y="4912"/>
-                    <a:pt x="3632" y="4942"/>
-                    <a:pt x="3692" y="5001"/>
-                  </a:cubicBezTo>
-                  <a:cubicBezTo>
-                    <a:pt x="3811" y="5144"/>
-                    <a:pt x="3811" y="5335"/>
-                    <a:pt x="3692" y="5454"/>
-                  </a:cubicBezTo>
-                  <a:lnTo>
-                    <a:pt x="3715" y="5454"/>
-                  </a:lnTo>
-                  <a:lnTo>
-                    <a:pt x="3406" y="5763"/>
-                  </a:lnTo>
-                  <a:cubicBezTo>
-                    <a:pt x="3346" y="5823"/>
-                    <a:pt x="3269" y="5853"/>
-                    <a:pt x="3188" y="5853"/>
-                  </a:cubicBezTo>
-                  <a:cubicBezTo>
-                    <a:pt x="3108" y="5853"/>
-                    <a:pt x="3025" y="5823"/>
-                    <a:pt x="2953" y="5763"/>
-                  </a:cubicBezTo>
-                  <a:cubicBezTo>
-                    <a:pt x="2834" y="5644"/>
-                    <a:pt x="2834" y="5430"/>
-                    <a:pt x="2953" y="5311"/>
-                  </a:cubicBezTo>
-                  <a:lnTo>
-                    <a:pt x="3263" y="5001"/>
-                  </a:lnTo>
-                  <a:cubicBezTo>
-                    <a:pt x="3322" y="4942"/>
-                    <a:pt x="3400" y="4912"/>
-                    <a:pt x="3477" y="4912"/>
-                  </a:cubicBezTo>
-                  <a:close/>
-                  <a:moveTo>
-                    <a:pt x="6571" y="4969"/>
-                  </a:moveTo>
-                  <a:cubicBezTo>
-                    <a:pt x="6644" y="4969"/>
-                    <a:pt x="6720" y="4999"/>
-                    <a:pt x="6787" y="5073"/>
-                  </a:cubicBezTo>
-                  <a:lnTo>
-                    <a:pt x="7097" y="5359"/>
-                  </a:lnTo>
-                  <a:cubicBezTo>
-                    <a:pt x="7216" y="5478"/>
-                    <a:pt x="7216" y="5692"/>
-                    <a:pt x="7097" y="5811"/>
-                  </a:cubicBezTo>
-                  <a:cubicBezTo>
-                    <a:pt x="7037" y="5871"/>
-                    <a:pt x="6960" y="5900"/>
-                    <a:pt x="6880" y="5900"/>
-                  </a:cubicBezTo>
-                  <a:cubicBezTo>
-                    <a:pt x="6799" y="5900"/>
-                    <a:pt x="6716" y="5871"/>
-                    <a:pt x="6645" y="5811"/>
-                  </a:cubicBezTo>
-                  <a:lnTo>
-                    <a:pt x="6359" y="5502"/>
-                  </a:lnTo>
-                  <a:cubicBezTo>
-                    <a:pt x="6141" y="5284"/>
-                    <a:pt x="6338" y="4969"/>
-                    <a:pt x="6571" y="4969"/>
-                  </a:cubicBezTo>
-                  <a:close/>
-                  <a:moveTo>
-                    <a:pt x="4977" y="5627"/>
-                  </a:moveTo>
-                  <a:cubicBezTo>
-                    <a:pt x="5132" y="5627"/>
-                    <a:pt x="5287" y="5728"/>
-                    <a:pt x="5287" y="5930"/>
-                  </a:cubicBezTo>
-                  <a:lnTo>
-                    <a:pt x="5287" y="6359"/>
-                  </a:lnTo>
-                  <a:cubicBezTo>
-                    <a:pt x="5287" y="6561"/>
-                    <a:pt x="5132" y="6662"/>
-                    <a:pt x="4977" y="6662"/>
-                  </a:cubicBezTo>
-                  <a:cubicBezTo>
-                    <a:pt x="4823" y="6662"/>
-                    <a:pt x="4668" y="6561"/>
-                    <a:pt x="4668" y="6359"/>
-                  </a:cubicBezTo>
-                  <a:lnTo>
-                    <a:pt x="4668" y="5930"/>
-                  </a:lnTo>
-                  <a:cubicBezTo>
-                    <a:pt x="4668" y="5728"/>
-                    <a:pt x="4823" y="5627"/>
-                    <a:pt x="4977" y="5627"/>
-                  </a:cubicBezTo>
-                  <a:close/>
-                  <a:moveTo>
-                    <a:pt x="4977" y="0"/>
-                  </a:moveTo>
-                  <a:cubicBezTo>
-                    <a:pt x="1667" y="0"/>
-                    <a:pt x="0" y="4001"/>
-                    <a:pt x="2358" y="6335"/>
-                  </a:cubicBezTo>
-                  <a:cubicBezTo>
-                    <a:pt x="3114" y="7091"/>
-                    <a:pt x="4044" y="7430"/>
-                    <a:pt x="4958" y="7430"/>
-                  </a:cubicBezTo>
-                  <a:cubicBezTo>
-                    <a:pt x="6864" y="7430"/>
-                    <a:pt x="8693" y="5954"/>
-                    <a:pt x="8693" y="3715"/>
-                  </a:cubicBezTo>
-                  <a:cubicBezTo>
-                    <a:pt x="8693" y="1644"/>
-                    <a:pt x="7026" y="0"/>
-                    <a:pt x="4977" y="0"/>
-                  </a:cubicBezTo>
-                  <a:close/>
-                </a:path>
-              </a:pathLst>
-            </a:custGeom>
-            <a:solidFill>
-              <a:schemeClr val="lt1"/>
-            </a:solidFill>
-            <a:ln>
-              <a:noFill/>
-            </a:ln>
-          </p:spPr>
-          <p:txBody>
-            <a:bodyPr spcFirstLastPara="1" wrap="square" lIns="91425" tIns="91425" rIns="91425" bIns="91425" anchor="ctr" anchorCtr="0">
-              <a:noAutofit/>
-            </a:bodyPr>
-            <a:lstStyle/>
-            <a:p>
-              <a:pPr marL="0" marR="0" lvl="0" indent="0" algn="l" rtl="0">
-                <a:lnSpc>
-                  <a:spcPct val="100000"/>
-                </a:lnSpc>
-                <a:spcBef>
-                  <a:spcPts val="0"/>
-                </a:spcBef>
-                <a:spcAft>
-                  <a:spcPts val="0"/>
-                </a:spcAft>
-                <a:buNone/>
-              </a:pPr>
-              <a:endParaRPr sz="1400" b="0" i="0" u="none">
-                <a:solidFill>
-                  <a:srgbClr val="000000"/>
-                </a:solidFill>
-                <a:latin typeface="Arial"/>
-                <a:ea typeface="Arial"/>
-                <a:cs typeface="Arial"/>
-                <a:sym typeface="Arial"/>
-              </a:endParaRPr>
-            </a:p>
-          </p:txBody>
-        </p:sp>
-        <p:sp>
-          <p:nvSpPr>
-            <p:cNvPr id="839" name="Google Shape;839;p41"/>
-            <p:cNvSpPr/>
-            <p:nvPr/>
-          </p:nvSpPr>
-          <p:spPr>
-            <a:xfrm>
-              <a:off x="1605691" y="2879187"/>
-              <a:ext cx="384020" cy="364850"/>
-            </a:xfrm>
-            <a:custGeom>
-              <a:avLst/>
-              <a:gdLst/>
-              <a:ahLst/>
-              <a:cxnLst/>
-              <a:rect l="l" t="t" r="r" b="b"/>
-              <a:pathLst>
-                <a:path w="11218" h="10658" extrusionOk="0">
-                  <a:moveTo>
-                    <a:pt x="5878" y="981"/>
-                  </a:moveTo>
-                  <a:cubicBezTo>
-                    <a:pt x="8107" y="981"/>
-                    <a:pt x="10241" y="2713"/>
-                    <a:pt x="10241" y="5337"/>
-                  </a:cubicBezTo>
-                  <a:cubicBezTo>
-                    <a:pt x="10241" y="7719"/>
-                    <a:pt x="8288" y="9672"/>
-                    <a:pt x="5906" y="9672"/>
-                  </a:cubicBezTo>
-                  <a:cubicBezTo>
-                    <a:pt x="2025" y="9672"/>
-                    <a:pt x="96" y="4980"/>
-                    <a:pt x="2834" y="2265"/>
-                  </a:cubicBezTo>
-                  <a:cubicBezTo>
-                    <a:pt x="3721" y="1378"/>
-                    <a:pt x="4811" y="981"/>
-                    <a:pt x="5878" y="981"/>
-                  </a:cubicBezTo>
-                  <a:close/>
-                  <a:moveTo>
-                    <a:pt x="5889" y="1"/>
-                  </a:moveTo>
-                  <a:cubicBezTo>
-                    <a:pt x="4865" y="1"/>
-                    <a:pt x="3834" y="298"/>
-                    <a:pt x="2930" y="908"/>
-                  </a:cubicBezTo>
-                  <a:cubicBezTo>
-                    <a:pt x="834" y="2313"/>
-                    <a:pt x="0" y="5028"/>
-                    <a:pt x="977" y="7362"/>
-                  </a:cubicBezTo>
-                  <a:cubicBezTo>
-                    <a:pt x="1816" y="9387"/>
-                    <a:pt x="3780" y="10657"/>
-                    <a:pt x="5888" y="10657"/>
-                  </a:cubicBezTo>
-                  <a:cubicBezTo>
-                    <a:pt x="6233" y="10657"/>
-                    <a:pt x="6582" y="10623"/>
-                    <a:pt x="6931" y="10553"/>
-                  </a:cubicBezTo>
-                  <a:cubicBezTo>
-                    <a:pt x="9431" y="10053"/>
-                    <a:pt x="11217" y="7862"/>
-                    <a:pt x="11217" y="5337"/>
-                  </a:cubicBezTo>
-                  <a:cubicBezTo>
-                    <a:pt x="11217" y="3909"/>
-                    <a:pt x="10669" y="2551"/>
-                    <a:pt x="9669" y="1575"/>
-                  </a:cubicBezTo>
-                  <a:cubicBezTo>
-                    <a:pt x="8632" y="537"/>
-                    <a:pt x="7266" y="1"/>
-                    <a:pt x="5889" y="1"/>
-                  </a:cubicBezTo>
-                  <a:close/>
-                </a:path>
-              </a:pathLst>
-            </a:custGeom>
-            <a:solidFill>
-              <a:schemeClr val="lt1"/>
-            </a:solidFill>
-            <a:ln>
-              <a:noFill/>
-            </a:ln>
-          </p:spPr>
-          <p:txBody>
-            <a:bodyPr spcFirstLastPara="1" wrap="square" lIns="91425" tIns="91425" rIns="91425" bIns="91425" anchor="ctr" anchorCtr="0">
-              <a:noAutofit/>
-            </a:bodyPr>
-            <a:lstStyle/>
-            <a:p>
-              <a:pPr marL="0" marR="0" lvl="0" indent="0" algn="l" rtl="0">
-                <a:lnSpc>
-                  <a:spcPct val="100000"/>
-                </a:lnSpc>
-                <a:spcBef>
-                  <a:spcPts val="0"/>
-                </a:spcBef>
-                <a:spcAft>
-                  <a:spcPts val="0"/>
-                </a:spcAft>
-                <a:buNone/>
-              </a:pPr>
-              <a:endParaRPr sz="1400" b="0" i="0" u="none">
-                <a:solidFill>
-                  <a:srgbClr val="000000"/>
-                </a:solidFill>
-                <a:latin typeface="Arial"/>
-                <a:ea typeface="Arial"/>
-                <a:cs typeface="Arial"/>
-                <a:sym typeface="Arial"/>
-              </a:endParaRPr>
-            </a:p>
-          </p:txBody>
-        </p:sp>
-      </p:grpSp>
-      <p:grpSp>
-        <p:nvGrpSpPr>
-          <p:cNvPr id="840" name="Google Shape;840;p41"/>
-          <p:cNvGrpSpPr/>
-          <p:nvPr/>
-        </p:nvGrpSpPr>
-        <p:grpSpPr>
-          <a:xfrm>
-            <a:off x="3040062" y="4035425"/>
-            <a:ext cx="349250" cy="331787"/>
-            <a:chOff x="1605691" y="2879187"/>
-            <a:chExt cx="384020" cy="364850"/>
-          </a:xfrm>
-        </p:grpSpPr>
-        <p:sp>
-          <p:nvSpPr>
-            <p:cNvPr id="841" name="Google Shape;841;p41"/>
-            <p:cNvSpPr/>
-            <p:nvPr/>
-          </p:nvSpPr>
-          <p:spPr>
-            <a:xfrm>
-              <a:off x="1637493" y="2934712"/>
-              <a:ext cx="297583" cy="254347"/>
-            </a:xfrm>
-            <a:custGeom>
-              <a:avLst/>
-              <a:gdLst/>
-              <a:ahLst/>
-              <a:cxnLst/>
-              <a:rect l="l" t="t" r="r" b="b"/>
-              <a:pathLst>
-                <a:path w="8693" h="7430" extrusionOk="0">
-                  <a:moveTo>
-                    <a:pt x="4966" y="679"/>
-                  </a:moveTo>
-                  <a:cubicBezTo>
-                    <a:pt x="5126" y="679"/>
-                    <a:pt x="5287" y="786"/>
-                    <a:pt x="5287" y="1001"/>
-                  </a:cubicBezTo>
-                  <a:lnTo>
-                    <a:pt x="5287" y="1405"/>
-                  </a:lnTo>
-                  <a:cubicBezTo>
-                    <a:pt x="5287" y="1608"/>
-                    <a:pt x="5126" y="1709"/>
-                    <a:pt x="4966" y="1709"/>
-                  </a:cubicBezTo>
-                  <a:cubicBezTo>
-                    <a:pt x="4805" y="1709"/>
-                    <a:pt x="4644" y="1608"/>
-                    <a:pt x="4644" y="1405"/>
-                  </a:cubicBezTo>
-                  <a:lnTo>
-                    <a:pt x="4644" y="1001"/>
-                  </a:lnTo>
-                  <a:cubicBezTo>
-                    <a:pt x="4644" y="786"/>
-                    <a:pt x="4805" y="679"/>
-                    <a:pt x="4966" y="679"/>
-                  </a:cubicBezTo>
-                  <a:close/>
-                  <a:moveTo>
-                    <a:pt x="3084" y="1465"/>
-                  </a:moveTo>
-                  <a:cubicBezTo>
-                    <a:pt x="3168" y="1465"/>
-                    <a:pt x="3251" y="1501"/>
-                    <a:pt x="3310" y="1572"/>
-                  </a:cubicBezTo>
-                  <a:lnTo>
-                    <a:pt x="3596" y="1858"/>
-                  </a:lnTo>
-                  <a:cubicBezTo>
-                    <a:pt x="3715" y="1977"/>
-                    <a:pt x="3715" y="2191"/>
-                    <a:pt x="3596" y="2310"/>
-                  </a:cubicBezTo>
-                  <a:cubicBezTo>
-                    <a:pt x="3549" y="2358"/>
-                    <a:pt x="3453" y="2406"/>
-                    <a:pt x="3382" y="2406"/>
-                  </a:cubicBezTo>
-                  <a:cubicBezTo>
-                    <a:pt x="3287" y="2406"/>
-                    <a:pt x="3215" y="2358"/>
-                    <a:pt x="3168" y="2310"/>
-                  </a:cubicBezTo>
-                  <a:lnTo>
-                    <a:pt x="2858" y="2001"/>
-                  </a:lnTo>
-                  <a:cubicBezTo>
-                    <a:pt x="2739" y="1882"/>
-                    <a:pt x="2739" y="1691"/>
-                    <a:pt x="2858" y="1572"/>
-                  </a:cubicBezTo>
-                  <a:cubicBezTo>
-                    <a:pt x="2918" y="1501"/>
-                    <a:pt x="3001" y="1465"/>
-                    <a:pt x="3084" y="1465"/>
-                  </a:cubicBezTo>
-                  <a:close/>
-                  <a:moveTo>
-                    <a:pt x="6859" y="1536"/>
-                  </a:moveTo>
-                  <a:cubicBezTo>
-                    <a:pt x="6936" y="1536"/>
-                    <a:pt x="7014" y="1572"/>
-                    <a:pt x="7073" y="1644"/>
-                  </a:cubicBezTo>
-                  <a:cubicBezTo>
-                    <a:pt x="7192" y="1763"/>
-                    <a:pt x="7192" y="1953"/>
-                    <a:pt x="7073" y="2072"/>
-                  </a:cubicBezTo>
-                  <a:lnTo>
-                    <a:pt x="6787" y="2382"/>
-                  </a:lnTo>
-                  <a:cubicBezTo>
-                    <a:pt x="6716" y="2448"/>
-                    <a:pt x="6638" y="2476"/>
-                    <a:pt x="6564" y="2476"/>
-                  </a:cubicBezTo>
-                  <a:cubicBezTo>
-                    <a:pt x="6318" y="2476"/>
-                    <a:pt x="6115" y="2167"/>
-                    <a:pt x="6335" y="1929"/>
-                  </a:cubicBezTo>
-                  <a:lnTo>
-                    <a:pt x="6645" y="1644"/>
-                  </a:lnTo>
-                  <a:cubicBezTo>
-                    <a:pt x="6704" y="1572"/>
-                    <a:pt x="6781" y="1536"/>
-                    <a:pt x="6859" y="1536"/>
-                  </a:cubicBezTo>
-                  <a:close/>
-                  <a:moveTo>
-                    <a:pt x="2810" y="3382"/>
-                  </a:moveTo>
-                  <a:cubicBezTo>
-                    <a:pt x="3239" y="3382"/>
-                    <a:pt x="3239" y="4025"/>
-                    <a:pt x="2810" y="4025"/>
-                  </a:cubicBezTo>
-                  <a:lnTo>
-                    <a:pt x="2406" y="4025"/>
-                  </a:lnTo>
-                  <a:cubicBezTo>
-                    <a:pt x="1977" y="4025"/>
-                    <a:pt x="1977" y="3382"/>
-                    <a:pt x="2406" y="3382"/>
-                  </a:cubicBezTo>
-                  <a:lnTo>
-                    <a:pt x="2810" y="3382"/>
-                  </a:lnTo>
-                  <a:close/>
-                  <a:moveTo>
-                    <a:pt x="7573" y="3406"/>
-                  </a:moveTo>
-                  <a:cubicBezTo>
-                    <a:pt x="8002" y="3406"/>
-                    <a:pt x="8002" y="4025"/>
-                    <a:pt x="7573" y="4025"/>
-                  </a:cubicBezTo>
-                  <a:lnTo>
-                    <a:pt x="7168" y="4025"/>
-                  </a:lnTo>
-                  <a:cubicBezTo>
-                    <a:pt x="6740" y="4025"/>
-                    <a:pt x="6740" y="3406"/>
-                    <a:pt x="7168" y="3406"/>
-                  </a:cubicBezTo>
-                  <a:lnTo>
-                    <a:pt x="7573" y="3406"/>
-                  </a:lnTo>
-                  <a:close/>
-                  <a:moveTo>
-                    <a:pt x="4977" y="2221"/>
-                  </a:moveTo>
-                  <a:cubicBezTo>
-                    <a:pt x="5132" y="2221"/>
-                    <a:pt x="5287" y="2322"/>
-                    <a:pt x="5287" y="2525"/>
-                  </a:cubicBezTo>
-                  <a:lnTo>
-                    <a:pt x="5287" y="3430"/>
-                  </a:lnTo>
-                  <a:lnTo>
-                    <a:pt x="5716" y="3430"/>
-                  </a:lnTo>
-                  <a:cubicBezTo>
-                    <a:pt x="6121" y="3430"/>
-                    <a:pt x="6121" y="4049"/>
-                    <a:pt x="5716" y="4049"/>
-                  </a:cubicBezTo>
-                  <a:lnTo>
-                    <a:pt x="5692" y="4025"/>
-                  </a:lnTo>
-                  <a:lnTo>
-                    <a:pt x="4977" y="4025"/>
-                  </a:lnTo>
-                  <a:cubicBezTo>
-                    <a:pt x="4811" y="4025"/>
-                    <a:pt x="4668" y="3882"/>
-                    <a:pt x="4668" y="3715"/>
-                  </a:cubicBezTo>
-                  <a:lnTo>
-                    <a:pt x="4668" y="2525"/>
-                  </a:lnTo>
-                  <a:cubicBezTo>
-                    <a:pt x="4668" y="2322"/>
-                    <a:pt x="4823" y="2221"/>
-                    <a:pt x="4977" y="2221"/>
-                  </a:cubicBezTo>
-                  <a:close/>
-                  <a:moveTo>
-                    <a:pt x="3477" y="4912"/>
-                  </a:moveTo>
-                  <a:cubicBezTo>
-                    <a:pt x="3555" y="4912"/>
-                    <a:pt x="3632" y="4942"/>
-                    <a:pt x="3692" y="5001"/>
-                  </a:cubicBezTo>
-                  <a:cubicBezTo>
-                    <a:pt x="3811" y="5144"/>
-                    <a:pt x="3811" y="5335"/>
-                    <a:pt x="3692" y="5454"/>
-                  </a:cubicBezTo>
-                  <a:lnTo>
-                    <a:pt x="3715" y="5454"/>
-                  </a:lnTo>
-                  <a:lnTo>
-                    <a:pt x="3406" y="5763"/>
-                  </a:lnTo>
-                  <a:cubicBezTo>
-                    <a:pt x="3346" y="5823"/>
-                    <a:pt x="3269" y="5853"/>
-                    <a:pt x="3188" y="5853"/>
-                  </a:cubicBezTo>
-                  <a:cubicBezTo>
-                    <a:pt x="3108" y="5853"/>
-                    <a:pt x="3025" y="5823"/>
-                    <a:pt x="2953" y="5763"/>
-                  </a:cubicBezTo>
-                  <a:cubicBezTo>
-                    <a:pt x="2834" y="5644"/>
-                    <a:pt x="2834" y="5430"/>
-                    <a:pt x="2953" y="5311"/>
-                  </a:cubicBezTo>
-                  <a:lnTo>
-                    <a:pt x="3263" y="5001"/>
-                  </a:lnTo>
-                  <a:cubicBezTo>
-                    <a:pt x="3322" y="4942"/>
-                    <a:pt x="3400" y="4912"/>
-                    <a:pt x="3477" y="4912"/>
-                  </a:cubicBezTo>
-                  <a:close/>
-                  <a:moveTo>
-                    <a:pt x="6571" y="4969"/>
-                  </a:moveTo>
-                  <a:cubicBezTo>
-                    <a:pt x="6644" y="4969"/>
-                    <a:pt x="6720" y="4999"/>
-                    <a:pt x="6787" y="5073"/>
-                  </a:cubicBezTo>
-                  <a:lnTo>
-                    <a:pt x="7097" y="5359"/>
-                  </a:lnTo>
-                  <a:cubicBezTo>
-                    <a:pt x="7216" y="5478"/>
-                    <a:pt x="7216" y="5692"/>
-                    <a:pt x="7097" y="5811"/>
-                  </a:cubicBezTo>
-                  <a:cubicBezTo>
-                    <a:pt x="7037" y="5871"/>
-                    <a:pt x="6960" y="5900"/>
-                    <a:pt x="6880" y="5900"/>
-                  </a:cubicBezTo>
-                  <a:cubicBezTo>
-                    <a:pt x="6799" y="5900"/>
-                    <a:pt x="6716" y="5871"/>
-                    <a:pt x="6645" y="5811"/>
-                  </a:cubicBezTo>
-                  <a:lnTo>
-                    <a:pt x="6359" y="5502"/>
-                  </a:lnTo>
-                  <a:cubicBezTo>
-                    <a:pt x="6141" y="5284"/>
-                    <a:pt x="6338" y="4969"/>
-                    <a:pt x="6571" y="4969"/>
-                  </a:cubicBezTo>
-                  <a:close/>
-                  <a:moveTo>
-                    <a:pt x="4977" y="5627"/>
-                  </a:moveTo>
-                  <a:cubicBezTo>
-                    <a:pt x="5132" y="5627"/>
-                    <a:pt x="5287" y="5728"/>
-                    <a:pt x="5287" y="5930"/>
-                  </a:cubicBezTo>
-                  <a:lnTo>
-                    <a:pt x="5287" y="6359"/>
-                  </a:lnTo>
-                  <a:cubicBezTo>
-                    <a:pt x="5287" y="6561"/>
-                    <a:pt x="5132" y="6662"/>
-                    <a:pt x="4977" y="6662"/>
-                  </a:cubicBezTo>
-                  <a:cubicBezTo>
-                    <a:pt x="4823" y="6662"/>
-                    <a:pt x="4668" y="6561"/>
-                    <a:pt x="4668" y="6359"/>
-                  </a:cubicBezTo>
-                  <a:lnTo>
-                    <a:pt x="4668" y="5930"/>
-                  </a:lnTo>
-                  <a:cubicBezTo>
-                    <a:pt x="4668" y="5728"/>
-                    <a:pt x="4823" y="5627"/>
-                    <a:pt x="4977" y="5627"/>
-                  </a:cubicBezTo>
-                  <a:close/>
-                  <a:moveTo>
-                    <a:pt x="4977" y="0"/>
-                  </a:moveTo>
-                  <a:cubicBezTo>
-                    <a:pt x="1667" y="0"/>
-                    <a:pt x="0" y="4001"/>
-                    <a:pt x="2358" y="6335"/>
-                  </a:cubicBezTo>
-                  <a:cubicBezTo>
-                    <a:pt x="3114" y="7091"/>
-                    <a:pt x="4044" y="7430"/>
-                    <a:pt x="4958" y="7430"/>
-                  </a:cubicBezTo>
-                  <a:cubicBezTo>
-                    <a:pt x="6864" y="7430"/>
-                    <a:pt x="8693" y="5954"/>
-                    <a:pt x="8693" y="3715"/>
-                  </a:cubicBezTo>
-                  <a:cubicBezTo>
-                    <a:pt x="8693" y="1644"/>
-                    <a:pt x="7026" y="0"/>
-                    <a:pt x="4977" y="0"/>
-                  </a:cubicBezTo>
-                  <a:close/>
-                </a:path>
-              </a:pathLst>
-            </a:custGeom>
-            <a:solidFill>
-              <a:schemeClr val="lt1"/>
-            </a:solidFill>
-            <a:ln>
-              <a:noFill/>
-            </a:ln>
-          </p:spPr>
-          <p:txBody>
-            <a:bodyPr spcFirstLastPara="1" wrap="square" lIns="91425" tIns="91425" rIns="91425" bIns="91425" anchor="ctr" anchorCtr="0">
-              <a:noAutofit/>
-            </a:bodyPr>
-            <a:lstStyle/>
-            <a:p>
-              <a:pPr marL="0" marR="0" lvl="0" indent="0" algn="l" rtl="0">
-                <a:lnSpc>
-                  <a:spcPct val="100000"/>
-                </a:lnSpc>
-                <a:spcBef>
-                  <a:spcPts val="0"/>
-                </a:spcBef>
-                <a:spcAft>
-                  <a:spcPts val="0"/>
-                </a:spcAft>
-                <a:buNone/>
-              </a:pPr>
-              <a:endParaRPr sz="1400" b="0" i="0" u="none">
-                <a:solidFill>
-                  <a:srgbClr val="000000"/>
-                </a:solidFill>
-                <a:latin typeface="Arial"/>
-                <a:ea typeface="Arial"/>
-                <a:cs typeface="Arial"/>
-                <a:sym typeface="Arial"/>
-              </a:endParaRPr>
-            </a:p>
-          </p:txBody>
-        </p:sp>
-        <p:sp>
-          <p:nvSpPr>
-            <p:cNvPr id="842" name="Google Shape;842;p41"/>
-            <p:cNvSpPr/>
-            <p:nvPr/>
-          </p:nvSpPr>
-          <p:spPr>
-            <a:xfrm>
-              <a:off x="1605691" y="2879187"/>
-              <a:ext cx="384020" cy="364850"/>
-            </a:xfrm>
-            <a:custGeom>
-              <a:avLst/>
-              <a:gdLst/>
-              <a:ahLst/>
-              <a:cxnLst/>
-              <a:rect l="l" t="t" r="r" b="b"/>
-              <a:pathLst>
-                <a:path w="11218" h="10658" extrusionOk="0">
-                  <a:moveTo>
-                    <a:pt x="5878" y="981"/>
-                  </a:moveTo>
-                  <a:cubicBezTo>
-                    <a:pt x="8107" y="981"/>
-                    <a:pt x="10241" y="2713"/>
-                    <a:pt x="10241" y="5337"/>
-                  </a:cubicBezTo>
-                  <a:cubicBezTo>
-                    <a:pt x="10241" y="7719"/>
-                    <a:pt x="8288" y="9672"/>
-                    <a:pt x="5906" y="9672"/>
-                  </a:cubicBezTo>
-                  <a:cubicBezTo>
-                    <a:pt x="2025" y="9672"/>
-                    <a:pt x="96" y="4980"/>
-                    <a:pt x="2834" y="2265"/>
-                  </a:cubicBezTo>
-                  <a:cubicBezTo>
-                    <a:pt x="3721" y="1378"/>
-                    <a:pt x="4811" y="981"/>
-                    <a:pt x="5878" y="981"/>
-                  </a:cubicBezTo>
-                  <a:close/>
-                  <a:moveTo>
-                    <a:pt x="5889" y="1"/>
-                  </a:moveTo>
-                  <a:cubicBezTo>
-                    <a:pt x="4865" y="1"/>
-                    <a:pt x="3834" y="298"/>
-                    <a:pt x="2930" y="908"/>
-                  </a:cubicBezTo>
-                  <a:cubicBezTo>
-                    <a:pt x="834" y="2313"/>
-                    <a:pt x="0" y="5028"/>
-                    <a:pt x="977" y="7362"/>
-                  </a:cubicBezTo>
-                  <a:cubicBezTo>
-                    <a:pt x="1816" y="9387"/>
-                    <a:pt x="3780" y="10657"/>
-                    <a:pt x="5888" y="10657"/>
-                  </a:cubicBezTo>
-                  <a:cubicBezTo>
-                    <a:pt x="6233" y="10657"/>
-                    <a:pt x="6582" y="10623"/>
-                    <a:pt x="6931" y="10553"/>
-                  </a:cubicBezTo>
-                  <a:cubicBezTo>
-                    <a:pt x="9431" y="10053"/>
-                    <a:pt x="11217" y="7862"/>
-                    <a:pt x="11217" y="5337"/>
-                  </a:cubicBezTo>
-                  <a:cubicBezTo>
-                    <a:pt x="11217" y="3909"/>
-                    <a:pt x="10669" y="2551"/>
-                    <a:pt x="9669" y="1575"/>
-                  </a:cubicBezTo>
-                  <a:cubicBezTo>
-                    <a:pt x="8632" y="537"/>
-                    <a:pt x="7266" y="1"/>
-                    <a:pt x="5889" y="1"/>
-                  </a:cubicBezTo>
-                  <a:close/>
-                </a:path>
-              </a:pathLst>
-            </a:custGeom>
-            <a:solidFill>
-              <a:schemeClr val="lt1"/>
-            </a:solidFill>
-            <a:ln>
-              <a:noFill/>
-            </a:ln>
-          </p:spPr>
-          <p:txBody>
-            <a:bodyPr spcFirstLastPara="1" wrap="square" lIns="91425" tIns="91425" rIns="91425" bIns="91425" anchor="ctr" anchorCtr="0">
-              <a:noAutofit/>
-            </a:bodyPr>
-            <a:lstStyle/>
-            <a:p>
-              <a:pPr marL="0" marR="0" lvl="0" indent="0" algn="l" rtl="0">
-                <a:lnSpc>
-                  <a:spcPct val="100000"/>
-                </a:lnSpc>
-                <a:spcBef>
-                  <a:spcPts val="0"/>
-                </a:spcBef>
-                <a:spcAft>
-                  <a:spcPts val="0"/>
-                </a:spcAft>
-                <a:buNone/>
-              </a:pPr>
-              <a:endParaRPr sz="1400" b="0" i="0" u="none">
-                <a:solidFill>
-                  <a:srgbClr val="000000"/>
-                </a:solidFill>
-                <a:latin typeface="Arial"/>
-                <a:ea typeface="Arial"/>
-                <a:cs typeface="Arial"/>
-                <a:sym typeface="Arial"/>
-              </a:endParaRPr>
-            </a:p>
-          </p:txBody>
-        </p:sp>
-      </p:grpSp>
-      <p:sp>
-        <p:nvSpPr>
-          <p:cNvPr id="843" name="Google Shape;843;p41"/>
-          <p:cNvSpPr txBox="1"/>
-          <p:nvPr/>
-        </p:nvSpPr>
-        <p:spPr>
-          <a:xfrm>
-            <a:off x="457200" y="1082675"/>
-            <a:ext cx="2060575" cy="274637"/>
-          </a:xfrm>
-          <a:prstGeom prst="rect">
-            <a:avLst/>
-          </a:prstGeom>
-          <a:noFill/>
-          <a:ln>
-            <a:noFill/>
-          </a:ln>
-        </p:spPr>
-        <p:txBody>
-          <a:bodyPr spcFirstLastPara="1" wrap="square" lIns="91425" tIns="91425" rIns="91425" bIns="91425" anchor="ctr" anchorCtr="0">
-            <a:noAutofit/>
-          </a:bodyPr>
-          <a:lstStyle/>
-          <a:p>
-            <a:pPr marL="0" marR="0" lvl="0" indent="0" algn="l" rtl="0">
-              <a:lnSpc>
-                <a:spcPct val="100000"/>
-              </a:lnSpc>
-              <a:spcBef>
-                <a:spcPts val="0"/>
-              </a:spcBef>
-              <a:spcAft>
-                <a:spcPts val="0"/>
-              </a:spcAft>
-              <a:buNone/>
-            </a:pPr>
-            <a:endParaRPr sz="1400" b="0" i="0" u="none">
-              <a:solidFill>
-                <a:srgbClr val="000000"/>
-              </a:solidFill>
-              <a:latin typeface="Arial"/>
-              <a:ea typeface="Arial"/>
-              <a:cs typeface="Arial"/>
-              <a:sym typeface="Arial"/>
-            </a:endParaRPr>
-          </a:p>
-        </p:txBody>
-      </p:sp>
-      <p:grpSp>
-        <p:nvGrpSpPr>
-          <p:cNvPr id="844" name="Google Shape;844;p41"/>
-          <p:cNvGrpSpPr/>
-          <p:nvPr/>
-        </p:nvGrpSpPr>
-        <p:grpSpPr>
-          <a:xfrm>
-            <a:off x="2633662" y="2659062"/>
-            <a:ext cx="349250" cy="331787"/>
-            <a:chOff x="1605691" y="2879187"/>
-            <a:chExt cx="384020" cy="364850"/>
-          </a:xfrm>
-        </p:grpSpPr>
-        <p:sp>
-          <p:nvSpPr>
-            <p:cNvPr id="845" name="Google Shape;845;p41"/>
-            <p:cNvSpPr/>
-            <p:nvPr/>
-          </p:nvSpPr>
-          <p:spPr>
-            <a:xfrm>
-              <a:off x="1637493" y="2934712"/>
-              <a:ext cx="297583" cy="254347"/>
-            </a:xfrm>
-            <a:custGeom>
-              <a:avLst/>
-              <a:gdLst/>
-              <a:ahLst/>
-              <a:cxnLst/>
-              <a:rect l="l" t="t" r="r" b="b"/>
-              <a:pathLst>
-                <a:path w="8693" h="7430" extrusionOk="0">
-                  <a:moveTo>
-                    <a:pt x="4966" y="679"/>
-                  </a:moveTo>
-                  <a:cubicBezTo>
-                    <a:pt x="5126" y="679"/>
-                    <a:pt x="5287" y="786"/>
-                    <a:pt x="5287" y="1001"/>
-                  </a:cubicBezTo>
-                  <a:lnTo>
-                    <a:pt x="5287" y="1405"/>
-                  </a:lnTo>
-                  <a:cubicBezTo>
-                    <a:pt x="5287" y="1608"/>
-                    <a:pt x="5126" y="1709"/>
-                    <a:pt x="4966" y="1709"/>
-                  </a:cubicBezTo>
-                  <a:cubicBezTo>
-                    <a:pt x="4805" y="1709"/>
-                    <a:pt x="4644" y="1608"/>
-                    <a:pt x="4644" y="1405"/>
-                  </a:cubicBezTo>
-                  <a:lnTo>
-                    <a:pt x="4644" y="1001"/>
-                  </a:lnTo>
-                  <a:cubicBezTo>
-                    <a:pt x="4644" y="786"/>
-                    <a:pt x="4805" y="679"/>
-                    <a:pt x="4966" y="679"/>
-                  </a:cubicBezTo>
-                  <a:close/>
-                  <a:moveTo>
-                    <a:pt x="3084" y="1465"/>
-                  </a:moveTo>
-                  <a:cubicBezTo>
-                    <a:pt x="3168" y="1465"/>
-                    <a:pt x="3251" y="1501"/>
-                    <a:pt x="3310" y="1572"/>
-                  </a:cubicBezTo>
-                  <a:lnTo>
-                    <a:pt x="3596" y="1858"/>
-                  </a:lnTo>
-                  <a:cubicBezTo>
-                    <a:pt x="3715" y="1977"/>
-                    <a:pt x="3715" y="2191"/>
-                    <a:pt x="3596" y="2310"/>
-                  </a:cubicBezTo>
-                  <a:cubicBezTo>
-                    <a:pt x="3549" y="2358"/>
-                    <a:pt x="3453" y="2406"/>
-                    <a:pt x="3382" y="2406"/>
-                  </a:cubicBezTo>
-                  <a:cubicBezTo>
-                    <a:pt x="3287" y="2406"/>
-                    <a:pt x="3215" y="2358"/>
-                    <a:pt x="3168" y="2310"/>
-                  </a:cubicBezTo>
-                  <a:lnTo>
-                    <a:pt x="2858" y="2001"/>
-                  </a:lnTo>
-                  <a:cubicBezTo>
-                    <a:pt x="2739" y="1882"/>
-                    <a:pt x="2739" y="1691"/>
-                    <a:pt x="2858" y="1572"/>
-                  </a:cubicBezTo>
-                  <a:cubicBezTo>
-                    <a:pt x="2918" y="1501"/>
-                    <a:pt x="3001" y="1465"/>
-                    <a:pt x="3084" y="1465"/>
-                  </a:cubicBezTo>
-                  <a:close/>
-                  <a:moveTo>
-                    <a:pt x="6859" y="1536"/>
-                  </a:moveTo>
-                  <a:cubicBezTo>
-                    <a:pt x="6936" y="1536"/>
-                    <a:pt x="7014" y="1572"/>
-                    <a:pt x="7073" y="1644"/>
-                  </a:cubicBezTo>
-                  <a:cubicBezTo>
-                    <a:pt x="7192" y="1763"/>
-                    <a:pt x="7192" y="1953"/>
-                    <a:pt x="7073" y="2072"/>
-                  </a:cubicBezTo>
-                  <a:lnTo>
-                    <a:pt x="6787" y="2382"/>
-                  </a:lnTo>
-                  <a:cubicBezTo>
-                    <a:pt x="6716" y="2448"/>
-                    <a:pt x="6638" y="2476"/>
-                    <a:pt x="6564" y="2476"/>
-                  </a:cubicBezTo>
-                  <a:cubicBezTo>
-                    <a:pt x="6318" y="2476"/>
-                    <a:pt x="6115" y="2167"/>
-                    <a:pt x="6335" y="1929"/>
-                  </a:cubicBezTo>
-                  <a:lnTo>
-                    <a:pt x="6645" y="1644"/>
-                  </a:lnTo>
-                  <a:cubicBezTo>
-                    <a:pt x="6704" y="1572"/>
-                    <a:pt x="6781" y="1536"/>
-                    <a:pt x="6859" y="1536"/>
-                  </a:cubicBezTo>
-                  <a:close/>
-                  <a:moveTo>
-                    <a:pt x="2810" y="3382"/>
-                  </a:moveTo>
-                  <a:cubicBezTo>
-                    <a:pt x="3239" y="3382"/>
-                    <a:pt x="3239" y="4025"/>
-                    <a:pt x="2810" y="4025"/>
-                  </a:cubicBezTo>
-                  <a:lnTo>
-                    <a:pt x="2406" y="4025"/>
-                  </a:lnTo>
-                  <a:cubicBezTo>
-                    <a:pt x="1977" y="4025"/>
-                    <a:pt x="1977" y="3382"/>
-                    <a:pt x="2406" y="3382"/>
-                  </a:cubicBezTo>
-                  <a:lnTo>
-                    <a:pt x="2810" y="3382"/>
-                  </a:lnTo>
-                  <a:close/>
-                  <a:moveTo>
-                    <a:pt x="7573" y="3406"/>
-                  </a:moveTo>
-                  <a:cubicBezTo>
-                    <a:pt x="8002" y="3406"/>
-                    <a:pt x="8002" y="4025"/>
-                    <a:pt x="7573" y="4025"/>
-                  </a:cubicBezTo>
-                  <a:lnTo>
-                    <a:pt x="7168" y="4025"/>
-                  </a:lnTo>
-                  <a:cubicBezTo>
-                    <a:pt x="6740" y="4025"/>
-                    <a:pt x="6740" y="3406"/>
-                    <a:pt x="7168" y="3406"/>
-                  </a:cubicBezTo>
-                  <a:lnTo>
-                    <a:pt x="7573" y="3406"/>
-                  </a:lnTo>
-                  <a:close/>
-                  <a:moveTo>
-                    <a:pt x="4977" y="2221"/>
-                  </a:moveTo>
-                  <a:cubicBezTo>
-                    <a:pt x="5132" y="2221"/>
-                    <a:pt x="5287" y="2322"/>
-                    <a:pt x="5287" y="2525"/>
-                  </a:cubicBezTo>
-                  <a:lnTo>
-                    <a:pt x="5287" y="3430"/>
-                  </a:lnTo>
-                  <a:lnTo>
-                    <a:pt x="5716" y="3430"/>
-                  </a:lnTo>
-                  <a:cubicBezTo>
-                    <a:pt x="6121" y="3430"/>
-                    <a:pt x="6121" y="4049"/>
-                    <a:pt x="5716" y="4049"/>
-                  </a:cubicBezTo>
-                  <a:lnTo>
-                    <a:pt x="5692" y="4025"/>
-                  </a:lnTo>
-                  <a:lnTo>
-                    <a:pt x="4977" y="4025"/>
-                  </a:lnTo>
-                  <a:cubicBezTo>
-                    <a:pt x="4811" y="4025"/>
-                    <a:pt x="4668" y="3882"/>
-                    <a:pt x="4668" y="3715"/>
-                  </a:cubicBezTo>
-                  <a:lnTo>
-                    <a:pt x="4668" y="2525"/>
-                  </a:lnTo>
-                  <a:cubicBezTo>
-                    <a:pt x="4668" y="2322"/>
-                    <a:pt x="4823" y="2221"/>
-                    <a:pt x="4977" y="2221"/>
-                  </a:cubicBezTo>
-                  <a:close/>
-                  <a:moveTo>
-                    <a:pt x="3477" y="4912"/>
-                  </a:moveTo>
-                  <a:cubicBezTo>
-                    <a:pt x="3555" y="4912"/>
-                    <a:pt x="3632" y="4942"/>
-                    <a:pt x="3692" y="5001"/>
-                  </a:cubicBezTo>
-                  <a:cubicBezTo>
-                    <a:pt x="3811" y="5144"/>
-                    <a:pt x="3811" y="5335"/>
-                    <a:pt x="3692" y="5454"/>
-                  </a:cubicBezTo>
-                  <a:lnTo>
-                    <a:pt x="3715" y="5454"/>
-                  </a:lnTo>
-                  <a:lnTo>
-                    <a:pt x="3406" y="5763"/>
-                  </a:lnTo>
-                  <a:cubicBezTo>
-                    <a:pt x="3346" y="5823"/>
-                    <a:pt x="3269" y="5853"/>
-                    <a:pt x="3188" y="5853"/>
-                  </a:cubicBezTo>
-                  <a:cubicBezTo>
-                    <a:pt x="3108" y="5853"/>
-                    <a:pt x="3025" y="5823"/>
-                    <a:pt x="2953" y="5763"/>
-                  </a:cubicBezTo>
-                  <a:cubicBezTo>
-                    <a:pt x="2834" y="5644"/>
-                    <a:pt x="2834" y="5430"/>
-                    <a:pt x="2953" y="5311"/>
-                  </a:cubicBezTo>
-                  <a:lnTo>
-                    <a:pt x="3263" y="5001"/>
-                  </a:lnTo>
-                  <a:cubicBezTo>
-                    <a:pt x="3322" y="4942"/>
-                    <a:pt x="3400" y="4912"/>
-                    <a:pt x="3477" y="4912"/>
-                  </a:cubicBezTo>
-                  <a:close/>
-                  <a:moveTo>
-                    <a:pt x="6571" y="4969"/>
-                  </a:moveTo>
-                  <a:cubicBezTo>
-                    <a:pt x="6644" y="4969"/>
-                    <a:pt x="6720" y="4999"/>
-                    <a:pt x="6787" y="5073"/>
-                  </a:cubicBezTo>
-                  <a:lnTo>
-                    <a:pt x="7097" y="5359"/>
-                  </a:lnTo>
-                  <a:cubicBezTo>
-                    <a:pt x="7216" y="5478"/>
-                    <a:pt x="7216" y="5692"/>
-                    <a:pt x="7097" y="5811"/>
-                  </a:cubicBezTo>
-                  <a:cubicBezTo>
-                    <a:pt x="7037" y="5871"/>
-                    <a:pt x="6960" y="5900"/>
-                    <a:pt x="6880" y="5900"/>
-                  </a:cubicBezTo>
-                  <a:cubicBezTo>
-                    <a:pt x="6799" y="5900"/>
-                    <a:pt x="6716" y="5871"/>
-                    <a:pt x="6645" y="5811"/>
-                  </a:cubicBezTo>
-                  <a:lnTo>
-                    <a:pt x="6359" y="5502"/>
-                  </a:lnTo>
-                  <a:cubicBezTo>
-                    <a:pt x="6141" y="5284"/>
-                    <a:pt x="6338" y="4969"/>
-                    <a:pt x="6571" y="4969"/>
-                  </a:cubicBezTo>
-                  <a:close/>
-                  <a:moveTo>
-                    <a:pt x="4977" y="5627"/>
-                  </a:moveTo>
-                  <a:cubicBezTo>
-                    <a:pt x="5132" y="5627"/>
-                    <a:pt x="5287" y="5728"/>
-                    <a:pt x="5287" y="5930"/>
-                  </a:cubicBezTo>
-                  <a:lnTo>
-                    <a:pt x="5287" y="6359"/>
-                  </a:lnTo>
-                  <a:cubicBezTo>
-                    <a:pt x="5287" y="6561"/>
-                    <a:pt x="5132" y="6662"/>
-                    <a:pt x="4977" y="6662"/>
-                  </a:cubicBezTo>
-                  <a:cubicBezTo>
-                    <a:pt x="4823" y="6662"/>
-                    <a:pt x="4668" y="6561"/>
-                    <a:pt x="4668" y="6359"/>
-                  </a:cubicBezTo>
-                  <a:lnTo>
-                    <a:pt x="4668" y="5930"/>
-                  </a:lnTo>
-                  <a:cubicBezTo>
-                    <a:pt x="4668" y="5728"/>
-                    <a:pt x="4823" y="5627"/>
-                    <a:pt x="4977" y="5627"/>
-                  </a:cubicBezTo>
-                  <a:close/>
-                  <a:moveTo>
-                    <a:pt x="4977" y="0"/>
-                  </a:moveTo>
-                  <a:cubicBezTo>
-                    <a:pt x="1667" y="0"/>
-                    <a:pt x="0" y="4001"/>
-                    <a:pt x="2358" y="6335"/>
-                  </a:cubicBezTo>
-                  <a:cubicBezTo>
-                    <a:pt x="3114" y="7091"/>
-                    <a:pt x="4044" y="7430"/>
-                    <a:pt x="4958" y="7430"/>
-                  </a:cubicBezTo>
-                  <a:cubicBezTo>
-                    <a:pt x="6864" y="7430"/>
-                    <a:pt x="8693" y="5954"/>
-                    <a:pt x="8693" y="3715"/>
-                  </a:cubicBezTo>
-                  <a:cubicBezTo>
-                    <a:pt x="8693" y="1644"/>
-                    <a:pt x="7026" y="0"/>
-                    <a:pt x="4977" y="0"/>
-                  </a:cubicBezTo>
-                  <a:close/>
-                </a:path>
-              </a:pathLst>
-            </a:custGeom>
-            <a:solidFill>
-              <a:schemeClr val="lt1"/>
-            </a:solidFill>
-            <a:ln>
-              <a:noFill/>
-            </a:ln>
-          </p:spPr>
-          <p:txBody>
-            <a:bodyPr spcFirstLastPara="1" wrap="square" lIns="91425" tIns="91425" rIns="91425" bIns="91425" anchor="ctr" anchorCtr="0">
-              <a:noAutofit/>
-            </a:bodyPr>
-            <a:lstStyle/>
-            <a:p>
-              <a:pPr marL="0" marR="0" lvl="0" indent="0" algn="l" rtl="0">
-                <a:lnSpc>
-                  <a:spcPct val="100000"/>
-                </a:lnSpc>
-                <a:spcBef>
-                  <a:spcPts val="0"/>
-                </a:spcBef>
-                <a:spcAft>
-                  <a:spcPts val="0"/>
-                </a:spcAft>
-                <a:buNone/>
-              </a:pPr>
-              <a:endParaRPr sz="1400" b="0" i="0" u="none">
-                <a:solidFill>
-                  <a:srgbClr val="000000"/>
-                </a:solidFill>
-                <a:latin typeface="Arial"/>
-                <a:ea typeface="Arial"/>
-                <a:cs typeface="Arial"/>
-                <a:sym typeface="Arial"/>
-              </a:endParaRPr>
-            </a:p>
-          </p:txBody>
-        </p:sp>
-        <p:sp>
-          <p:nvSpPr>
-            <p:cNvPr id="846" name="Google Shape;846;p41"/>
-            <p:cNvSpPr/>
-            <p:nvPr/>
-          </p:nvSpPr>
-          <p:spPr>
-            <a:xfrm>
-              <a:off x="1605691" y="2879187"/>
-              <a:ext cx="384020" cy="364850"/>
-            </a:xfrm>
-            <a:custGeom>
-              <a:avLst/>
-              <a:gdLst/>
-              <a:ahLst/>
-              <a:cxnLst/>
-              <a:rect l="l" t="t" r="r" b="b"/>
-              <a:pathLst>
-                <a:path w="11218" h="10658" extrusionOk="0">
-                  <a:moveTo>
-                    <a:pt x="5878" y="981"/>
-                  </a:moveTo>
-                  <a:cubicBezTo>
-                    <a:pt x="8107" y="981"/>
-                    <a:pt x="10241" y="2713"/>
-                    <a:pt x="10241" y="5337"/>
-                  </a:cubicBezTo>
-                  <a:cubicBezTo>
-                    <a:pt x="10241" y="7719"/>
-                    <a:pt x="8288" y="9672"/>
-                    <a:pt x="5906" y="9672"/>
-                  </a:cubicBezTo>
-                  <a:cubicBezTo>
-                    <a:pt x="2025" y="9672"/>
-                    <a:pt x="96" y="4980"/>
-                    <a:pt x="2834" y="2265"/>
-                  </a:cubicBezTo>
-                  <a:cubicBezTo>
-                    <a:pt x="3721" y="1378"/>
-                    <a:pt x="4811" y="981"/>
-                    <a:pt x="5878" y="981"/>
-                  </a:cubicBezTo>
-                  <a:close/>
-                  <a:moveTo>
-                    <a:pt x="5889" y="1"/>
-                  </a:moveTo>
-                  <a:cubicBezTo>
-                    <a:pt x="4865" y="1"/>
-                    <a:pt x="3834" y="298"/>
-                    <a:pt x="2930" y="908"/>
-                  </a:cubicBezTo>
-                  <a:cubicBezTo>
-                    <a:pt x="834" y="2313"/>
-                    <a:pt x="0" y="5028"/>
-                    <a:pt x="977" y="7362"/>
-                  </a:cubicBezTo>
-                  <a:cubicBezTo>
-                    <a:pt x="1816" y="9387"/>
-                    <a:pt x="3780" y="10657"/>
-                    <a:pt x="5888" y="10657"/>
-                  </a:cubicBezTo>
-                  <a:cubicBezTo>
-                    <a:pt x="6233" y="10657"/>
-                    <a:pt x="6582" y="10623"/>
-                    <a:pt x="6931" y="10553"/>
-                  </a:cubicBezTo>
-                  <a:cubicBezTo>
-                    <a:pt x="9431" y="10053"/>
-                    <a:pt x="11217" y="7862"/>
-                    <a:pt x="11217" y="5337"/>
-                  </a:cubicBezTo>
-                  <a:cubicBezTo>
-                    <a:pt x="11217" y="3909"/>
-                    <a:pt x="10669" y="2551"/>
-                    <a:pt x="9669" y="1575"/>
-                  </a:cubicBezTo>
-                  <a:cubicBezTo>
-                    <a:pt x="8632" y="537"/>
-                    <a:pt x="7266" y="1"/>
-                    <a:pt x="5889" y="1"/>
-                  </a:cubicBezTo>
-                  <a:close/>
-                </a:path>
-              </a:pathLst>
-            </a:custGeom>
-            <a:solidFill>
-              <a:schemeClr val="lt1"/>
-            </a:solidFill>
-            <a:ln>
-              <a:noFill/>
-            </a:ln>
-          </p:spPr>
-          <p:txBody>
-            <a:bodyPr spcFirstLastPara="1" wrap="square" lIns="91425" tIns="91425" rIns="91425" bIns="91425" anchor="ctr" anchorCtr="0">
-              <a:noAutofit/>
-            </a:bodyPr>
-            <a:lstStyle/>
-            <a:p>
-              <a:pPr marL="0" marR="0" lvl="0" indent="0" algn="l" rtl="0">
-                <a:lnSpc>
-                  <a:spcPct val="100000"/>
-                </a:lnSpc>
-                <a:spcBef>
-                  <a:spcPts val="0"/>
-                </a:spcBef>
-                <a:spcAft>
-                  <a:spcPts val="0"/>
-                </a:spcAft>
-                <a:buNone/>
-              </a:pPr>
-              <a:endParaRPr sz="1400" b="0" i="0" u="none">
-                <a:solidFill>
-                  <a:srgbClr val="000000"/>
-                </a:solidFill>
-                <a:latin typeface="Arial"/>
-                <a:ea typeface="Arial"/>
-                <a:cs typeface="Arial"/>
-                <a:sym typeface="Arial"/>
-              </a:endParaRPr>
-            </a:p>
-          </p:txBody>
-        </p:sp>
-      </p:grpSp>
-      <p:grpSp>
-        <p:nvGrpSpPr>
-          <p:cNvPr id="847" name="Google Shape;847;p41"/>
-          <p:cNvGrpSpPr/>
-          <p:nvPr/>
-        </p:nvGrpSpPr>
-        <p:grpSpPr>
-          <a:xfrm>
-            <a:off x="3011487" y="2659062"/>
-            <a:ext cx="349250" cy="331787"/>
-            <a:chOff x="1605691" y="2879187"/>
-            <a:chExt cx="384020" cy="364850"/>
-          </a:xfrm>
-        </p:grpSpPr>
-        <p:sp>
-          <p:nvSpPr>
-            <p:cNvPr id="848" name="Google Shape;848;p41"/>
-            <p:cNvSpPr/>
-            <p:nvPr/>
-          </p:nvSpPr>
-          <p:spPr>
-            <a:xfrm>
-              <a:off x="1637493" y="2934712"/>
-              <a:ext cx="297583" cy="254347"/>
-            </a:xfrm>
-            <a:custGeom>
-              <a:avLst/>
-              <a:gdLst/>
-              <a:ahLst/>
-              <a:cxnLst/>
-              <a:rect l="l" t="t" r="r" b="b"/>
-              <a:pathLst>
-                <a:path w="8693" h="7430" extrusionOk="0">
-                  <a:moveTo>
-                    <a:pt x="4966" y="679"/>
-                  </a:moveTo>
-                  <a:cubicBezTo>
-                    <a:pt x="5126" y="679"/>
-                    <a:pt x="5287" y="786"/>
-                    <a:pt x="5287" y="1001"/>
-                  </a:cubicBezTo>
-                  <a:lnTo>
-                    <a:pt x="5287" y="1405"/>
-                  </a:lnTo>
-                  <a:cubicBezTo>
-                    <a:pt x="5287" y="1608"/>
-                    <a:pt x="5126" y="1709"/>
-                    <a:pt x="4966" y="1709"/>
-                  </a:cubicBezTo>
-                  <a:cubicBezTo>
-                    <a:pt x="4805" y="1709"/>
-                    <a:pt x="4644" y="1608"/>
-                    <a:pt x="4644" y="1405"/>
-                  </a:cubicBezTo>
-                  <a:lnTo>
-                    <a:pt x="4644" y="1001"/>
-                  </a:lnTo>
-                  <a:cubicBezTo>
-                    <a:pt x="4644" y="786"/>
-                    <a:pt x="4805" y="679"/>
-                    <a:pt x="4966" y="679"/>
-                  </a:cubicBezTo>
-                  <a:close/>
-                  <a:moveTo>
-                    <a:pt x="3084" y="1465"/>
-                  </a:moveTo>
-                  <a:cubicBezTo>
-                    <a:pt x="3168" y="1465"/>
-                    <a:pt x="3251" y="1501"/>
-                    <a:pt x="3310" y="1572"/>
-                  </a:cubicBezTo>
-                  <a:lnTo>
-                    <a:pt x="3596" y="1858"/>
-                  </a:lnTo>
-                  <a:cubicBezTo>
-                    <a:pt x="3715" y="1977"/>
-                    <a:pt x="3715" y="2191"/>
-                    <a:pt x="3596" y="2310"/>
-                  </a:cubicBezTo>
-                  <a:cubicBezTo>
-                    <a:pt x="3549" y="2358"/>
-                    <a:pt x="3453" y="2406"/>
-                    <a:pt x="3382" y="2406"/>
-                  </a:cubicBezTo>
-                  <a:cubicBezTo>
-                    <a:pt x="3287" y="2406"/>
-                    <a:pt x="3215" y="2358"/>
-                    <a:pt x="3168" y="2310"/>
-                  </a:cubicBezTo>
-                  <a:lnTo>
-                    <a:pt x="2858" y="2001"/>
-                  </a:lnTo>
-                  <a:cubicBezTo>
-                    <a:pt x="2739" y="1882"/>
-                    <a:pt x="2739" y="1691"/>
-                    <a:pt x="2858" y="1572"/>
-                  </a:cubicBezTo>
-                  <a:cubicBezTo>
-                    <a:pt x="2918" y="1501"/>
-                    <a:pt x="3001" y="1465"/>
-                    <a:pt x="3084" y="1465"/>
-                  </a:cubicBezTo>
-                  <a:close/>
-                  <a:moveTo>
-                    <a:pt x="6859" y="1536"/>
-                  </a:moveTo>
-                  <a:cubicBezTo>
-                    <a:pt x="6936" y="1536"/>
-                    <a:pt x="7014" y="1572"/>
-                    <a:pt x="7073" y="1644"/>
-                  </a:cubicBezTo>
-                  <a:cubicBezTo>
-                    <a:pt x="7192" y="1763"/>
-                    <a:pt x="7192" y="1953"/>
-                    <a:pt x="7073" y="2072"/>
-                  </a:cubicBezTo>
-                  <a:lnTo>
-                    <a:pt x="6787" y="2382"/>
-                  </a:lnTo>
-                  <a:cubicBezTo>
-                    <a:pt x="6716" y="2448"/>
-                    <a:pt x="6638" y="2476"/>
-                    <a:pt x="6564" y="2476"/>
-                  </a:cubicBezTo>
-                  <a:cubicBezTo>
-                    <a:pt x="6318" y="2476"/>
-                    <a:pt x="6115" y="2167"/>
-                    <a:pt x="6335" y="1929"/>
-                  </a:cubicBezTo>
-                  <a:lnTo>
-                    <a:pt x="6645" y="1644"/>
-                  </a:lnTo>
-                  <a:cubicBezTo>
-                    <a:pt x="6704" y="1572"/>
-                    <a:pt x="6781" y="1536"/>
-                    <a:pt x="6859" y="1536"/>
-                  </a:cubicBezTo>
-                  <a:close/>
-                  <a:moveTo>
-                    <a:pt x="2810" y="3382"/>
-                  </a:moveTo>
-                  <a:cubicBezTo>
-                    <a:pt x="3239" y="3382"/>
-                    <a:pt x="3239" y="4025"/>
-                    <a:pt x="2810" y="4025"/>
-                  </a:cubicBezTo>
-                  <a:lnTo>
-                    <a:pt x="2406" y="4025"/>
-                  </a:lnTo>
-                  <a:cubicBezTo>
-                    <a:pt x="1977" y="4025"/>
-                    <a:pt x="1977" y="3382"/>
-                    <a:pt x="2406" y="3382"/>
-                  </a:cubicBezTo>
-                  <a:lnTo>
-                    <a:pt x="2810" y="3382"/>
-                  </a:lnTo>
-                  <a:close/>
-                  <a:moveTo>
-                    <a:pt x="7573" y="3406"/>
-                  </a:moveTo>
-                  <a:cubicBezTo>
-                    <a:pt x="8002" y="3406"/>
-                    <a:pt x="8002" y="4025"/>
-                    <a:pt x="7573" y="4025"/>
-                  </a:cubicBezTo>
-                  <a:lnTo>
-                    <a:pt x="7168" y="4025"/>
-                  </a:lnTo>
-                  <a:cubicBezTo>
-                    <a:pt x="6740" y="4025"/>
-                    <a:pt x="6740" y="3406"/>
-                    <a:pt x="7168" y="3406"/>
-                  </a:cubicBezTo>
-                  <a:lnTo>
-                    <a:pt x="7573" y="3406"/>
-                  </a:lnTo>
-                  <a:close/>
-                  <a:moveTo>
-                    <a:pt x="4977" y="2221"/>
-                  </a:moveTo>
-                  <a:cubicBezTo>
-                    <a:pt x="5132" y="2221"/>
-                    <a:pt x="5287" y="2322"/>
-                    <a:pt x="5287" y="2525"/>
-                  </a:cubicBezTo>
-                  <a:lnTo>
-                    <a:pt x="5287" y="3430"/>
-                  </a:lnTo>
-                  <a:lnTo>
-                    <a:pt x="5716" y="3430"/>
-                  </a:lnTo>
-                  <a:cubicBezTo>
-                    <a:pt x="6121" y="3430"/>
-                    <a:pt x="6121" y="4049"/>
-                    <a:pt x="5716" y="4049"/>
-                  </a:cubicBezTo>
-                  <a:lnTo>
-                    <a:pt x="5692" y="4025"/>
-                  </a:lnTo>
-                  <a:lnTo>
-                    <a:pt x="4977" y="4025"/>
-                  </a:lnTo>
-                  <a:cubicBezTo>
-                    <a:pt x="4811" y="4025"/>
-                    <a:pt x="4668" y="3882"/>
-                    <a:pt x="4668" y="3715"/>
-                  </a:cubicBezTo>
-                  <a:lnTo>
-                    <a:pt x="4668" y="2525"/>
-                  </a:lnTo>
-                  <a:cubicBezTo>
-                    <a:pt x="4668" y="2322"/>
-                    <a:pt x="4823" y="2221"/>
-                    <a:pt x="4977" y="2221"/>
-                  </a:cubicBezTo>
-                  <a:close/>
-                  <a:moveTo>
-                    <a:pt x="3477" y="4912"/>
-                  </a:moveTo>
-                  <a:cubicBezTo>
-                    <a:pt x="3555" y="4912"/>
-                    <a:pt x="3632" y="4942"/>
-                    <a:pt x="3692" y="5001"/>
-                  </a:cubicBezTo>
-                  <a:cubicBezTo>
-                    <a:pt x="3811" y="5144"/>
-                    <a:pt x="3811" y="5335"/>
-                    <a:pt x="3692" y="5454"/>
-                  </a:cubicBezTo>
-                  <a:lnTo>
-                    <a:pt x="3715" y="5454"/>
-                  </a:lnTo>
-                  <a:lnTo>
-                    <a:pt x="3406" y="5763"/>
-                  </a:lnTo>
-                  <a:cubicBezTo>
-                    <a:pt x="3346" y="5823"/>
-                    <a:pt x="3269" y="5853"/>
-                    <a:pt x="3188" y="5853"/>
-                  </a:cubicBezTo>
-                  <a:cubicBezTo>
-                    <a:pt x="3108" y="5853"/>
-                    <a:pt x="3025" y="5823"/>
-                    <a:pt x="2953" y="5763"/>
-                  </a:cubicBezTo>
-                  <a:cubicBezTo>
-                    <a:pt x="2834" y="5644"/>
-                    <a:pt x="2834" y="5430"/>
-                    <a:pt x="2953" y="5311"/>
-                  </a:cubicBezTo>
-                  <a:lnTo>
-                    <a:pt x="3263" y="5001"/>
-                  </a:lnTo>
-                  <a:cubicBezTo>
-                    <a:pt x="3322" y="4942"/>
-                    <a:pt x="3400" y="4912"/>
-                    <a:pt x="3477" y="4912"/>
-                  </a:cubicBezTo>
-                  <a:close/>
-                  <a:moveTo>
-                    <a:pt x="6571" y="4969"/>
-                  </a:moveTo>
-                  <a:cubicBezTo>
-                    <a:pt x="6644" y="4969"/>
-                    <a:pt x="6720" y="4999"/>
-                    <a:pt x="6787" y="5073"/>
-                  </a:cubicBezTo>
-                  <a:lnTo>
-                    <a:pt x="7097" y="5359"/>
-                  </a:lnTo>
-                  <a:cubicBezTo>
-                    <a:pt x="7216" y="5478"/>
-                    <a:pt x="7216" y="5692"/>
-                    <a:pt x="7097" y="5811"/>
-                  </a:cubicBezTo>
-                  <a:cubicBezTo>
-                    <a:pt x="7037" y="5871"/>
-                    <a:pt x="6960" y="5900"/>
-                    <a:pt x="6880" y="5900"/>
-                  </a:cubicBezTo>
-                  <a:cubicBezTo>
-                    <a:pt x="6799" y="5900"/>
-                    <a:pt x="6716" y="5871"/>
-                    <a:pt x="6645" y="5811"/>
-                  </a:cubicBezTo>
-                  <a:lnTo>
-                    <a:pt x="6359" y="5502"/>
-                  </a:lnTo>
-                  <a:cubicBezTo>
-                    <a:pt x="6141" y="5284"/>
-                    <a:pt x="6338" y="4969"/>
-                    <a:pt x="6571" y="4969"/>
-                  </a:cubicBezTo>
-                  <a:close/>
-                  <a:moveTo>
-                    <a:pt x="4977" y="5627"/>
-                  </a:moveTo>
-                  <a:cubicBezTo>
-                    <a:pt x="5132" y="5627"/>
-                    <a:pt x="5287" y="5728"/>
-                    <a:pt x="5287" y="5930"/>
-                  </a:cubicBezTo>
-                  <a:lnTo>
-                    <a:pt x="5287" y="6359"/>
-                  </a:lnTo>
-                  <a:cubicBezTo>
-                    <a:pt x="5287" y="6561"/>
-                    <a:pt x="5132" y="6662"/>
-                    <a:pt x="4977" y="6662"/>
-                  </a:cubicBezTo>
-                  <a:cubicBezTo>
-                    <a:pt x="4823" y="6662"/>
-                    <a:pt x="4668" y="6561"/>
-                    <a:pt x="4668" y="6359"/>
-                  </a:cubicBezTo>
-                  <a:lnTo>
-                    <a:pt x="4668" y="5930"/>
-                  </a:lnTo>
-                  <a:cubicBezTo>
-                    <a:pt x="4668" y="5728"/>
-                    <a:pt x="4823" y="5627"/>
-                    <a:pt x="4977" y="5627"/>
-                  </a:cubicBezTo>
-                  <a:close/>
-                  <a:moveTo>
-                    <a:pt x="4977" y="0"/>
-                  </a:moveTo>
-                  <a:cubicBezTo>
-                    <a:pt x="1667" y="0"/>
-                    <a:pt x="0" y="4001"/>
-                    <a:pt x="2358" y="6335"/>
-                  </a:cubicBezTo>
-                  <a:cubicBezTo>
-                    <a:pt x="3114" y="7091"/>
-                    <a:pt x="4044" y="7430"/>
-                    <a:pt x="4958" y="7430"/>
-                  </a:cubicBezTo>
-                  <a:cubicBezTo>
-                    <a:pt x="6864" y="7430"/>
-                    <a:pt x="8693" y="5954"/>
-                    <a:pt x="8693" y="3715"/>
-                  </a:cubicBezTo>
-                  <a:cubicBezTo>
-                    <a:pt x="8693" y="1644"/>
-                    <a:pt x="7026" y="0"/>
-                    <a:pt x="4977" y="0"/>
-                  </a:cubicBezTo>
-                  <a:close/>
-                </a:path>
-              </a:pathLst>
-            </a:custGeom>
-            <a:solidFill>
-              <a:schemeClr val="lt1"/>
-            </a:solidFill>
-            <a:ln>
-              <a:noFill/>
-            </a:ln>
-          </p:spPr>
-          <p:txBody>
-            <a:bodyPr spcFirstLastPara="1" wrap="square" lIns="91425" tIns="91425" rIns="91425" bIns="91425" anchor="ctr" anchorCtr="0">
-              <a:noAutofit/>
-            </a:bodyPr>
-            <a:lstStyle/>
-            <a:p>
-              <a:pPr marL="0" marR="0" lvl="0" indent="0" algn="l" rtl="0">
-                <a:lnSpc>
-                  <a:spcPct val="100000"/>
-                </a:lnSpc>
-                <a:spcBef>
-                  <a:spcPts val="0"/>
-                </a:spcBef>
-                <a:spcAft>
-                  <a:spcPts val="0"/>
-                </a:spcAft>
-                <a:buNone/>
-              </a:pPr>
-              <a:endParaRPr sz="1400" b="0" i="0" u="none">
-                <a:solidFill>
-                  <a:srgbClr val="000000"/>
-                </a:solidFill>
-                <a:latin typeface="Arial"/>
-                <a:ea typeface="Arial"/>
-                <a:cs typeface="Arial"/>
-                <a:sym typeface="Arial"/>
-              </a:endParaRPr>
-            </a:p>
-          </p:txBody>
-        </p:sp>
-        <p:sp>
-          <p:nvSpPr>
-            <p:cNvPr id="849" name="Google Shape;849;p41"/>
-            <p:cNvSpPr/>
-            <p:nvPr/>
-          </p:nvSpPr>
-          <p:spPr>
-            <a:xfrm>
-              <a:off x="1605691" y="2879187"/>
-              <a:ext cx="384020" cy="364850"/>
-            </a:xfrm>
-            <a:custGeom>
-              <a:avLst/>
-              <a:gdLst/>
-              <a:ahLst/>
-              <a:cxnLst/>
-              <a:rect l="l" t="t" r="r" b="b"/>
-              <a:pathLst>
-                <a:path w="11218" h="10658" extrusionOk="0">
-                  <a:moveTo>
-                    <a:pt x="5878" y="981"/>
-                  </a:moveTo>
-                  <a:cubicBezTo>
-                    <a:pt x="8107" y="981"/>
-                    <a:pt x="10241" y="2713"/>
-                    <a:pt x="10241" y="5337"/>
-                  </a:cubicBezTo>
-                  <a:cubicBezTo>
-                    <a:pt x="10241" y="7719"/>
-                    <a:pt x="8288" y="9672"/>
-                    <a:pt x="5906" y="9672"/>
-                  </a:cubicBezTo>
-                  <a:cubicBezTo>
-                    <a:pt x="2025" y="9672"/>
-                    <a:pt x="96" y="4980"/>
-                    <a:pt x="2834" y="2265"/>
-                  </a:cubicBezTo>
-                  <a:cubicBezTo>
-                    <a:pt x="3721" y="1378"/>
-                    <a:pt x="4811" y="981"/>
-                    <a:pt x="5878" y="981"/>
-                  </a:cubicBezTo>
-                  <a:close/>
-                  <a:moveTo>
-                    <a:pt x="5889" y="1"/>
-                  </a:moveTo>
-                  <a:cubicBezTo>
-                    <a:pt x="4865" y="1"/>
-                    <a:pt x="3834" y="298"/>
-                    <a:pt x="2930" y="908"/>
-                  </a:cubicBezTo>
-                  <a:cubicBezTo>
-                    <a:pt x="834" y="2313"/>
-                    <a:pt x="0" y="5028"/>
-                    <a:pt x="977" y="7362"/>
-                  </a:cubicBezTo>
-                  <a:cubicBezTo>
-                    <a:pt x="1816" y="9387"/>
-                    <a:pt x="3780" y="10657"/>
-                    <a:pt x="5888" y="10657"/>
-                  </a:cubicBezTo>
-                  <a:cubicBezTo>
-                    <a:pt x="6233" y="10657"/>
-                    <a:pt x="6582" y="10623"/>
-                    <a:pt x="6931" y="10553"/>
-                  </a:cubicBezTo>
-                  <a:cubicBezTo>
-                    <a:pt x="9431" y="10053"/>
-                    <a:pt x="11217" y="7862"/>
-                    <a:pt x="11217" y="5337"/>
-                  </a:cubicBezTo>
-                  <a:cubicBezTo>
-                    <a:pt x="11217" y="3909"/>
-                    <a:pt x="10669" y="2551"/>
-                    <a:pt x="9669" y="1575"/>
-                  </a:cubicBezTo>
-                  <a:cubicBezTo>
-                    <a:pt x="8632" y="537"/>
-                    <a:pt x="7266" y="1"/>
-                    <a:pt x="5889" y="1"/>
-                  </a:cubicBezTo>
-                  <a:close/>
-                </a:path>
-              </a:pathLst>
-            </a:custGeom>
-            <a:solidFill>
-              <a:schemeClr val="lt1"/>
-            </a:solidFill>
-            <a:ln>
-              <a:noFill/>
-            </a:ln>
-          </p:spPr>
-          <p:txBody>
-            <a:bodyPr spcFirstLastPara="1" wrap="square" lIns="91425" tIns="91425" rIns="91425" bIns="91425" anchor="ctr" anchorCtr="0">
-              <a:noAutofit/>
-            </a:bodyPr>
-            <a:lstStyle/>
-            <a:p>
-              <a:pPr marL="0" marR="0" lvl="0" indent="0" algn="l" rtl="0">
-                <a:lnSpc>
-                  <a:spcPct val="100000"/>
-                </a:lnSpc>
-                <a:spcBef>
-                  <a:spcPts val="0"/>
-                </a:spcBef>
-                <a:spcAft>
-                  <a:spcPts val="0"/>
-                </a:spcAft>
-                <a:buNone/>
-              </a:pPr>
-              <a:endParaRPr sz="1400" b="0" i="0" u="none">
-                <a:solidFill>
-                  <a:srgbClr val="000000"/>
-                </a:solidFill>
-                <a:latin typeface="Arial"/>
-                <a:ea typeface="Arial"/>
-                <a:cs typeface="Arial"/>
-                <a:sym typeface="Arial"/>
-              </a:endParaRPr>
-            </a:p>
-          </p:txBody>
-        </p:sp>
-      </p:grpSp>
-      <p:sp>
-        <p:nvSpPr>
-          <p:cNvPr id="850" name="Google Shape;850;p41"/>
-          <p:cNvSpPr txBox="1"/>
-          <p:nvPr/>
-        </p:nvSpPr>
-        <p:spPr>
-          <a:xfrm>
-            <a:off x="3746500" y="3998912"/>
-            <a:ext cx="349250" cy="371475"/>
-          </a:xfrm>
-          <a:prstGeom prst="rect">
-            <a:avLst/>
-          </a:prstGeom>
-          <a:noFill/>
-          <a:ln>
-            <a:noFill/>
-          </a:ln>
-        </p:spPr>
-        <p:txBody>
-          <a:bodyPr spcFirstLastPara="1" wrap="square" lIns="91425" tIns="91425" rIns="91425" bIns="91425" anchor="ctr" anchorCtr="0">
-            <a:noAutofit/>
-          </a:bodyPr>
-          <a:lstStyle/>
-          <a:p>
-            <a:pPr marL="0" marR="0" lvl="0" indent="0" algn="ctr" rtl="0">
-              <a:lnSpc>
-                <a:spcPct val="100000"/>
-              </a:lnSpc>
-              <a:spcBef>
-                <a:spcPts val="0"/>
-              </a:spcBef>
-              <a:spcAft>
-                <a:spcPts val="0"/>
-              </a:spcAft>
-              <a:buClr>
-                <a:srgbClr val="000000"/>
-              </a:buClr>
-              <a:buSzPts val="2400"/>
-              <a:buFont typeface="Fira Sans Extra Condensed"/>
-              <a:buNone/>
-            </a:pPr>
-            <a:r>
-              <a:rPr lang="fr-FR" sz="2400" b="1" i="0" u="none">
-                <a:solidFill>
-                  <a:srgbClr val="000000"/>
-                </a:solidFill>
-                <a:latin typeface="Fira Sans Extra Condensed"/>
-                <a:ea typeface="Fira Sans Extra Condensed"/>
-                <a:cs typeface="Fira Sans Extra Condensed"/>
-                <a:sym typeface="Fira Sans Extra Condensed"/>
-              </a:rPr>
-              <a:t>3</a:t>
-            </a:r>
-            <a:endParaRPr/>
-          </a:p>
-        </p:txBody>
-      </p:sp>
-      <p:grpSp>
-        <p:nvGrpSpPr>
-          <p:cNvPr id="851" name="Google Shape;851;p41"/>
-          <p:cNvGrpSpPr/>
-          <p:nvPr/>
-        </p:nvGrpSpPr>
-        <p:grpSpPr>
-          <a:xfrm>
-            <a:off x="2633662" y="4035425"/>
-            <a:ext cx="349250" cy="331787"/>
-            <a:chOff x="1605691" y="2879187"/>
-            <a:chExt cx="384020" cy="364850"/>
-          </a:xfrm>
-        </p:grpSpPr>
-        <p:sp>
-          <p:nvSpPr>
-            <p:cNvPr id="852" name="Google Shape;852;p41"/>
-            <p:cNvSpPr/>
-            <p:nvPr/>
-          </p:nvSpPr>
-          <p:spPr>
-            <a:xfrm>
-              <a:off x="1637493" y="2934712"/>
-              <a:ext cx="297583" cy="254347"/>
-            </a:xfrm>
-            <a:custGeom>
-              <a:avLst/>
-              <a:gdLst/>
-              <a:ahLst/>
-              <a:cxnLst/>
-              <a:rect l="l" t="t" r="r" b="b"/>
-              <a:pathLst>
-                <a:path w="8693" h="7430" extrusionOk="0">
-                  <a:moveTo>
-                    <a:pt x="4966" y="679"/>
-                  </a:moveTo>
-                  <a:cubicBezTo>
-                    <a:pt x="5126" y="679"/>
-                    <a:pt x="5287" y="786"/>
-                    <a:pt x="5287" y="1001"/>
-                  </a:cubicBezTo>
-                  <a:lnTo>
-                    <a:pt x="5287" y="1405"/>
-                  </a:lnTo>
-                  <a:cubicBezTo>
-                    <a:pt x="5287" y="1608"/>
-                    <a:pt x="5126" y="1709"/>
-                    <a:pt x="4966" y="1709"/>
-                  </a:cubicBezTo>
-                  <a:cubicBezTo>
-                    <a:pt x="4805" y="1709"/>
-                    <a:pt x="4644" y="1608"/>
-                    <a:pt x="4644" y="1405"/>
-                  </a:cubicBezTo>
-                  <a:lnTo>
-                    <a:pt x="4644" y="1001"/>
-                  </a:lnTo>
-                  <a:cubicBezTo>
-                    <a:pt x="4644" y="786"/>
-                    <a:pt x="4805" y="679"/>
-                    <a:pt x="4966" y="679"/>
-                  </a:cubicBezTo>
-                  <a:close/>
-                  <a:moveTo>
-                    <a:pt x="3084" y="1465"/>
-                  </a:moveTo>
-                  <a:cubicBezTo>
-                    <a:pt x="3168" y="1465"/>
-                    <a:pt x="3251" y="1501"/>
-                    <a:pt x="3310" y="1572"/>
-                  </a:cubicBezTo>
-                  <a:lnTo>
-                    <a:pt x="3596" y="1858"/>
-                  </a:lnTo>
-                  <a:cubicBezTo>
-                    <a:pt x="3715" y="1977"/>
-                    <a:pt x="3715" y="2191"/>
-                    <a:pt x="3596" y="2310"/>
-                  </a:cubicBezTo>
-                  <a:cubicBezTo>
-                    <a:pt x="3549" y="2358"/>
-                    <a:pt x="3453" y="2406"/>
-                    <a:pt x="3382" y="2406"/>
-                  </a:cubicBezTo>
-                  <a:cubicBezTo>
-                    <a:pt x="3287" y="2406"/>
-                    <a:pt x="3215" y="2358"/>
-                    <a:pt x="3168" y="2310"/>
-                  </a:cubicBezTo>
-                  <a:lnTo>
-                    <a:pt x="2858" y="2001"/>
-                  </a:lnTo>
-                  <a:cubicBezTo>
-                    <a:pt x="2739" y="1882"/>
-                    <a:pt x="2739" y="1691"/>
-                    <a:pt x="2858" y="1572"/>
-                  </a:cubicBezTo>
-                  <a:cubicBezTo>
-                    <a:pt x="2918" y="1501"/>
-                    <a:pt x="3001" y="1465"/>
-                    <a:pt x="3084" y="1465"/>
-                  </a:cubicBezTo>
-                  <a:close/>
-                  <a:moveTo>
-                    <a:pt x="6859" y="1536"/>
-                  </a:moveTo>
-                  <a:cubicBezTo>
-                    <a:pt x="6936" y="1536"/>
-                    <a:pt x="7014" y="1572"/>
-                    <a:pt x="7073" y="1644"/>
-                  </a:cubicBezTo>
-                  <a:cubicBezTo>
-                    <a:pt x="7192" y="1763"/>
-                    <a:pt x="7192" y="1953"/>
-                    <a:pt x="7073" y="2072"/>
-                  </a:cubicBezTo>
-                  <a:lnTo>
-                    <a:pt x="6787" y="2382"/>
-                  </a:lnTo>
-                  <a:cubicBezTo>
-                    <a:pt x="6716" y="2448"/>
-                    <a:pt x="6638" y="2476"/>
-                    <a:pt x="6564" y="2476"/>
-                  </a:cubicBezTo>
-                  <a:cubicBezTo>
-                    <a:pt x="6318" y="2476"/>
-                    <a:pt x="6115" y="2167"/>
-                    <a:pt x="6335" y="1929"/>
-                  </a:cubicBezTo>
-                  <a:lnTo>
-                    <a:pt x="6645" y="1644"/>
-                  </a:lnTo>
-                  <a:cubicBezTo>
-                    <a:pt x="6704" y="1572"/>
-                    <a:pt x="6781" y="1536"/>
-                    <a:pt x="6859" y="1536"/>
-                  </a:cubicBezTo>
-                  <a:close/>
-                  <a:moveTo>
-                    <a:pt x="2810" y="3382"/>
-                  </a:moveTo>
-                  <a:cubicBezTo>
-                    <a:pt x="3239" y="3382"/>
-                    <a:pt x="3239" y="4025"/>
-                    <a:pt x="2810" y="4025"/>
-                  </a:cubicBezTo>
-                  <a:lnTo>
-                    <a:pt x="2406" y="4025"/>
-                  </a:lnTo>
-                  <a:cubicBezTo>
-                    <a:pt x="1977" y="4025"/>
-                    <a:pt x="1977" y="3382"/>
-                    <a:pt x="2406" y="3382"/>
-                  </a:cubicBezTo>
-                  <a:lnTo>
-                    <a:pt x="2810" y="3382"/>
-                  </a:lnTo>
-                  <a:close/>
-                  <a:moveTo>
-                    <a:pt x="7573" y="3406"/>
-                  </a:moveTo>
-                  <a:cubicBezTo>
-                    <a:pt x="8002" y="3406"/>
-                    <a:pt x="8002" y="4025"/>
-                    <a:pt x="7573" y="4025"/>
-                  </a:cubicBezTo>
-                  <a:lnTo>
-                    <a:pt x="7168" y="4025"/>
-                  </a:lnTo>
-                  <a:cubicBezTo>
-                    <a:pt x="6740" y="4025"/>
-                    <a:pt x="6740" y="3406"/>
-                    <a:pt x="7168" y="3406"/>
-                  </a:cubicBezTo>
-                  <a:lnTo>
-                    <a:pt x="7573" y="3406"/>
-                  </a:lnTo>
-                  <a:close/>
-                  <a:moveTo>
-                    <a:pt x="4977" y="2221"/>
-                  </a:moveTo>
-                  <a:cubicBezTo>
-                    <a:pt x="5132" y="2221"/>
-                    <a:pt x="5287" y="2322"/>
-                    <a:pt x="5287" y="2525"/>
-                  </a:cubicBezTo>
-                  <a:lnTo>
-                    <a:pt x="5287" y="3430"/>
-                  </a:lnTo>
-                  <a:lnTo>
-                    <a:pt x="5716" y="3430"/>
-                  </a:lnTo>
-                  <a:cubicBezTo>
-                    <a:pt x="6121" y="3430"/>
-                    <a:pt x="6121" y="4049"/>
-                    <a:pt x="5716" y="4049"/>
-                  </a:cubicBezTo>
-                  <a:lnTo>
-                    <a:pt x="5692" y="4025"/>
-                  </a:lnTo>
-                  <a:lnTo>
-                    <a:pt x="4977" y="4025"/>
-                  </a:lnTo>
-                  <a:cubicBezTo>
-                    <a:pt x="4811" y="4025"/>
-                    <a:pt x="4668" y="3882"/>
-                    <a:pt x="4668" y="3715"/>
-                  </a:cubicBezTo>
-                  <a:lnTo>
-                    <a:pt x="4668" y="2525"/>
-                  </a:lnTo>
-                  <a:cubicBezTo>
-                    <a:pt x="4668" y="2322"/>
-                    <a:pt x="4823" y="2221"/>
-                    <a:pt x="4977" y="2221"/>
-                  </a:cubicBezTo>
-                  <a:close/>
-                  <a:moveTo>
-                    <a:pt x="3477" y="4912"/>
-                  </a:moveTo>
-                  <a:cubicBezTo>
-                    <a:pt x="3555" y="4912"/>
-                    <a:pt x="3632" y="4942"/>
-                    <a:pt x="3692" y="5001"/>
-                  </a:cubicBezTo>
-                  <a:cubicBezTo>
-                    <a:pt x="3811" y="5144"/>
-                    <a:pt x="3811" y="5335"/>
-                    <a:pt x="3692" y="5454"/>
-                  </a:cubicBezTo>
-                  <a:lnTo>
-                    <a:pt x="3715" y="5454"/>
-                  </a:lnTo>
-                  <a:lnTo>
-                    <a:pt x="3406" y="5763"/>
-                  </a:lnTo>
-                  <a:cubicBezTo>
-                    <a:pt x="3346" y="5823"/>
-                    <a:pt x="3269" y="5853"/>
-                    <a:pt x="3188" y="5853"/>
-                  </a:cubicBezTo>
-                  <a:cubicBezTo>
-                    <a:pt x="3108" y="5853"/>
-                    <a:pt x="3025" y="5823"/>
-                    <a:pt x="2953" y="5763"/>
-                  </a:cubicBezTo>
-                  <a:cubicBezTo>
-                    <a:pt x="2834" y="5644"/>
-                    <a:pt x="2834" y="5430"/>
-                    <a:pt x="2953" y="5311"/>
-                  </a:cubicBezTo>
-                  <a:lnTo>
-                    <a:pt x="3263" y="5001"/>
-                  </a:lnTo>
-                  <a:cubicBezTo>
-                    <a:pt x="3322" y="4942"/>
-                    <a:pt x="3400" y="4912"/>
-                    <a:pt x="3477" y="4912"/>
-                  </a:cubicBezTo>
-                  <a:close/>
-                  <a:moveTo>
-                    <a:pt x="6571" y="4969"/>
-                  </a:moveTo>
-                  <a:cubicBezTo>
-                    <a:pt x="6644" y="4969"/>
-                    <a:pt x="6720" y="4999"/>
-                    <a:pt x="6787" y="5073"/>
-                  </a:cubicBezTo>
-                  <a:lnTo>
-                    <a:pt x="7097" y="5359"/>
-                  </a:lnTo>
-                  <a:cubicBezTo>
-                    <a:pt x="7216" y="5478"/>
-                    <a:pt x="7216" y="5692"/>
-                    <a:pt x="7097" y="5811"/>
-                  </a:cubicBezTo>
-                  <a:cubicBezTo>
-                    <a:pt x="7037" y="5871"/>
-                    <a:pt x="6960" y="5900"/>
-                    <a:pt x="6880" y="5900"/>
-                  </a:cubicBezTo>
-                  <a:cubicBezTo>
-                    <a:pt x="6799" y="5900"/>
-                    <a:pt x="6716" y="5871"/>
-                    <a:pt x="6645" y="5811"/>
-                  </a:cubicBezTo>
-                  <a:lnTo>
-                    <a:pt x="6359" y="5502"/>
-                  </a:lnTo>
-                  <a:cubicBezTo>
-                    <a:pt x="6141" y="5284"/>
-                    <a:pt x="6338" y="4969"/>
-                    <a:pt x="6571" y="4969"/>
-                  </a:cubicBezTo>
-                  <a:close/>
-                  <a:moveTo>
-                    <a:pt x="4977" y="5627"/>
-                  </a:moveTo>
-                  <a:cubicBezTo>
-                    <a:pt x="5132" y="5627"/>
-                    <a:pt x="5287" y="5728"/>
-                    <a:pt x="5287" y="5930"/>
-                  </a:cubicBezTo>
-                  <a:lnTo>
-                    <a:pt x="5287" y="6359"/>
-                  </a:lnTo>
-                  <a:cubicBezTo>
-                    <a:pt x="5287" y="6561"/>
-                    <a:pt x="5132" y="6662"/>
-                    <a:pt x="4977" y="6662"/>
-                  </a:cubicBezTo>
-                  <a:cubicBezTo>
-                    <a:pt x="4823" y="6662"/>
-                    <a:pt x="4668" y="6561"/>
-                    <a:pt x="4668" y="6359"/>
-                  </a:cubicBezTo>
-                  <a:lnTo>
-                    <a:pt x="4668" y="5930"/>
-                  </a:lnTo>
-                  <a:cubicBezTo>
-                    <a:pt x="4668" y="5728"/>
-                    <a:pt x="4823" y="5627"/>
-                    <a:pt x="4977" y="5627"/>
-                  </a:cubicBezTo>
-                  <a:close/>
-                  <a:moveTo>
-                    <a:pt x="4977" y="0"/>
-                  </a:moveTo>
-                  <a:cubicBezTo>
-                    <a:pt x="1667" y="0"/>
-                    <a:pt x="0" y="4001"/>
-                    <a:pt x="2358" y="6335"/>
-                  </a:cubicBezTo>
-                  <a:cubicBezTo>
-                    <a:pt x="3114" y="7091"/>
-                    <a:pt x="4044" y="7430"/>
-                    <a:pt x="4958" y="7430"/>
-                  </a:cubicBezTo>
-                  <a:cubicBezTo>
-                    <a:pt x="6864" y="7430"/>
-                    <a:pt x="8693" y="5954"/>
-                    <a:pt x="8693" y="3715"/>
-                  </a:cubicBezTo>
-                  <a:cubicBezTo>
-                    <a:pt x="8693" y="1644"/>
-                    <a:pt x="7026" y="0"/>
-                    <a:pt x="4977" y="0"/>
-                  </a:cubicBezTo>
-                  <a:close/>
-                </a:path>
-              </a:pathLst>
-            </a:custGeom>
-            <a:solidFill>
-              <a:schemeClr val="lt1"/>
-            </a:solidFill>
-            <a:ln>
-              <a:noFill/>
-            </a:ln>
-          </p:spPr>
-          <p:txBody>
-            <a:bodyPr spcFirstLastPara="1" wrap="square" lIns="91425" tIns="91425" rIns="91425" bIns="91425" anchor="ctr" anchorCtr="0">
-              <a:noAutofit/>
-            </a:bodyPr>
-            <a:lstStyle/>
-            <a:p>
-              <a:pPr marL="0" marR="0" lvl="0" indent="0" algn="l" rtl="0">
-                <a:lnSpc>
-                  <a:spcPct val="100000"/>
-                </a:lnSpc>
-                <a:spcBef>
-                  <a:spcPts val="0"/>
-                </a:spcBef>
-                <a:spcAft>
-                  <a:spcPts val="0"/>
-                </a:spcAft>
-                <a:buNone/>
-              </a:pPr>
-              <a:endParaRPr sz="1400" b="0" i="0" u="none">
-                <a:solidFill>
-                  <a:srgbClr val="000000"/>
-                </a:solidFill>
-                <a:latin typeface="Arial"/>
-                <a:ea typeface="Arial"/>
-                <a:cs typeface="Arial"/>
-                <a:sym typeface="Arial"/>
-              </a:endParaRPr>
-            </a:p>
-          </p:txBody>
-        </p:sp>
-        <p:sp>
-          <p:nvSpPr>
-            <p:cNvPr id="853" name="Google Shape;853;p41"/>
-            <p:cNvSpPr/>
-            <p:nvPr/>
-          </p:nvSpPr>
-          <p:spPr>
-            <a:xfrm>
-              <a:off x="1605691" y="2879187"/>
-              <a:ext cx="384020" cy="364850"/>
-            </a:xfrm>
-            <a:custGeom>
-              <a:avLst/>
-              <a:gdLst/>
-              <a:ahLst/>
-              <a:cxnLst/>
-              <a:rect l="l" t="t" r="r" b="b"/>
-              <a:pathLst>
-                <a:path w="11218" h="10658" extrusionOk="0">
-                  <a:moveTo>
-                    <a:pt x="5878" y="981"/>
-                  </a:moveTo>
-                  <a:cubicBezTo>
-                    <a:pt x="8107" y="981"/>
-                    <a:pt x="10241" y="2713"/>
-                    <a:pt x="10241" y="5337"/>
-                  </a:cubicBezTo>
-                  <a:cubicBezTo>
-                    <a:pt x="10241" y="7719"/>
-                    <a:pt x="8288" y="9672"/>
-                    <a:pt x="5906" y="9672"/>
-                  </a:cubicBezTo>
-                  <a:cubicBezTo>
-                    <a:pt x="2025" y="9672"/>
-                    <a:pt x="96" y="4980"/>
-                    <a:pt x="2834" y="2265"/>
-                  </a:cubicBezTo>
-                  <a:cubicBezTo>
-                    <a:pt x="3721" y="1378"/>
-                    <a:pt x="4811" y="981"/>
-                    <a:pt x="5878" y="981"/>
-                  </a:cubicBezTo>
-                  <a:close/>
-                  <a:moveTo>
-                    <a:pt x="5889" y="1"/>
-                  </a:moveTo>
-                  <a:cubicBezTo>
-                    <a:pt x="4865" y="1"/>
-                    <a:pt x="3834" y="298"/>
-                    <a:pt x="2930" y="908"/>
-                  </a:cubicBezTo>
-                  <a:cubicBezTo>
-                    <a:pt x="834" y="2313"/>
-                    <a:pt x="0" y="5028"/>
-                    <a:pt x="977" y="7362"/>
-                  </a:cubicBezTo>
-                  <a:cubicBezTo>
-                    <a:pt x="1816" y="9387"/>
-                    <a:pt x="3780" y="10657"/>
-                    <a:pt x="5888" y="10657"/>
-                  </a:cubicBezTo>
-                  <a:cubicBezTo>
-                    <a:pt x="6233" y="10657"/>
-                    <a:pt x="6582" y="10623"/>
-                    <a:pt x="6931" y="10553"/>
-                  </a:cubicBezTo>
-                  <a:cubicBezTo>
-                    <a:pt x="9431" y="10053"/>
-                    <a:pt x="11217" y="7862"/>
-                    <a:pt x="11217" y="5337"/>
-                  </a:cubicBezTo>
-                  <a:cubicBezTo>
-                    <a:pt x="11217" y="3909"/>
-                    <a:pt x="10669" y="2551"/>
-                    <a:pt x="9669" y="1575"/>
-                  </a:cubicBezTo>
-                  <a:cubicBezTo>
-                    <a:pt x="8632" y="537"/>
-                    <a:pt x="7266" y="1"/>
-                    <a:pt x="5889" y="1"/>
-                  </a:cubicBezTo>
-                  <a:close/>
-                </a:path>
-              </a:pathLst>
-            </a:custGeom>
-            <a:solidFill>
-              <a:schemeClr val="lt1"/>
-            </a:solidFill>
-            <a:ln>
-              <a:noFill/>
-            </a:ln>
-          </p:spPr>
-          <p:txBody>
-            <a:bodyPr spcFirstLastPara="1" wrap="square" lIns="91425" tIns="91425" rIns="91425" bIns="91425" anchor="ctr" anchorCtr="0">
-              <a:noAutofit/>
-            </a:bodyPr>
-            <a:lstStyle/>
-            <a:p>
-              <a:pPr marL="0" marR="0" lvl="0" indent="0" algn="l" rtl="0">
-                <a:lnSpc>
-                  <a:spcPct val="100000"/>
-                </a:lnSpc>
-                <a:spcBef>
-                  <a:spcPts val="0"/>
-                </a:spcBef>
-                <a:spcAft>
-                  <a:spcPts val="0"/>
-                </a:spcAft>
-                <a:buNone/>
-              </a:pPr>
-              <a:endParaRPr sz="1400" b="0" i="0" u="none">
-                <a:solidFill>
-                  <a:srgbClr val="000000"/>
-                </a:solidFill>
-                <a:latin typeface="Arial"/>
-                <a:ea typeface="Arial"/>
-                <a:cs typeface="Arial"/>
-                <a:sym typeface="Arial"/>
-              </a:endParaRPr>
-            </a:p>
-          </p:txBody>
-        </p:sp>
-      </p:grpSp>
-      <p:grpSp>
-        <p:nvGrpSpPr>
-          <p:cNvPr id="854" name="Google Shape;854;p41"/>
-          <p:cNvGrpSpPr/>
-          <p:nvPr/>
-        </p:nvGrpSpPr>
-        <p:grpSpPr>
-          <a:xfrm>
-            <a:off x="1285875" y="1239837"/>
-            <a:ext cx="2773362" cy="371475"/>
-            <a:chOff x="1285454" y="1239425"/>
-            <a:chExt cx="2773024" cy="371400"/>
-          </a:xfrm>
-        </p:grpSpPr>
-        <p:sp>
-          <p:nvSpPr>
-            <p:cNvPr id="855" name="Google Shape;855;p41"/>
-            <p:cNvSpPr txBox="1"/>
-            <p:nvPr/>
-          </p:nvSpPr>
-          <p:spPr>
-            <a:xfrm>
-              <a:off x="1285454" y="1261584"/>
-              <a:ext cx="2061000" cy="273900"/>
-            </a:xfrm>
-            <a:prstGeom prst="rect">
-              <a:avLst/>
-            </a:prstGeom>
-            <a:noFill/>
-            <a:ln>
-              <a:noFill/>
-            </a:ln>
-          </p:spPr>
-          <p:txBody>
-            <a:bodyPr spcFirstLastPara="1" wrap="square" lIns="91425" tIns="91425" rIns="91425" bIns="91425" anchor="ctr" anchorCtr="0">
-              <a:noAutofit/>
-            </a:bodyPr>
-            <a:lstStyle/>
-            <a:p>
-              <a:pPr marL="0" marR="0" lvl="0" indent="0" algn="l" rtl="0">
-                <a:lnSpc>
-                  <a:spcPct val="100000"/>
-                </a:lnSpc>
-                <a:spcBef>
-                  <a:spcPts val="0"/>
-                </a:spcBef>
-                <a:spcAft>
-                  <a:spcPts val="0"/>
-                </a:spcAft>
-                <a:buClr>
-                  <a:srgbClr val="000000"/>
-                </a:buClr>
-                <a:buSzPts val="2400"/>
-                <a:buFont typeface="Fira Sans Extra Condensed"/>
-                <a:buNone/>
-              </a:pPr>
-              <a:r>
-                <a:rPr lang="fr-FR" sz="2400" b="1" i="0" u="none">
-                  <a:solidFill>
-                    <a:srgbClr val="000000"/>
-                  </a:solidFill>
-                  <a:latin typeface="Fira Sans Extra Condensed"/>
-                  <a:ea typeface="Fira Sans Extra Condensed"/>
-                  <a:cs typeface="Fira Sans Extra Condensed"/>
-                  <a:sym typeface="Fira Sans Extra Condensed"/>
-                </a:rPr>
-                <a:t>Purpose</a:t>
-              </a:r>
-              <a:endParaRPr/>
-            </a:p>
-          </p:txBody>
-        </p:sp>
-        <p:sp>
-          <p:nvSpPr>
-            <p:cNvPr id="856" name="Google Shape;856;p41"/>
-            <p:cNvSpPr txBox="1"/>
-            <p:nvPr/>
-          </p:nvSpPr>
-          <p:spPr>
-            <a:xfrm>
-              <a:off x="3709278" y="1239425"/>
-              <a:ext cx="349200" cy="371400"/>
-            </a:xfrm>
-            <a:prstGeom prst="rect">
-              <a:avLst/>
-            </a:prstGeom>
-            <a:noFill/>
-            <a:ln>
-              <a:noFill/>
-            </a:ln>
-          </p:spPr>
-          <p:txBody>
-            <a:bodyPr spcFirstLastPara="1" wrap="square" lIns="91425" tIns="91425" rIns="91425" bIns="91425" anchor="ctr" anchorCtr="0">
-              <a:noAutofit/>
-            </a:bodyPr>
-            <a:lstStyle/>
-            <a:p>
-              <a:pPr marL="0" marR="0" lvl="0" indent="0" algn="ctr" rtl="0">
-                <a:lnSpc>
-                  <a:spcPct val="100000"/>
-                </a:lnSpc>
-                <a:spcBef>
-                  <a:spcPts val="0"/>
-                </a:spcBef>
-                <a:spcAft>
-                  <a:spcPts val="0"/>
-                </a:spcAft>
-                <a:buClr>
-                  <a:srgbClr val="000000"/>
-                </a:buClr>
-                <a:buSzPts val="2400"/>
-                <a:buFont typeface="Fira Sans Extra Condensed"/>
-                <a:buNone/>
-              </a:pPr>
-              <a:r>
-                <a:rPr lang="fr-FR" sz="2400" b="1" i="0" u="none">
-                  <a:solidFill>
-                    <a:srgbClr val="000000"/>
-                  </a:solidFill>
-                  <a:latin typeface="Fira Sans Extra Condensed"/>
-                  <a:ea typeface="Fira Sans Extra Condensed"/>
-                  <a:cs typeface="Fira Sans Extra Condensed"/>
-                  <a:sym typeface="Fira Sans Extra Condensed"/>
-                </a:rPr>
-                <a:t>1</a:t>
-              </a:r>
-              <a:endParaRPr/>
-            </a:p>
-          </p:txBody>
-        </p:sp>
-      </p:grpSp>
-      <p:sp>
-        <p:nvSpPr>
-          <p:cNvPr id="857" name="Google Shape;857;p41"/>
-          <p:cNvSpPr txBox="1"/>
-          <p:nvPr/>
-        </p:nvSpPr>
-        <p:spPr>
-          <a:xfrm>
-            <a:off x="1370012" y="3952875"/>
-            <a:ext cx="1785937" cy="461962"/>
-          </a:xfrm>
-          <a:prstGeom prst="rect">
-            <a:avLst/>
-          </a:prstGeom>
-          <a:noFill/>
-          <a:ln>
-            <a:noFill/>
-          </a:ln>
-        </p:spPr>
-        <p:txBody>
-          <a:bodyPr spcFirstLastPara="1" wrap="square" lIns="91425" tIns="45700" rIns="91425" bIns="45700" anchor="t" anchorCtr="0">
-            <a:spAutoFit/>
-          </a:bodyPr>
-          <a:lstStyle/>
-          <a:p>
-            <a:pPr marL="0" marR="0" lvl="0" indent="0" algn="l" rtl="0">
-              <a:lnSpc>
-                <a:spcPct val="100000"/>
-              </a:lnSpc>
-              <a:spcBef>
-                <a:spcPts val="0"/>
-              </a:spcBef>
-              <a:spcAft>
-                <a:spcPts val="0"/>
-              </a:spcAft>
-              <a:buClr>
-                <a:srgbClr val="000000"/>
-              </a:buClr>
-              <a:buSzPts val="2400"/>
-              <a:buFont typeface="Fira Sans Extra Condensed"/>
-              <a:buNone/>
-            </a:pPr>
-            <a:r>
-              <a:rPr lang="fr-FR" sz="2400" b="1" i="0" u="none">
-                <a:solidFill>
-                  <a:srgbClr val="000000"/>
-                </a:solidFill>
-                <a:latin typeface="Fira Sans Extra Condensed"/>
-                <a:ea typeface="Fira Sans Extra Condensed"/>
-                <a:cs typeface="Fira Sans Extra Condensed"/>
-                <a:sym typeface="Fira Sans Extra Condensed"/>
-              </a:rPr>
-              <a:t>Tools</a:t>
-            </a:r>
-            <a:endParaRPr/>
-          </a:p>
-        </p:txBody>
-      </p:sp>
-      <p:pic>
-        <p:nvPicPr>
-          <p:cNvPr id="858" name="Google Shape;858;p41" descr="C:\Users\Omar\Desktop\Mouh\loadinfo.net-(1).png"/>
-          <p:cNvPicPr preferRelativeResize="0"/>
-          <p:nvPr/>
-        </p:nvPicPr>
-        <p:blipFill rotWithShape="1">
-          <a:blip r:embed="rId3">
-            <a:alphaModFix/>
-          </a:blip>
-          <a:srcRect/>
-          <a:stretch/>
-        </p:blipFill>
-        <p:spPr>
-          <a:xfrm>
-            <a:off x="8316912" y="4660900"/>
-            <a:ext cx="785812" cy="482600"/>
-          </a:xfrm>
-          <a:prstGeom prst="rect">
-            <a:avLst/>
-          </a:prstGeom>
-          <a:noFill/>
-          <a:ln>
-            <a:noFill/>
-          </a:ln>
-        </p:spPr>
-      </p:pic>
-      <p:sp>
-        <p:nvSpPr>
-          <p:cNvPr id="859" name="Google Shape;859;p41"/>
-          <p:cNvSpPr txBox="1"/>
-          <p:nvPr/>
-        </p:nvSpPr>
-        <p:spPr>
-          <a:xfrm>
-            <a:off x="8474075" y="4732337"/>
-            <a:ext cx="438150" cy="307975"/>
-          </a:xfrm>
-          <a:prstGeom prst="rect">
-            <a:avLst/>
-          </a:prstGeom>
-          <a:noFill/>
-          <a:ln>
-            <a:noFill/>
-          </a:ln>
-        </p:spPr>
-        <p:txBody>
-          <a:bodyPr spcFirstLastPara="1" wrap="square" lIns="91425" tIns="45700" rIns="91425" bIns="45700" anchor="t" anchorCtr="0">
-            <a:spAutoFit/>
-          </a:bodyPr>
-          <a:lstStyle/>
-          <a:p>
-            <a:pPr marL="0" marR="0" lvl="0" indent="0" algn="l" rtl="0">
-              <a:lnSpc>
-                <a:spcPct val="100000"/>
-              </a:lnSpc>
-              <a:spcBef>
-                <a:spcPts val="0"/>
-              </a:spcBef>
-              <a:spcAft>
-                <a:spcPts val="0"/>
-              </a:spcAft>
-              <a:buClr>
-                <a:srgbClr val="000000"/>
-              </a:buClr>
-              <a:buSzPts val="1400"/>
-              <a:buFont typeface="Arial"/>
-              <a:buNone/>
-            </a:pPr>
-            <a:r>
-              <a:rPr lang="fr-FR" sz="1400" b="1" i="0" u="none">
-                <a:solidFill>
-                  <a:srgbClr val="000000"/>
-                </a:solidFill>
-                <a:latin typeface="Arial"/>
-                <a:ea typeface="Arial"/>
-                <a:cs typeface="Arial"/>
-                <a:sym typeface="Arial"/>
-              </a:rPr>
-              <a:t>41</a:t>
-            </a:r>
-            <a:endParaRPr/>
-          </a:p>
-        </p:txBody>
-      </p:sp>
-      <p:cxnSp>
-        <p:nvCxnSpPr>
-          <p:cNvPr id="860" name="Google Shape;860;p41"/>
-          <p:cNvCxnSpPr/>
-          <p:nvPr/>
-        </p:nvCxnSpPr>
-        <p:spPr>
-          <a:xfrm>
-            <a:off x="3878262" y="3019425"/>
-            <a:ext cx="1757400" cy="541200"/>
-          </a:xfrm>
-          <a:prstGeom prst="curvedConnector2">
-            <a:avLst/>
-          </a:prstGeom>
-          <a:noFill/>
-          <a:ln w="9525" cap="flat" cmpd="sng">
-            <a:solidFill>
-              <a:schemeClr val="dk2"/>
-            </a:solidFill>
-            <a:prstDash val="solid"/>
-            <a:miter lim="800000"/>
-            <a:headEnd type="none" w="med" len="med"/>
-            <a:tailEnd type="oval" w="med" len="med"/>
-          </a:ln>
-        </p:spPr>
-      </p:cxnSp>
-      <p:grpSp>
-        <p:nvGrpSpPr>
-          <p:cNvPr id="861" name="Google Shape;861;p41"/>
-          <p:cNvGrpSpPr/>
-          <p:nvPr/>
-        </p:nvGrpSpPr>
-        <p:grpSpPr>
-          <a:xfrm>
-            <a:off x="296862" y="2901950"/>
-            <a:ext cx="2817812" cy="455612"/>
-            <a:chOff x="1285454" y="1217439"/>
-            <a:chExt cx="2817711" cy="455718"/>
-          </a:xfrm>
-        </p:grpSpPr>
-        <p:sp>
-          <p:nvSpPr>
-            <p:cNvPr id="862" name="Google Shape;862;p41"/>
-            <p:cNvSpPr txBox="1"/>
-            <p:nvPr/>
-          </p:nvSpPr>
-          <p:spPr>
-            <a:xfrm>
-              <a:off x="1285454" y="1261584"/>
-              <a:ext cx="2061000" cy="273900"/>
-            </a:xfrm>
-            <a:prstGeom prst="rect">
-              <a:avLst/>
-            </a:prstGeom>
-            <a:noFill/>
-            <a:ln>
-              <a:noFill/>
-            </a:ln>
-          </p:spPr>
-          <p:txBody>
-            <a:bodyPr spcFirstLastPara="1" wrap="square" lIns="91425" tIns="91425" rIns="91425" bIns="91425" anchor="ctr" anchorCtr="0">
-              <a:noAutofit/>
-            </a:bodyPr>
-            <a:lstStyle/>
-            <a:p>
-              <a:pPr marL="0" marR="0" lvl="0" indent="0" algn="l" rtl="0">
-                <a:lnSpc>
-                  <a:spcPct val="100000"/>
-                </a:lnSpc>
-                <a:spcBef>
-                  <a:spcPts val="0"/>
-                </a:spcBef>
-                <a:spcAft>
-                  <a:spcPts val="0"/>
-                </a:spcAft>
-                <a:buClr>
-                  <a:srgbClr val="000000"/>
-                </a:buClr>
-                <a:buSzPts val="2400"/>
-                <a:buFont typeface="Fira Sans Extra Condensed"/>
-                <a:buNone/>
-              </a:pPr>
-              <a:r>
-                <a:rPr lang="fr-FR" sz="2400" b="1" i="0" u="none">
-                  <a:solidFill>
-                    <a:srgbClr val="000000"/>
-                  </a:solidFill>
-                  <a:latin typeface="Fira Sans Extra Condensed"/>
-                  <a:ea typeface="Fira Sans Extra Condensed"/>
-                  <a:cs typeface="Fira Sans Extra Condensed"/>
-                  <a:sym typeface="Fira Sans Extra Condensed"/>
-                </a:rPr>
-                <a:t> Technologies</a:t>
-              </a:r>
-              <a:endParaRPr/>
-            </a:p>
-            <a:p>
-              <a:pPr marL="0" marR="0" lvl="0" indent="0" algn="l" rtl="0">
-                <a:lnSpc>
-                  <a:spcPct val="100000"/>
-                </a:lnSpc>
-                <a:spcBef>
-                  <a:spcPts val="0"/>
-                </a:spcBef>
-                <a:spcAft>
-                  <a:spcPts val="0"/>
-                </a:spcAft>
-                <a:buNone/>
-              </a:pPr>
-              <a:endParaRPr sz="2400" b="1" i="0" u="none">
-                <a:solidFill>
-                  <a:srgbClr val="000000"/>
-                </a:solidFill>
-                <a:latin typeface="Fira Sans Extra Condensed"/>
-                <a:ea typeface="Fira Sans Extra Condensed"/>
-                <a:cs typeface="Fira Sans Extra Condensed"/>
-                <a:sym typeface="Fira Sans Extra Condensed"/>
-              </a:endParaRPr>
-            </a:p>
-          </p:txBody>
-        </p:sp>
-        <p:sp>
-          <p:nvSpPr>
-            <p:cNvPr id="863" name="Google Shape;863;p41"/>
-            <p:cNvSpPr txBox="1"/>
-            <p:nvPr/>
-          </p:nvSpPr>
-          <p:spPr>
-            <a:xfrm>
-              <a:off x="3753965" y="1217439"/>
-              <a:ext cx="349200" cy="455718"/>
-            </a:xfrm>
-            <a:prstGeom prst="rect">
-              <a:avLst/>
-            </a:prstGeom>
-            <a:noFill/>
-            <a:ln>
-              <a:noFill/>
-            </a:ln>
-          </p:spPr>
-          <p:txBody>
-            <a:bodyPr spcFirstLastPara="1" wrap="square" lIns="91425" tIns="91425" rIns="91425" bIns="91425" anchor="ctr" anchorCtr="0">
-              <a:noAutofit/>
-            </a:bodyPr>
-            <a:lstStyle/>
-            <a:p>
-              <a:pPr marL="0" marR="0" lvl="0" indent="0" algn="ctr" rtl="0">
-                <a:lnSpc>
-                  <a:spcPct val="100000"/>
-                </a:lnSpc>
-                <a:spcBef>
-                  <a:spcPts val="0"/>
-                </a:spcBef>
-                <a:spcAft>
-                  <a:spcPts val="0"/>
-                </a:spcAft>
-                <a:buClr>
-                  <a:srgbClr val="000000"/>
-                </a:buClr>
-                <a:buSzPts val="2400"/>
-                <a:buFont typeface="Fira Sans Extra Condensed"/>
-                <a:buNone/>
-              </a:pPr>
-              <a:r>
-                <a:rPr lang="fr-FR" sz="2400" b="1" i="0" u="none">
-                  <a:solidFill>
-                    <a:srgbClr val="000000"/>
-                  </a:solidFill>
-                  <a:latin typeface="Fira Sans Extra Condensed"/>
-                  <a:ea typeface="Fira Sans Extra Condensed"/>
-                  <a:cs typeface="Fira Sans Extra Condensed"/>
-                  <a:sym typeface="Fira Sans Extra Condensed"/>
-                </a:rPr>
-                <a:t>2</a:t>
-              </a:r>
-              <a:endParaRPr/>
-            </a:p>
-          </p:txBody>
-        </p:sp>
-      </p:grpSp>
-      <p:sp>
-        <p:nvSpPr>
-          <p:cNvPr id="864" name="Google Shape;864;p41"/>
-          <p:cNvSpPr/>
-          <p:nvPr/>
-        </p:nvSpPr>
-        <p:spPr>
-          <a:xfrm>
-            <a:off x="2176462" y="2635250"/>
-            <a:ext cx="1744662" cy="638175"/>
-          </a:xfrm>
-          <a:prstGeom prst="roundRect">
-            <a:avLst>
-              <a:gd name="adj" fmla="val 16667"/>
-            </a:avLst>
-          </a:prstGeom>
-          <a:solidFill>
-            <a:srgbClr val="FFC157"/>
-          </a:solidFill>
-          <a:ln>
-            <a:noFill/>
-          </a:ln>
-        </p:spPr>
-        <p:txBody>
-          <a:bodyPr spcFirstLastPara="1" wrap="square" lIns="91425" tIns="91425" rIns="91425" bIns="91425" anchor="ctr" anchorCtr="0">
-            <a:noAutofit/>
-          </a:bodyPr>
-          <a:lstStyle/>
-          <a:p>
-            <a:pPr marL="0" marR="0" lvl="0" indent="0" algn="ctr" rtl="0">
-              <a:lnSpc>
-                <a:spcPct val="100000"/>
-              </a:lnSpc>
-              <a:spcBef>
-                <a:spcPts val="0"/>
-              </a:spcBef>
-              <a:spcAft>
-                <a:spcPts val="0"/>
-              </a:spcAft>
-              <a:buClr>
-                <a:srgbClr val="000000"/>
-              </a:buClr>
-              <a:buSzPts val="1800"/>
-              <a:buFont typeface="Fira Sans Extra Condensed"/>
-              <a:buNone/>
-            </a:pPr>
-            <a:r>
-              <a:rPr lang="fr-FR" sz="1800" b="1" i="0" u="none">
-                <a:solidFill>
-                  <a:srgbClr val="000000"/>
-                </a:solidFill>
-                <a:latin typeface="Fira Sans Extra Condensed"/>
-                <a:ea typeface="Fira Sans Extra Condensed"/>
-                <a:cs typeface="Fira Sans Extra Condensed"/>
-                <a:sym typeface="Fira Sans Extra Condensed"/>
-              </a:rPr>
-              <a:t>02</a:t>
-            </a:r>
-            <a:endParaRPr/>
-          </a:p>
-        </p:txBody>
-      </p:sp>
-      <p:sp>
-        <p:nvSpPr>
-          <p:cNvPr id="865" name="Google Shape;865;p41"/>
-          <p:cNvSpPr txBox="1"/>
-          <p:nvPr/>
-        </p:nvSpPr>
-        <p:spPr>
-          <a:xfrm>
-            <a:off x="4603750" y="341312"/>
-            <a:ext cx="4010025" cy="522287"/>
-          </a:xfrm>
-          <a:prstGeom prst="rect">
-            <a:avLst/>
-          </a:prstGeom>
-          <a:noFill/>
-          <a:ln>
-            <a:noFill/>
-          </a:ln>
-        </p:spPr>
-        <p:txBody>
-          <a:bodyPr spcFirstLastPara="1" wrap="square" lIns="91425" tIns="45700" rIns="91425" bIns="45700" anchor="t" anchorCtr="0">
-            <a:spAutoFit/>
-          </a:bodyPr>
-          <a:lstStyle/>
-          <a:p>
-            <a:pPr marL="0" marR="0" lvl="0" indent="0" algn="l" rtl="0">
-              <a:lnSpc>
-                <a:spcPct val="100000"/>
-              </a:lnSpc>
-              <a:spcBef>
-                <a:spcPts val="0"/>
-              </a:spcBef>
-              <a:spcAft>
-                <a:spcPts val="0"/>
-              </a:spcAft>
-              <a:buClr>
-                <a:srgbClr val="000000"/>
-              </a:buClr>
-              <a:buSzPts val="2800"/>
-              <a:buFont typeface="Fira Sans Extra Condensed"/>
-              <a:buNone/>
-            </a:pPr>
-            <a:r>
-              <a:rPr lang="fr-FR" sz="2800" b="1" i="0" u="none">
-                <a:solidFill>
-                  <a:srgbClr val="000000"/>
-                </a:solidFill>
-                <a:latin typeface="Fira Sans Extra Condensed"/>
-                <a:ea typeface="Fira Sans Extra Condensed"/>
-                <a:cs typeface="Fira Sans Extra Condensed"/>
-                <a:sym typeface="Fira Sans Extra Condensed"/>
-              </a:rPr>
-              <a:t>Saned Weldek</a:t>
-            </a:r>
-            <a:endParaRPr/>
-          </a:p>
-        </p:txBody>
-      </p:sp>
-      <p:pic>
-        <p:nvPicPr>
-          <p:cNvPr id="866" name="Google Shape;866;p41"/>
-          <p:cNvPicPr preferRelativeResize="0"/>
-          <p:nvPr/>
-        </p:nvPicPr>
-        <p:blipFill rotWithShape="1">
-          <a:blip r:embed="rId4">
-            <a:alphaModFix/>
-          </a:blip>
-          <a:srcRect/>
-          <a:stretch/>
-        </p:blipFill>
-        <p:spPr>
-          <a:xfrm>
-            <a:off x="296833" y="3172544"/>
-            <a:ext cx="785825" cy="862939"/>
-          </a:xfrm>
-          <a:prstGeom prst="rect">
-            <a:avLst/>
-          </a:prstGeom>
-          <a:noFill/>
-          <a:ln>
-            <a:noFill/>
-          </a:ln>
-        </p:spPr>
-      </p:pic>
-      <p:pic>
-        <p:nvPicPr>
-          <p:cNvPr id="867" name="Google Shape;867;p41"/>
-          <p:cNvPicPr preferRelativeResize="0"/>
-          <p:nvPr/>
-        </p:nvPicPr>
-        <p:blipFill rotWithShape="1">
-          <a:blip r:embed="rId5">
-            <a:alphaModFix/>
-          </a:blip>
-          <a:srcRect/>
-          <a:stretch/>
-        </p:blipFill>
-        <p:spPr>
-          <a:xfrm>
-            <a:off x="1373464" y="3226139"/>
-            <a:ext cx="664434" cy="755750"/>
-          </a:xfrm>
-          <a:prstGeom prst="rect">
-            <a:avLst/>
-          </a:prstGeom>
-          <a:noFill/>
-          <a:ln>
-            <a:noFill/>
-          </a:ln>
-        </p:spPr>
-      </p:pic>
-      <p:sp>
-        <p:nvSpPr>
-          <p:cNvPr id="868" name="Google Shape;868;p41"/>
-          <p:cNvSpPr txBox="1"/>
-          <p:nvPr/>
-        </p:nvSpPr>
-        <p:spPr>
-          <a:xfrm>
-            <a:off x="-12488" y="4503850"/>
-            <a:ext cx="5884800" cy="1015800"/>
-          </a:xfrm>
-          <a:prstGeom prst="rect">
-            <a:avLst/>
-          </a:prstGeom>
-          <a:noFill/>
-          <a:ln>
-            <a:noFill/>
-          </a:ln>
-        </p:spPr>
-        <p:txBody>
-          <a:bodyPr spcFirstLastPara="1" wrap="square" lIns="91425" tIns="91425" rIns="91425" bIns="91425" anchor="t" anchorCtr="0">
-            <a:spAutoFit/>
-          </a:bodyPr>
-          <a:lstStyle/>
-          <a:p>
-            <a:pPr marL="0" lvl="0" indent="0" algn="ctr" rtl="0">
-              <a:spcBef>
-                <a:spcPts val="0"/>
-              </a:spcBef>
-              <a:spcAft>
-                <a:spcPts val="0"/>
-              </a:spcAft>
-              <a:buNone/>
-            </a:pPr>
-            <a:r>
-              <a:rPr lang="fr-FR" sz="1800" b="1">
-                <a:solidFill>
-                  <a:schemeClr val="dk1"/>
-                </a:solidFill>
-                <a:latin typeface="Fira Sans Extra Condensed"/>
-                <a:ea typeface="Fira Sans Extra Condensed"/>
-                <a:cs typeface="Fira Sans Extra Condensed"/>
-                <a:sym typeface="Fira Sans Extra Condensed"/>
-              </a:rPr>
-              <a:t>Huge lesson base,Personalized Recommendations,chedule and Exam Planning</a:t>
-            </a:r>
-            <a:endParaRPr>
-              <a:solidFill>
-                <a:schemeClr val="dk1"/>
-              </a:solidFill>
-            </a:endParaRPr>
-          </a:p>
-          <a:p>
-            <a:pPr marL="0" lvl="0" indent="0" algn="ctr" rtl="0">
-              <a:spcBef>
-                <a:spcPts val="0"/>
-              </a:spcBef>
-              <a:spcAft>
-                <a:spcPts val="0"/>
-              </a:spcAft>
-              <a:buNone/>
-            </a:pPr>
-            <a:endParaRPr sz="1800" b="1">
-              <a:solidFill>
-                <a:schemeClr val="dk1"/>
-              </a:solidFill>
-              <a:latin typeface="Fira Sans Extra Condensed"/>
-              <a:ea typeface="Fira Sans Extra Condensed"/>
-              <a:cs typeface="Fira Sans Extra Condensed"/>
-              <a:sym typeface="Fira Sans Extra Condensed"/>
-            </a:endParaRPr>
-          </a:p>
-        </p:txBody>
-      </p:sp>
-    </p:spTree>
-  </p:cSld>
-  <p:clrMapOvr>
-    <a:masterClrMapping/>
-  </p:clrMapOvr>
-</p:sld>
-</file>
-
-<file path=ppt/slides/slide15.xml><?xml version="1.0" encoding="utf-8"?>
-<p:sld xmlns:a="http://schemas.openxmlformats.org/drawingml/2006/main" xmlns:r="http://schemas.openxmlformats.org/officeDocument/2006/relationships" xmlns:p="http://schemas.openxmlformats.org/presentationml/2006/main">
-  <p:cSld>
-    <p:spTree>
-      <p:nvGrpSpPr>
-        <p:cNvPr id="1" name="Shape 872"/>
-        <p:cNvGrpSpPr/>
-        <p:nvPr/>
-      </p:nvGrpSpPr>
-      <p:grpSpPr>
-        <a:xfrm>
-          <a:off x="0" y="0"/>
-          <a:ext cx="0" cy="0"/>
-          <a:chOff x="0" y="0"/>
-          <a:chExt cx="0" cy="0"/>
-        </a:xfrm>
-      </p:grpSpPr>
-      <p:sp>
-        <p:nvSpPr>
-          <p:cNvPr id="873" name="Google Shape;873;p43"/>
-          <p:cNvSpPr/>
-          <p:nvPr/>
-        </p:nvSpPr>
-        <p:spPr>
-          <a:xfrm>
-            <a:off x="5943600" y="131762"/>
-            <a:ext cx="2786062" cy="4614862"/>
-          </a:xfrm>
-          <a:prstGeom prst="roundRect">
-            <a:avLst>
-              <a:gd name="adj" fmla="val 16667"/>
-            </a:avLst>
-          </a:prstGeom>
-          <a:solidFill>
-            <a:schemeClr val="dk1"/>
-          </a:solidFill>
-          <a:ln w="25400" cap="flat" cmpd="sng">
-            <a:solidFill>
-              <a:schemeClr val="dk2"/>
-            </a:solidFill>
-            <a:prstDash val="solid"/>
-            <a:miter lim="800000"/>
-            <a:headEnd type="none" w="sm" len="sm"/>
-            <a:tailEnd type="none" w="sm" len="sm"/>
-          </a:ln>
-        </p:spPr>
-        <p:txBody>
-          <a:bodyPr spcFirstLastPara="1" wrap="square" lIns="91425" tIns="45700" rIns="91425" bIns="45700" anchor="ctr" anchorCtr="0">
-            <a:noAutofit/>
-          </a:bodyPr>
-          <a:lstStyle/>
-          <a:p>
-            <a:pPr marL="0" marR="0" lvl="0" indent="0" algn="l" rtl="0">
-              <a:lnSpc>
-                <a:spcPct val="100000"/>
-              </a:lnSpc>
-              <a:spcBef>
-                <a:spcPts val="0"/>
-              </a:spcBef>
-              <a:spcAft>
-                <a:spcPts val="0"/>
-              </a:spcAft>
-              <a:buNone/>
-            </a:pPr>
-            <a:endParaRPr sz="1400" b="0" i="0" u="none">
-              <a:solidFill>
-                <a:srgbClr val="000000"/>
-              </a:solidFill>
-              <a:latin typeface="Arial"/>
-              <a:ea typeface="Arial"/>
-              <a:cs typeface="Arial"/>
-              <a:sym typeface="Arial"/>
-            </a:endParaRPr>
-          </a:p>
-        </p:txBody>
-      </p:sp>
-      <p:sp>
-        <p:nvSpPr>
-          <p:cNvPr id="874" name="Google Shape;874;p43"/>
-          <p:cNvSpPr/>
-          <p:nvPr/>
-        </p:nvSpPr>
-        <p:spPr>
-          <a:xfrm>
-            <a:off x="5837237" y="1009650"/>
-            <a:ext cx="106362" cy="488950"/>
-          </a:xfrm>
-          <a:prstGeom prst="roundRect">
-            <a:avLst>
-              <a:gd name="adj" fmla="val 16667"/>
-            </a:avLst>
-          </a:prstGeom>
-          <a:solidFill>
-            <a:schemeClr val="dk1"/>
-          </a:solidFill>
-          <a:ln w="25400" cap="flat" cmpd="sng">
-            <a:solidFill>
-              <a:srgbClr val="000000"/>
-            </a:solidFill>
-            <a:prstDash val="solid"/>
-            <a:miter lim="800000"/>
-            <a:headEnd type="none" w="sm" len="sm"/>
-            <a:tailEnd type="none" w="sm" len="sm"/>
-          </a:ln>
-        </p:spPr>
-        <p:txBody>
-          <a:bodyPr spcFirstLastPara="1" wrap="square" lIns="91425" tIns="45700" rIns="91425" bIns="45700" anchor="ctr" anchorCtr="0">
-            <a:noAutofit/>
-          </a:bodyPr>
-          <a:lstStyle/>
-          <a:p>
-            <a:pPr marL="0" marR="0" lvl="0" indent="0" algn="l" rtl="0">
-              <a:lnSpc>
-                <a:spcPct val="100000"/>
-              </a:lnSpc>
-              <a:spcBef>
-                <a:spcPts val="0"/>
-              </a:spcBef>
-              <a:spcAft>
-                <a:spcPts val="0"/>
-              </a:spcAft>
-              <a:buNone/>
-            </a:pPr>
-            <a:endParaRPr sz="1400" b="0" i="0" u="none">
-              <a:solidFill>
-                <a:srgbClr val="000000"/>
-              </a:solidFill>
-              <a:latin typeface="Arial"/>
-              <a:ea typeface="Arial"/>
-              <a:cs typeface="Arial"/>
-              <a:sym typeface="Arial"/>
-            </a:endParaRPr>
-          </a:p>
-        </p:txBody>
-      </p:sp>
-      <p:sp>
-        <p:nvSpPr>
-          <p:cNvPr id="875" name="Google Shape;875;p43"/>
-          <p:cNvSpPr/>
-          <p:nvPr/>
-        </p:nvSpPr>
-        <p:spPr>
-          <a:xfrm>
-            <a:off x="5837237" y="1619250"/>
-            <a:ext cx="106362" cy="488950"/>
-          </a:xfrm>
-          <a:prstGeom prst="roundRect">
-            <a:avLst>
-              <a:gd name="adj" fmla="val 16667"/>
-            </a:avLst>
-          </a:prstGeom>
-          <a:solidFill>
-            <a:schemeClr val="dk1"/>
-          </a:solidFill>
-          <a:ln w="25400" cap="flat" cmpd="sng">
-            <a:solidFill>
-              <a:srgbClr val="000000"/>
-            </a:solidFill>
-            <a:prstDash val="solid"/>
-            <a:miter lim="800000"/>
-            <a:headEnd type="none" w="sm" len="sm"/>
-            <a:tailEnd type="none" w="sm" len="sm"/>
-          </a:ln>
-        </p:spPr>
-        <p:txBody>
-          <a:bodyPr spcFirstLastPara="1" wrap="square" lIns="91425" tIns="45700" rIns="91425" bIns="45700" anchor="ctr" anchorCtr="0">
-            <a:noAutofit/>
-          </a:bodyPr>
-          <a:lstStyle/>
-          <a:p>
-            <a:pPr marL="0" marR="0" lvl="0" indent="0" algn="l" rtl="0">
-              <a:lnSpc>
-                <a:spcPct val="100000"/>
-              </a:lnSpc>
-              <a:spcBef>
-                <a:spcPts val="0"/>
-              </a:spcBef>
-              <a:spcAft>
-                <a:spcPts val="0"/>
-              </a:spcAft>
-              <a:buNone/>
-            </a:pPr>
-            <a:endParaRPr sz="1400" b="0" i="0" u="none">
-              <a:solidFill>
-                <a:srgbClr val="000000"/>
-              </a:solidFill>
-              <a:latin typeface="Arial"/>
-              <a:ea typeface="Arial"/>
-              <a:cs typeface="Arial"/>
-              <a:sym typeface="Arial"/>
-            </a:endParaRPr>
-          </a:p>
-        </p:txBody>
-      </p:sp>
-      <p:sp>
-        <p:nvSpPr>
-          <p:cNvPr id="876" name="Google Shape;876;p43"/>
-          <p:cNvSpPr/>
-          <p:nvPr/>
-        </p:nvSpPr>
-        <p:spPr>
-          <a:xfrm>
-            <a:off x="8626475" y="1009650"/>
-            <a:ext cx="103187" cy="936625"/>
-          </a:xfrm>
-          <a:prstGeom prst="roundRect">
-            <a:avLst>
-              <a:gd name="adj" fmla="val 16667"/>
-            </a:avLst>
-          </a:prstGeom>
-          <a:solidFill>
-            <a:schemeClr val="dk1"/>
-          </a:solidFill>
-          <a:ln w="25400" cap="flat" cmpd="sng">
-            <a:solidFill>
-              <a:srgbClr val="000000"/>
-            </a:solidFill>
-            <a:prstDash val="solid"/>
-            <a:miter lim="800000"/>
-            <a:headEnd type="none" w="sm" len="sm"/>
-            <a:tailEnd type="none" w="sm" len="sm"/>
-          </a:ln>
-        </p:spPr>
-        <p:txBody>
-          <a:bodyPr spcFirstLastPara="1" wrap="square" lIns="91425" tIns="45700" rIns="91425" bIns="45700" anchor="ctr" anchorCtr="0">
-            <a:noAutofit/>
-          </a:bodyPr>
-          <a:lstStyle/>
-          <a:p>
-            <a:pPr marL="0" marR="0" lvl="0" indent="0" algn="l" rtl="0">
-              <a:lnSpc>
-                <a:spcPct val="100000"/>
-              </a:lnSpc>
-              <a:spcBef>
-                <a:spcPts val="0"/>
-              </a:spcBef>
-              <a:spcAft>
-                <a:spcPts val="0"/>
-              </a:spcAft>
-              <a:buNone/>
-            </a:pPr>
-            <a:endParaRPr sz="1400" b="0" i="0" u="none">
-              <a:solidFill>
-                <a:srgbClr val="000000"/>
-              </a:solidFill>
-              <a:latin typeface="Arial"/>
-              <a:ea typeface="Arial"/>
-              <a:cs typeface="Arial"/>
-              <a:sym typeface="Arial"/>
-            </a:endParaRPr>
-          </a:p>
-        </p:txBody>
-      </p:sp>
-      <p:sp>
-        <p:nvSpPr>
-          <p:cNvPr id="877" name="Google Shape;877;p43"/>
-          <p:cNvSpPr/>
-          <p:nvPr/>
-        </p:nvSpPr>
-        <p:spPr>
-          <a:xfrm>
-            <a:off x="6910387" y="265112"/>
-            <a:ext cx="850900" cy="234950"/>
-          </a:xfrm>
-          <a:prstGeom prst="roundRect">
-            <a:avLst>
-              <a:gd name="adj" fmla="val 16667"/>
-            </a:avLst>
-          </a:prstGeom>
-          <a:solidFill>
-            <a:schemeClr val="dk1"/>
-          </a:solidFill>
-          <a:ln w="25400" cap="flat" cmpd="sng">
-            <a:solidFill>
-              <a:schemeClr val="dk1"/>
-            </a:solidFill>
-            <a:prstDash val="solid"/>
-            <a:miter lim="800000"/>
-            <a:headEnd type="none" w="sm" len="sm"/>
-            <a:tailEnd type="none" w="sm" len="sm"/>
-          </a:ln>
-        </p:spPr>
-        <p:txBody>
-          <a:bodyPr spcFirstLastPara="1" wrap="square" lIns="91425" tIns="45700" rIns="91425" bIns="45700" anchor="ctr" anchorCtr="0">
-            <a:noAutofit/>
-          </a:bodyPr>
-          <a:lstStyle/>
-          <a:p>
-            <a:pPr marL="0" marR="0" lvl="0" indent="0" algn="l" rtl="0">
-              <a:lnSpc>
-                <a:spcPct val="100000"/>
-              </a:lnSpc>
-              <a:spcBef>
-                <a:spcPts val="0"/>
-              </a:spcBef>
-              <a:spcAft>
-                <a:spcPts val="0"/>
-              </a:spcAft>
-              <a:buNone/>
-            </a:pPr>
-            <a:endParaRPr sz="1400" b="0" i="0" u="none">
-              <a:solidFill>
-                <a:srgbClr val="000000"/>
-              </a:solidFill>
-              <a:latin typeface="Arial"/>
-              <a:ea typeface="Arial"/>
-              <a:cs typeface="Arial"/>
-              <a:sym typeface="Arial"/>
-            </a:endParaRPr>
-          </a:p>
-        </p:txBody>
-      </p:sp>
-      <p:pic>
-        <p:nvPicPr>
-          <p:cNvPr id="878" name="Google Shape;878;p43"/>
-          <p:cNvPicPr preferRelativeResize="0"/>
-          <p:nvPr/>
-        </p:nvPicPr>
-        <p:blipFill rotWithShape="1">
-          <a:blip r:embed="rId3">
-            <a:alphaModFix/>
-          </a:blip>
-          <a:srcRect/>
-          <a:stretch/>
-        </p:blipFill>
-        <p:spPr>
-          <a:xfrm>
-            <a:off x="6049962" y="333375"/>
-            <a:ext cx="2573337" cy="4008437"/>
-          </a:xfrm>
-          <a:prstGeom prst="rect">
-            <a:avLst/>
-          </a:prstGeom>
-          <a:noFill/>
-          <a:ln>
-            <a:noFill/>
-          </a:ln>
-        </p:spPr>
-      </p:pic>
-      <p:cxnSp>
-        <p:nvCxnSpPr>
-          <p:cNvPr id="879" name="Google Shape;879;p43"/>
-          <p:cNvCxnSpPr/>
-          <p:nvPr/>
-        </p:nvCxnSpPr>
-        <p:spPr>
-          <a:xfrm>
-            <a:off x="5943600" y="4359275"/>
-            <a:ext cx="2786062" cy="0"/>
-          </a:xfrm>
-          <a:prstGeom prst="straightConnector1">
-            <a:avLst/>
-          </a:prstGeom>
-          <a:noFill/>
-          <a:ln w="9525" cap="flat" cmpd="sng">
-            <a:solidFill>
-              <a:srgbClr val="000000"/>
-            </a:solidFill>
-            <a:prstDash val="solid"/>
-            <a:miter lim="800000"/>
-            <a:headEnd type="none" w="med" len="med"/>
-            <a:tailEnd type="none" w="med" len="med"/>
-          </a:ln>
-        </p:spPr>
-      </p:cxnSp>
-      <p:sp>
-        <p:nvSpPr>
-          <p:cNvPr id="880" name="Google Shape;880;p43"/>
-          <p:cNvSpPr txBox="1"/>
-          <p:nvPr/>
-        </p:nvSpPr>
-        <p:spPr>
-          <a:xfrm>
-            <a:off x="6049962" y="350837"/>
-            <a:ext cx="2576512" cy="4008437"/>
-          </a:xfrm>
-          <a:prstGeom prst="rect">
-            <a:avLst/>
-          </a:prstGeom>
-          <a:noFill/>
-          <a:ln w="25400" cap="flat" cmpd="sng">
-            <a:solidFill>
-              <a:schemeClr val="lt1"/>
-            </a:solidFill>
-            <a:prstDash val="solid"/>
-            <a:miter lim="800000"/>
-            <a:headEnd type="none" w="sm" len="sm"/>
-            <a:tailEnd type="none" w="sm" len="sm"/>
-          </a:ln>
-        </p:spPr>
-        <p:txBody>
-          <a:bodyPr spcFirstLastPara="1" wrap="square" lIns="91425" tIns="45700" rIns="91425" bIns="45700" anchor="ctr" anchorCtr="0">
-            <a:noAutofit/>
-          </a:bodyPr>
-          <a:lstStyle/>
-          <a:p>
-            <a:pPr marL="0" marR="0" lvl="0" indent="0" algn="l" rtl="0">
-              <a:lnSpc>
-                <a:spcPct val="100000"/>
-              </a:lnSpc>
-              <a:spcBef>
-                <a:spcPts val="0"/>
-              </a:spcBef>
-              <a:spcAft>
-                <a:spcPts val="0"/>
-              </a:spcAft>
-              <a:buNone/>
-            </a:pPr>
-            <a:endParaRPr sz="1400" b="0" i="0" u="none">
-              <a:solidFill>
-                <a:srgbClr val="000000"/>
-              </a:solidFill>
-              <a:latin typeface="Arial"/>
-              <a:ea typeface="Arial"/>
-              <a:cs typeface="Arial"/>
-              <a:sym typeface="Arial"/>
-            </a:endParaRPr>
-          </a:p>
-        </p:txBody>
-      </p:sp>
-      <p:sp>
-        <p:nvSpPr>
-          <p:cNvPr id="881" name="Google Shape;881;p43"/>
-          <p:cNvSpPr txBox="1"/>
-          <p:nvPr/>
-        </p:nvSpPr>
-        <p:spPr>
-          <a:xfrm>
-            <a:off x="6910387" y="131762"/>
-            <a:ext cx="841375" cy="219075"/>
-          </a:xfrm>
-          <a:prstGeom prst="rect">
-            <a:avLst/>
-          </a:prstGeom>
-          <a:solidFill>
-            <a:schemeClr val="dk1"/>
-          </a:solidFill>
-          <a:ln w="25400" cap="flat" cmpd="sng">
-            <a:solidFill>
-              <a:srgbClr val="0D0D0D"/>
-            </a:solidFill>
-            <a:prstDash val="solid"/>
-            <a:miter lim="800000"/>
-            <a:headEnd type="none" w="sm" len="sm"/>
-            <a:tailEnd type="none" w="sm" len="sm"/>
-          </a:ln>
-        </p:spPr>
-        <p:txBody>
-          <a:bodyPr spcFirstLastPara="1" wrap="square" lIns="91425" tIns="45700" rIns="91425" bIns="45700" anchor="ctr" anchorCtr="0">
-            <a:noAutofit/>
-          </a:bodyPr>
-          <a:lstStyle/>
-          <a:p>
-            <a:pPr marL="0" marR="0" lvl="0" indent="0" algn="l" rtl="0">
-              <a:lnSpc>
-                <a:spcPct val="100000"/>
-              </a:lnSpc>
-              <a:spcBef>
-                <a:spcPts val="0"/>
-              </a:spcBef>
-              <a:spcAft>
-                <a:spcPts val="0"/>
-              </a:spcAft>
-              <a:buNone/>
-            </a:pPr>
-            <a:endParaRPr sz="1400" b="0" i="0" u="none">
-              <a:solidFill>
-                <a:srgbClr val="000000"/>
-              </a:solidFill>
-              <a:latin typeface="Arial"/>
-              <a:ea typeface="Arial"/>
-              <a:cs typeface="Arial"/>
-              <a:sym typeface="Arial"/>
-            </a:endParaRPr>
-          </a:p>
-        </p:txBody>
-      </p:sp>
-      <p:sp>
-        <p:nvSpPr>
-          <p:cNvPr id="882" name="Google Shape;882;p43"/>
-          <p:cNvSpPr/>
-          <p:nvPr/>
-        </p:nvSpPr>
-        <p:spPr>
-          <a:xfrm>
-            <a:off x="7208837" y="149225"/>
-            <a:ext cx="255587" cy="219075"/>
-          </a:xfrm>
-          <a:prstGeom prst="ellipse">
-            <a:avLst/>
-          </a:prstGeom>
-          <a:solidFill>
-            <a:schemeClr val="lt1"/>
-          </a:solidFill>
-          <a:ln w="25400" cap="flat" cmpd="sng">
-            <a:solidFill>
-              <a:schemeClr val="dk1"/>
-            </a:solidFill>
-            <a:prstDash val="solid"/>
-            <a:miter lim="800000"/>
-            <a:headEnd type="none" w="sm" len="sm"/>
-            <a:tailEnd type="none" w="sm" len="sm"/>
-          </a:ln>
-        </p:spPr>
-        <p:txBody>
-          <a:bodyPr spcFirstLastPara="1" wrap="square" lIns="91425" tIns="45700" rIns="91425" bIns="45700" anchor="ctr" anchorCtr="0">
-            <a:noAutofit/>
-          </a:bodyPr>
-          <a:lstStyle/>
-          <a:p>
-            <a:pPr marL="0" marR="0" lvl="0" indent="0" algn="l" rtl="0">
-              <a:lnSpc>
-                <a:spcPct val="100000"/>
-              </a:lnSpc>
-              <a:spcBef>
-                <a:spcPts val="0"/>
-              </a:spcBef>
-              <a:spcAft>
-                <a:spcPts val="0"/>
-              </a:spcAft>
-              <a:buNone/>
-            </a:pPr>
-            <a:endParaRPr sz="1400" b="0" i="0" u="none">
-              <a:solidFill>
-                <a:srgbClr val="000000"/>
-              </a:solidFill>
-              <a:latin typeface="Arial"/>
-              <a:ea typeface="Arial"/>
-              <a:cs typeface="Arial"/>
-              <a:sym typeface="Arial"/>
-            </a:endParaRPr>
-          </a:p>
-        </p:txBody>
-      </p:sp>
-      <p:sp>
-        <p:nvSpPr>
-          <p:cNvPr id="883" name="Google Shape;883;p43"/>
-          <p:cNvSpPr/>
-          <p:nvPr/>
-        </p:nvSpPr>
-        <p:spPr>
-          <a:xfrm>
-            <a:off x="7208837" y="4413250"/>
-            <a:ext cx="339725" cy="287337"/>
-          </a:xfrm>
-          <a:prstGeom prst="ellipse">
-            <a:avLst/>
-          </a:prstGeom>
-          <a:solidFill>
-            <a:schemeClr val="lt1"/>
-          </a:solidFill>
-          <a:ln w="25400" cap="flat" cmpd="sng">
-            <a:solidFill>
-              <a:schemeClr val="dk1"/>
-            </a:solidFill>
-            <a:prstDash val="solid"/>
-            <a:miter lim="800000"/>
-            <a:headEnd type="none" w="sm" len="sm"/>
-            <a:tailEnd type="none" w="sm" len="sm"/>
-          </a:ln>
-        </p:spPr>
-        <p:txBody>
-          <a:bodyPr spcFirstLastPara="1" wrap="square" lIns="91425" tIns="45700" rIns="91425" bIns="45700" anchor="ctr" anchorCtr="0">
-            <a:noAutofit/>
-          </a:bodyPr>
-          <a:lstStyle/>
-          <a:p>
-            <a:pPr marL="0" marR="0" lvl="0" indent="0" algn="l" rtl="0">
-              <a:lnSpc>
-                <a:spcPct val="100000"/>
-              </a:lnSpc>
-              <a:spcBef>
-                <a:spcPts val="0"/>
-              </a:spcBef>
-              <a:spcAft>
-                <a:spcPts val="0"/>
-              </a:spcAft>
-              <a:buNone/>
-            </a:pPr>
-            <a:endParaRPr sz="1400" b="0" i="0" u="none">
-              <a:solidFill>
-                <a:srgbClr val="000000"/>
-              </a:solidFill>
-              <a:latin typeface="Arial"/>
-              <a:ea typeface="Arial"/>
-              <a:cs typeface="Arial"/>
-              <a:sym typeface="Arial"/>
-            </a:endParaRPr>
-          </a:p>
-        </p:txBody>
-      </p:sp>
-      <p:sp>
-        <p:nvSpPr>
-          <p:cNvPr id="884" name="Google Shape;884;p43"/>
-          <p:cNvSpPr txBox="1"/>
-          <p:nvPr/>
-        </p:nvSpPr>
-        <p:spPr>
-          <a:xfrm>
-            <a:off x="122450" y="131750"/>
-            <a:ext cx="5246400" cy="2308800"/>
-          </a:xfrm>
-          <a:prstGeom prst="rect">
-            <a:avLst/>
-          </a:prstGeom>
-          <a:noFill/>
-          <a:ln>
-            <a:noFill/>
-          </a:ln>
-        </p:spPr>
-        <p:txBody>
-          <a:bodyPr spcFirstLastPara="1" wrap="square" lIns="91425" tIns="45700" rIns="91425" bIns="45700" anchor="t" anchorCtr="0">
-            <a:spAutoFit/>
-          </a:bodyPr>
-          <a:lstStyle/>
-          <a:p>
-            <a:pPr marL="0" marR="0" lvl="0" indent="0" algn="l" rtl="0">
-              <a:lnSpc>
-                <a:spcPct val="100000"/>
-              </a:lnSpc>
-              <a:spcBef>
-                <a:spcPts val="0"/>
-              </a:spcBef>
-              <a:spcAft>
-                <a:spcPts val="0"/>
-              </a:spcAft>
-              <a:buClr>
-                <a:srgbClr val="000000"/>
-              </a:buClr>
-              <a:buSzPts val="2400"/>
-              <a:buFont typeface="Gill Sans"/>
-              <a:buNone/>
-            </a:pPr>
-            <a:r>
-              <a:rPr lang="fr-FR" sz="2400" b="0" i="0" u="none">
-                <a:solidFill>
-                  <a:srgbClr val="000000"/>
-                </a:solidFill>
-                <a:latin typeface="Gill Sans"/>
-                <a:ea typeface="Gill Sans"/>
-                <a:cs typeface="Gill Sans"/>
-                <a:sym typeface="Gill Sans"/>
-              </a:rPr>
-              <a:t>Saned Weldek is an AI-powered service aiming to enhance the educational experience for Algerian students and parents by delivering personalized support tailored to the local educational context</a:t>
-            </a:r>
-            <a:endParaRPr/>
-          </a:p>
-        </p:txBody>
-      </p:sp>
-      <p:sp>
-        <p:nvSpPr>
-          <p:cNvPr id="885" name="Google Shape;885;p43"/>
-          <p:cNvSpPr txBox="1"/>
-          <p:nvPr/>
-        </p:nvSpPr>
-        <p:spPr>
-          <a:xfrm>
-            <a:off x="60400" y="2312687"/>
-            <a:ext cx="4486200" cy="1200600"/>
-          </a:xfrm>
-          <a:prstGeom prst="rect">
-            <a:avLst/>
-          </a:prstGeom>
-          <a:noFill/>
-          <a:ln>
-            <a:noFill/>
-          </a:ln>
-        </p:spPr>
-        <p:txBody>
-          <a:bodyPr spcFirstLastPara="1" wrap="square" lIns="91425" tIns="45700" rIns="91425" bIns="45700" anchor="t" anchorCtr="0">
-            <a:spAutoFit/>
-          </a:bodyPr>
-          <a:lstStyle/>
-          <a:p>
-            <a:pPr marL="0" marR="0" lvl="0" indent="0" algn="l" rtl="0">
-              <a:lnSpc>
-                <a:spcPct val="100000"/>
-              </a:lnSpc>
-              <a:spcBef>
-                <a:spcPts val="0"/>
-              </a:spcBef>
-              <a:spcAft>
-                <a:spcPts val="0"/>
-              </a:spcAft>
-              <a:buClr>
-                <a:srgbClr val="000000"/>
-              </a:buClr>
-              <a:buSzPts val="2400"/>
-              <a:buFont typeface="Gill Sans"/>
-              <a:buNone/>
-            </a:pPr>
-            <a:r>
-              <a:rPr lang="fr-FR" sz="2400" b="0" i="0" u="none">
-                <a:solidFill>
-                  <a:srgbClr val="000000"/>
-                </a:solidFill>
-                <a:latin typeface="Gill Sans"/>
-                <a:ea typeface="Gill Sans"/>
-                <a:cs typeface="Gill Sans"/>
-                <a:sym typeface="Gill Sans"/>
-              </a:rPr>
-              <a:t>A huge recommendation system based on an Algerian information base (dataset)</a:t>
-            </a:r>
-            <a:endParaRPr/>
-          </a:p>
-        </p:txBody>
-      </p:sp>
-      <p:sp>
-        <p:nvSpPr>
-          <p:cNvPr id="886" name="Google Shape;886;p43"/>
-          <p:cNvSpPr txBox="1"/>
-          <p:nvPr/>
-        </p:nvSpPr>
-        <p:spPr>
-          <a:xfrm>
-            <a:off x="49300" y="3513263"/>
-            <a:ext cx="4508400" cy="1569900"/>
-          </a:xfrm>
-          <a:prstGeom prst="rect">
-            <a:avLst/>
-          </a:prstGeom>
-          <a:noFill/>
-          <a:ln>
-            <a:noFill/>
-          </a:ln>
-        </p:spPr>
-        <p:txBody>
-          <a:bodyPr spcFirstLastPara="1" wrap="square" lIns="91425" tIns="45700" rIns="91425" bIns="45700" anchor="t" anchorCtr="0">
-            <a:spAutoFit/>
-          </a:bodyPr>
-          <a:lstStyle/>
-          <a:p>
-            <a:pPr marL="0" marR="0" lvl="0" indent="0" algn="l" rtl="0">
-              <a:lnSpc>
-                <a:spcPct val="100000"/>
-              </a:lnSpc>
-              <a:spcBef>
-                <a:spcPts val="0"/>
-              </a:spcBef>
-              <a:spcAft>
-                <a:spcPts val="0"/>
-              </a:spcAft>
-              <a:buClr>
-                <a:srgbClr val="000000"/>
-              </a:buClr>
-              <a:buSzPts val="2400"/>
-              <a:buFont typeface="Gill Sans"/>
-              <a:buNone/>
-            </a:pPr>
-            <a:r>
-              <a:rPr lang="fr-FR" sz="2400" b="0" i="0" u="none">
-                <a:solidFill>
-                  <a:srgbClr val="000000"/>
-                </a:solidFill>
-                <a:latin typeface="Gill Sans"/>
-                <a:ea typeface="Gill Sans"/>
-                <a:cs typeface="Gill Sans"/>
-                <a:sym typeface="Gill Sans"/>
-              </a:rPr>
-              <a:t>It is linked to the student’s schedule provides them with recommendations before exams or lessons</a:t>
-            </a:r>
-            <a:endParaRPr/>
-          </a:p>
-        </p:txBody>
-      </p:sp>
-      <p:pic>
-        <p:nvPicPr>
-          <p:cNvPr id="887" name="Google Shape;887;p43" descr="C:\Users\Omar\Desktop\Mouh\loadinfo.net-(1).png"/>
-          <p:cNvPicPr preferRelativeResize="0"/>
-          <p:nvPr/>
-        </p:nvPicPr>
-        <p:blipFill rotWithShape="1">
-          <a:blip r:embed="rId4">
-            <a:alphaModFix/>
-          </a:blip>
-          <a:srcRect/>
-          <a:stretch/>
-        </p:blipFill>
-        <p:spPr>
-          <a:xfrm>
-            <a:off x="4857750" y="4467225"/>
-            <a:ext cx="785812" cy="615950"/>
-          </a:xfrm>
-          <a:prstGeom prst="rect">
-            <a:avLst/>
-          </a:prstGeom>
-          <a:noFill/>
-          <a:ln>
-            <a:noFill/>
-          </a:ln>
-        </p:spPr>
-      </p:pic>
-      <p:sp>
-        <p:nvSpPr>
-          <p:cNvPr id="888" name="Google Shape;888;p43"/>
-          <p:cNvSpPr txBox="1"/>
-          <p:nvPr/>
-        </p:nvSpPr>
-        <p:spPr>
-          <a:xfrm>
-            <a:off x="5084762" y="4625975"/>
-            <a:ext cx="390525" cy="307975"/>
-          </a:xfrm>
-          <a:prstGeom prst="rect">
-            <a:avLst/>
-          </a:prstGeom>
-          <a:noFill/>
-          <a:ln>
-            <a:noFill/>
-          </a:ln>
-        </p:spPr>
-        <p:txBody>
-          <a:bodyPr spcFirstLastPara="1" wrap="square" lIns="91425" tIns="45700" rIns="91425" bIns="45700" anchor="t" anchorCtr="0">
-            <a:spAutoFit/>
-          </a:bodyPr>
-          <a:lstStyle/>
-          <a:p>
-            <a:pPr marL="0" marR="0" lvl="0" indent="0" algn="l" rtl="0">
-              <a:lnSpc>
-                <a:spcPct val="100000"/>
-              </a:lnSpc>
-              <a:spcBef>
-                <a:spcPts val="0"/>
-              </a:spcBef>
-              <a:spcAft>
-                <a:spcPts val="0"/>
-              </a:spcAft>
-              <a:buClr>
-                <a:srgbClr val="000000"/>
-              </a:buClr>
-              <a:buSzPts val="1400"/>
-              <a:buFont typeface="Arial"/>
-              <a:buNone/>
-            </a:pPr>
-            <a:r>
-              <a:rPr lang="fr-FR" sz="1400" b="1" i="0" u="none">
-                <a:solidFill>
-                  <a:srgbClr val="000000"/>
-                </a:solidFill>
-                <a:latin typeface="Arial"/>
-                <a:ea typeface="Arial"/>
-                <a:cs typeface="Arial"/>
-                <a:sym typeface="Arial"/>
-              </a:rPr>
-              <a:t>43</a:t>
-            </a:r>
-            <a:endParaRPr/>
-          </a:p>
-        </p:txBody>
-      </p:sp>
-    </p:spTree>
-  </p:cSld>
-  <p:clrMapOvr>
-    <a:masterClrMapping/>
-  </p:clrMapOvr>
-</p:sld>
-</file>
-
-<file path=ppt/slides/slide16.xml><?xml version="1.0" encoding="utf-8"?>
-<p:sld xmlns:a="http://schemas.openxmlformats.org/drawingml/2006/main" xmlns:r="http://schemas.openxmlformats.org/officeDocument/2006/relationships" xmlns:p="http://schemas.openxmlformats.org/presentationml/2006/main">
-  <p:cSld>
-    <p:spTree>
-      <p:nvGrpSpPr>
-        <p:cNvPr id="1" name="Shape 892"/>
-        <p:cNvGrpSpPr/>
-        <p:nvPr/>
-      </p:nvGrpSpPr>
-      <p:grpSpPr>
-        <a:xfrm>
-          <a:off x="0" y="0"/>
-          <a:ext cx="0" cy="0"/>
-          <a:chOff x="0" y="0"/>
-          <a:chExt cx="0" cy="0"/>
-        </a:xfrm>
-      </p:grpSpPr>
-      <p:pic>
-        <p:nvPicPr>
-          <p:cNvPr id="893" name="Google Shape;893;p46"/>
-          <p:cNvPicPr preferRelativeResize="0"/>
-          <p:nvPr/>
-        </p:nvPicPr>
-        <p:blipFill rotWithShape="1">
-          <a:blip r:embed="rId3">
-            <a:alphaModFix/>
-          </a:blip>
-          <a:srcRect/>
-          <a:stretch/>
-        </p:blipFill>
-        <p:spPr>
-          <a:xfrm>
-            <a:off x="5372100" y="219075"/>
-            <a:ext cx="3771900" cy="4924425"/>
-          </a:xfrm>
-          <a:prstGeom prst="rect">
-            <a:avLst/>
-          </a:prstGeom>
-          <a:noFill/>
-          <a:ln>
-            <a:noFill/>
-          </a:ln>
-        </p:spPr>
-      </p:pic>
-      <p:sp>
-        <p:nvSpPr>
-          <p:cNvPr id="894" name="Google Shape;894;p46"/>
-          <p:cNvSpPr txBox="1"/>
-          <p:nvPr/>
-        </p:nvSpPr>
-        <p:spPr>
-          <a:xfrm>
-            <a:off x="458787" y="1865312"/>
-            <a:ext cx="4719637" cy="1631950"/>
-          </a:xfrm>
-          <a:prstGeom prst="rect">
-            <a:avLst/>
-          </a:prstGeom>
-          <a:noFill/>
-          <a:ln>
-            <a:noFill/>
-          </a:ln>
-        </p:spPr>
-        <p:txBody>
-          <a:bodyPr spcFirstLastPara="1" wrap="square" lIns="91425" tIns="45700" rIns="91425" bIns="45700" anchor="t" anchorCtr="0">
-            <a:spAutoFit/>
-          </a:bodyPr>
-          <a:lstStyle/>
-          <a:p>
-            <a:pPr marL="0" marR="0" lvl="0" indent="0" algn="l" rtl="0">
-              <a:lnSpc>
-                <a:spcPct val="100000"/>
-              </a:lnSpc>
-              <a:spcBef>
-                <a:spcPts val="0"/>
-              </a:spcBef>
-              <a:spcAft>
-                <a:spcPts val="0"/>
-              </a:spcAft>
-              <a:buClr>
-                <a:srgbClr val="000000"/>
-              </a:buClr>
-              <a:buSzPts val="2000"/>
-              <a:buFont typeface="Gill Sans"/>
-              <a:buNone/>
-            </a:pPr>
-            <a:r>
-              <a:rPr lang="fr-FR" sz="2000" b="0" i="0" u="none">
-                <a:solidFill>
-                  <a:srgbClr val="000000"/>
-                </a:solidFill>
-                <a:latin typeface="Gill Sans"/>
-                <a:ea typeface="Gill Sans"/>
-                <a:cs typeface="Gill Sans"/>
-                <a:sym typeface="Gill Sans"/>
-              </a:rPr>
-              <a:t>we have a section in the application that contains all the suggestions and recommendations for lessons and exams that the student can view at any time and whenever he wants</a:t>
-            </a:r>
-            <a:endParaRPr/>
-          </a:p>
-        </p:txBody>
-      </p:sp>
-      <p:pic>
-        <p:nvPicPr>
-          <p:cNvPr id="895" name="Google Shape;895;p46" descr="C:\Users\Omar\Desktop\Mouh\loadinfo.net-(1).png"/>
-          <p:cNvPicPr preferRelativeResize="0"/>
-          <p:nvPr/>
-        </p:nvPicPr>
-        <p:blipFill rotWithShape="1">
-          <a:blip r:embed="rId4">
-            <a:alphaModFix/>
-          </a:blip>
-          <a:srcRect/>
-          <a:stretch/>
-        </p:blipFill>
-        <p:spPr>
-          <a:xfrm>
-            <a:off x="8316912" y="4527550"/>
-            <a:ext cx="785812" cy="615950"/>
-          </a:xfrm>
-          <a:prstGeom prst="rect">
-            <a:avLst/>
-          </a:prstGeom>
-          <a:noFill/>
-          <a:ln>
-            <a:noFill/>
-          </a:ln>
-        </p:spPr>
-      </p:pic>
-      <p:sp>
-        <p:nvSpPr>
-          <p:cNvPr id="896" name="Google Shape;896;p46"/>
-          <p:cNvSpPr txBox="1"/>
-          <p:nvPr/>
-        </p:nvSpPr>
-        <p:spPr>
-          <a:xfrm>
-            <a:off x="8551862" y="4676775"/>
-            <a:ext cx="458787" cy="307975"/>
-          </a:xfrm>
-          <a:prstGeom prst="rect">
-            <a:avLst/>
-          </a:prstGeom>
-          <a:noFill/>
-          <a:ln>
-            <a:noFill/>
-          </a:ln>
-        </p:spPr>
-        <p:txBody>
-          <a:bodyPr spcFirstLastPara="1" wrap="square" lIns="91425" tIns="45700" rIns="91425" bIns="45700" anchor="t" anchorCtr="0">
-            <a:spAutoFit/>
-          </a:bodyPr>
-          <a:lstStyle/>
-          <a:p>
-            <a:pPr marL="0" marR="0" lvl="0" indent="0" algn="l" rtl="0">
-              <a:lnSpc>
-                <a:spcPct val="100000"/>
-              </a:lnSpc>
-              <a:spcBef>
-                <a:spcPts val="0"/>
-              </a:spcBef>
-              <a:spcAft>
-                <a:spcPts val="0"/>
-              </a:spcAft>
-              <a:buClr>
-                <a:srgbClr val="000000"/>
-              </a:buClr>
-              <a:buSzPts val="1400"/>
-              <a:buFont typeface="Arial"/>
-              <a:buNone/>
-            </a:pPr>
-            <a:r>
-              <a:rPr lang="fr-FR" sz="1400" b="1" i="0" u="none">
-                <a:solidFill>
-                  <a:srgbClr val="000000"/>
-                </a:solidFill>
-                <a:latin typeface="Arial"/>
-                <a:ea typeface="Arial"/>
-                <a:cs typeface="Arial"/>
-                <a:sym typeface="Arial"/>
-              </a:rPr>
-              <a:t>46</a:t>
-            </a:r>
-            <a:endParaRPr/>
-          </a:p>
-        </p:txBody>
-      </p:sp>
-    </p:spTree>
-  </p:cSld>
-  <p:clrMapOvr>
-    <a:masterClrMapping/>
-  </p:clrMapOvr>
-</p:sld>
-</file>
-
-<file path=ppt/slides/slide17.xml><?xml version="1.0" encoding="utf-8"?>
-<p:sld xmlns:a="http://schemas.openxmlformats.org/drawingml/2006/main" xmlns:r="http://schemas.openxmlformats.org/officeDocument/2006/relationships" xmlns:p="http://schemas.openxmlformats.org/presentationml/2006/main">
-  <p:cSld>
-    <p:spTree>
-      <p:nvGrpSpPr>
         <p:cNvPr id="1" name="Shape 900"/>
         <p:cNvGrpSpPr/>
         <p:nvPr/>
@@ -25809,7 +17444,7 @@
         <p:spPr>
           <a:xfrm>
             <a:off x="1201737" y="371475"/>
-            <a:ext cx="3571875" cy="523875"/>
+            <a:ext cx="3571875" cy="954067"/>
           </a:xfrm>
           <a:prstGeom prst="rect">
             <a:avLst/>
@@ -25825,36 +17460,13 @@
           </a:bodyPr>
           <a:lstStyle/>
           <a:p>
-            <a:pPr marL="0" marR="0" lvl="0" indent="0" algn="l" rtl="0">
-              <a:lnSpc>
-                <a:spcPct val="100000"/>
-              </a:lnSpc>
-              <a:spcBef>
-                <a:spcPts val="0"/>
-              </a:spcBef>
-              <a:spcAft>
-                <a:spcPts val="0"/>
-              </a:spcAft>
-              <a:buClr>
-                <a:srgbClr val="000000"/>
-              </a:buClr>
-              <a:buSzPts val="2800"/>
-              <a:buFont typeface="Gill Sans"/>
-              <a:buNone/>
-            </a:pPr>
+            <a:endParaRPr lang="fr-FR" sz="2800" b="1" dirty="0"/>
+          </a:p>
+          <a:p>
             <a:r>
-              <a:rPr lang="fr-FR" sz="2800" b="1" i="0" u="sng">
-                <a:solidFill>
-                  <a:srgbClr val="000000"/>
-                </a:solidFill>
-                <a:latin typeface="Gill Sans"/>
-                <a:ea typeface="Gill Sans"/>
-                <a:cs typeface="Gill Sans"/>
-                <a:sym typeface="Gill Sans"/>
-              </a:rPr>
-              <a:t>Future works </a:t>
+              <a:rPr lang="fr-FR" sz="2800" b="1" dirty="0"/>
+              <a:t>Travaux futurs</a:t>
             </a:r>
-            <a:endParaRPr/>
           </a:p>
         </p:txBody>
       </p:sp>
@@ -25866,8 +17478,8 @@
         </p:nvSpPr>
         <p:spPr>
           <a:xfrm>
-            <a:off x="1201737" y="1341437"/>
-            <a:ext cx="6954837" cy="461962"/>
+            <a:off x="1165369" y="1886744"/>
+            <a:ext cx="6954837" cy="1200288"/>
           </a:xfrm>
           <a:prstGeom prst="rect">
             <a:avLst/>
@@ -25883,36 +17495,13 @@
           </a:bodyPr>
           <a:lstStyle/>
           <a:p>
-            <a:pPr marL="0" marR="0" lvl="0" indent="0" algn="l" rtl="0">
-              <a:lnSpc>
-                <a:spcPct val="100000"/>
-              </a:lnSpc>
-              <a:spcBef>
-                <a:spcPts val="0"/>
-              </a:spcBef>
-              <a:spcAft>
-                <a:spcPts val="0"/>
-              </a:spcAft>
-              <a:buClr>
-                <a:srgbClr val="000000"/>
-              </a:buClr>
-              <a:buSzPts val="2400"/>
-              <a:buFont typeface="Gill Sans"/>
-              <a:buNone/>
-            </a:pPr>
+            <a:endParaRPr lang="fr-FR" sz="2400" dirty="0"/>
+          </a:p>
+          <a:p>
             <a:r>
-              <a:rPr lang="fr-FR" sz="2400" b="0" i="0" u="none">
-                <a:solidFill>
-                  <a:srgbClr val="000000"/>
-                </a:solidFill>
-                <a:latin typeface="Gill Sans"/>
-                <a:ea typeface="Gill Sans"/>
-                <a:cs typeface="Gill Sans"/>
-                <a:sym typeface="Gill Sans"/>
-              </a:rPr>
-              <a:t>from content based to collaborative filtering</a:t>
+              <a:rPr lang="fr-FR" sz="2400" dirty="0"/>
+              <a:t>De la recommandation basée sur le contenu au filtrage collaboratif.</a:t>
             </a:r>
-            <a:endParaRPr/>
           </a:p>
         </p:txBody>
       </p:sp>
@@ -25925,7 +17514,7 @@
         <p:spPr>
           <a:xfrm>
             <a:off x="1296987" y="3340100"/>
-            <a:ext cx="6953250" cy="461962"/>
+            <a:ext cx="6953250" cy="830956"/>
           </a:xfrm>
           <a:prstGeom prst="rect">
             <a:avLst/>
@@ -25941,36 +17530,13 @@
           </a:bodyPr>
           <a:lstStyle/>
           <a:p>
-            <a:pPr marL="0" marR="0" lvl="0" indent="0" algn="l" rtl="0">
-              <a:lnSpc>
-                <a:spcPct val="100000"/>
-              </a:lnSpc>
-              <a:spcBef>
-                <a:spcPts val="0"/>
-              </a:spcBef>
-              <a:spcAft>
-                <a:spcPts val="0"/>
-              </a:spcAft>
-              <a:buClr>
-                <a:srgbClr val="000000"/>
-              </a:buClr>
-              <a:buSzPts val="2400"/>
-              <a:buFont typeface="Gill Sans"/>
-              <a:buNone/>
-            </a:pPr>
+            <a:endParaRPr lang="fr-FR" sz="2400" dirty="0"/>
+          </a:p>
+          <a:p>
             <a:r>
-              <a:rPr lang="fr-FR" sz="2400" b="0" i="0" u="none">
-                <a:solidFill>
-                  <a:srgbClr val="000000"/>
-                </a:solidFill>
-                <a:latin typeface="Gill Sans"/>
-                <a:ea typeface="Gill Sans"/>
-                <a:cs typeface="Gill Sans"/>
-                <a:sym typeface="Gill Sans"/>
-              </a:rPr>
-              <a:t>Editor using IA for teachers </a:t>
+              <a:rPr lang="fr-FR" sz="2400" dirty="0"/>
+              <a:t>Éditeur utilisant l'IA pour les enseignants.</a:t>
             </a:r>
-            <a:endParaRPr/>
           </a:p>
         </p:txBody>
       </p:sp>
@@ -26067,7 +17633,159 @@
 </p:sld>
 </file>
 
-<file path=ppt/slides/slide18.xml><?xml version="1.0" encoding="utf-8"?>
+<file path=ppt/slides/slide15.xml><?xml version="1.0" encoding="utf-8"?>
+<p:sld xmlns:a="http://schemas.openxmlformats.org/drawingml/2006/main" xmlns:r="http://schemas.openxmlformats.org/officeDocument/2006/relationships" xmlns:p="http://schemas.openxmlformats.org/presentationml/2006/main">
+  <p:cSld>
+    <p:spTree>
+      <p:nvGrpSpPr>
+        <p:cNvPr id="1" name="Shape 900"/>
+        <p:cNvGrpSpPr/>
+        <p:nvPr/>
+      </p:nvGrpSpPr>
+      <p:grpSpPr>
+        <a:xfrm>
+          <a:off x="0" y="0"/>
+          <a:ext cx="0" cy="0"/>
+          <a:chOff x="0" y="0"/>
+          <a:chExt cx="0" cy="0"/>
+        </a:xfrm>
+      </p:grpSpPr>
+      <p:sp>
+        <p:nvSpPr>
+          <p:cNvPr id="901" name="Google Shape;901;p52"/>
+          <p:cNvSpPr txBox="1"/>
+          <p:nvPr/>
+        </p:nvSpPr>
+        <p:spPr>
+          <a:xfrm>
+            <a:off x="2105746" y="1976871"/>
+            <a:ext cx="4814600" cy="523180"/>
+          </a:xfrm>
+          <a:prstGeom prst="rect">
+            <a:avLst/>
+          </a:prstGeom>
+          <a:noFill/>
+          <a:ln>
+            <a:noFill/>
+          </a:ln>
+        </p:spPr>
+        <p:txBody>
+          <a:bodyPr spcFirstLastPara="1" wrap="square" lIns="91425" tIns="45700" rIns="91425" bIns="45700" anchor="t" anchorCtr="0">
+            <a:spAutoFit/>
+          </a:bodyPr>
+          <a:lstStyle/>
+          <a:p>
+            <a:r>
+              <a:rPr lang="" sz="2800" b="1" dirty="0" smtClean="0"/>
+              <a:t>Presentation de </a:t>
+            </a:r>
+            <a:r>
+              <a:rPr lang="fr-CA" sz="2800" b="1" dirty="0" smtClean="0"/>
+              <a:t>l'interface</a:t>
+            </a:r>
+            <a:endParaRPr lang="fr-FR" sz="2800" b="1" dirty="0"/>
+          </a:p>
+        </p:txBody>
+      </p:sp>
+      <p:pic>
+        <p:nvPicPr>
+          <p:cNvPr id="904" name="Google Shape;904;p52" descr="C:\Users\Omar\Desktop\Mouh\loadinfo.net-(1).png"/>
+          <p:cNvPicPr preferRelativeResize="0"/>
+          <p:nvPr/>
+        </p:nvPicPr>
+        <p:blipFill rotWithShape="1">
+          <a:blip r:embed="rId3">
+            <a:alphaModFix/>
+          </a:blip>
+          <a:srcRect/>
+          <a:stretch/>
+        </p:blipFill>
+        <p:spPr>
+          <a:xfrm>
+            <a:off x="8316912" y="4527550"/>
+            <a:ext cx="785812" cy="615950"/>
+          </a:xfrm>
+          <a:prstGeom prst="rect">
+            <a:avLst/>
+          </a:prstGeom>
+          <a:noFill/>
+          <a:ln>
+            <a:noFill/>
+          </a:ln>
+        </p:spPr>
+      </p:pic>
+      <p:sp>
+        <p:nvSpPr>
+          <p:cNvPr id="905" name="Google Shape;905;p52"/>
+          <p:cNvSpPr txBox="1"/>
+          <p:nvPr/>
+        </p:nvSpPr>
+        <p:spPr>
+          <a:xfrm>
+            <a:off x="8485187" y="4657725"/>
+            <a:ext cx="547687" cy="307975"/>
+          </a:xfrm>
+          <a:prstGeom prst="rect">
+            <a:avLst/>
+          </a:prstGeom>
+          <a:noFill/>
+          <a:ln>
+            <a:noFill/>
+          </a:ln>
+        </p:spPr>
+        <p:txBody>
+          <a:bodyPr spcFirstLastPara="1" wrap="square" lIns="91425" tIns="45700" rIns="91425" bIns="45700" anchor="t" anchorCtr="0">
+            <a:spAutoFit/>
+          </a:bodyPr>
+          <a:lstStyle/>
+          <a:p>
+            <a:pPr marL="0" marR="0" lvl="0" indent="0" algn="l" rtl="0">
+              <a:lnSpc>
+                <a:spcPct val="100000"/>
+              </a:lnSpc>
+              <a:spcBef>
+                <a:spcPts val="0"/>
+              </a:spcBef>
+              <a:spcAft>
+                <a:spcPts val="0"/>
+              </a:spcAft>
+              <a:buClr>
+                <a:srgbClr val="000000"/>
+              </a:buClr>
+              <a:buSzPts val="1400"/>
+              <a:buFont typeface="Arial"/>
+              <a:buNone/>
+            </a:pPr>
+            <a:r>
+              <a:rPr lang="fr-FR" sz="1400" b="1" i="0" u="none">
+                <a:solidFill>
+                  <a:srgbClr val="000000"/>
+                </a:solidFill>
+                <a:latin typeface="Arial"/>
+                <a:ea typeface="Arial"/>
+                <a:cs typeface="Arial"/>
+                <a:sym typeface="Arial"/>
+              </a:rPr>
+              <a:t>52</a:t>
+            </a:r>
+            <a:endParaRPr/>
+          </a:p>
+        </p:txBody>
+      </p:sp>
+    </p:spTree>
+    <p:extLst>
+      <p:ext uri="{BB962C8B-B14F-4D97-AF65-F5344CB8AC3E}">
+        <p14:creationId xmlns:p14="http://schemas.microsoft.com/office/powerpoint/2010/main" val="1363675919"/>
+      </p:ext>
+    </p:extLst>
+  </p:cSld>
+  <p:clrMapOvr>
+    <a:masterClrMapping/>
+  </p:clrMapOvr>
+</p:sld>
+</file>
+
+<file path=ppt/slides/slide16.xml><?xml version="1.0" encoding="utf-8"?>
 <p:sld xmlns:a="http://schemas.openxmlformats.org/drawingml/2006/main" xmlns:r="http://schemas.openxmlformats.org/officeDocument/2006/relationships" xmlns:p="http://schemas.openxmlformats.org/presentationml/2006/main">
   <p:cSld>
     <p:spTree>
@@ -38325,7 +30043,7 @@
         <p:spPr>
           <a:xfrm>
             <a:off x="3781425" y="2093912"/>
-            <a:ext cx="4746625" cy="830262"/>
+            <a:ext cx="4746625" cy="1569620"/>
           </a:xfrm>
           <a:prstGeom prst="rect">
             <a:avLst/>
@@ -38341,36 +30059,37 @@
           </a:bodyPr>
           <a:lstStyle/>
           <a:p>
-            <a:pPr marL="0" marR="0" lvl="0" indent="0" algn="ctr" rtl="0">
-              <a:lnSpc>
-                <a:spcPct val="100000"/>
-              </a:lnSpc>
-              <a:spcBef>
-                <a:spcPts val="0"/>
-              </a:spcBef>
-              <a:spcAft>
-                <a:spcPts val="0"/>
-              </a:spcAft>
+            <a:pPr lvl="0" algn="ctr">
               <a:buClr>
                 <a:srgbClr val="0D0D0D"/>
               </a:buClr>
               <a:buSzPts val="4800"/>
-              <a:buFont typeface="Gill Sans"/>
-              <a:buNone/>
             </a:pPr>
             <a:r>
-              <a:rPr lang="fr-FR" sz="4800" b="0" i="0" u="none">
-                <a:solidFill>
-                  <a:srgbClr val="0D0D0D"/>
-                </a:solidFill>
-                <a:latin typeface="Gill Sans"/>
-                <a:ea typeface="Gill Sans"/>
-                <a:cs typeface="Gill Sans"/>
-                <a:sym typeface="Gill Sans"/>
-              </a:rPr>
-              <a:t>Thank You Any Questions?   </a:t>
+              <a:rPr lang="fr-FR" sz="4800" dirty="0" smtClean="0"/>
+              <a:t>Merci</a:t>
             </a:r>
-            <a:endParaRPr/>
+            <a:r>
+              <a:rPr lang="" sz="4800" dirty="0"/>
+              <a:t> </a:t>
+            </a:r>
+            <a:r>
+              <a:rPr lang="" sz="4800" dirty="0" smtClean="0"/>
+              <a:t>Pour Vot</a:t>
+            </a:r>
+            <a:r>
+              <a:rPr lang="fr-CA" sz="4800" dirty="0" err="1" smtClean="0"/>
+              <a:t>re</a:t>
+            </a:r>
+            <a:r>
+              <a:rPr lang="fr-CA" sz="4800" dirty="0" smtClean="0"/>
+              <a:t> </a:t>
+            </a:r>
+            <a:r>
+              <a:rPr lang="fr-CA" sz="4800" dirty="0" err="1" smtClean="0"/>
+              <a:t>Attension</a:t>
+            </a:r>
+            <a:endParaRPr dirty="0"/>
           </a:p>
         </p:txBody>
       </p:sp>
@@ -59442,7 +51161,7 @@
         </p:nvSpPr>
         <p:spPr>
           <a:xfrm>
-            <a:off x="95250" y="1163637"/>
+            <a:off x="630382" y="981796"/>
             <a:ext cx="7219950" cy="460375"/>
           </a:xfrm>
           <a:prstGeom prst="rect">
@@ -59477,7 +51196,7 @@
               <a:buNone/>
             </a:pPr>
             <a:r>
-              <a:rPr lang="fr-FR" sz="2400" b="1" i="0" u="sng">
+              <a:rPr lang="fr-FR" sz="2400" b="1" i="0" u="sng" dirty="0">
                 <a:solidFill>
                   <a:srgbClr val="000000"/>
                 </a:solidFill>
@@ -59486,56 +51205,10 @@
                 <a:cs typeface="Gill Sans"/>
                 <a:sym typeface="Gill Sans"/>
               </a:rPr>
-              <a:t>Mobile Part integration with Web Platform</a:t>
+              <a:t>Mobile Part </a:t>
             </a:r>
-            <a:endParaRPr/>
-          </a:p>
-        </p:txBody>
-      </p:sp>
-      <p:sp>
-        <p:nvSpPr>
-          <p:cNvPr id="683" name="Google Shape;683;p32"/>
-          <p:cNvSpPr txBox="1"/>
-          <p:nvPr/>
-        </p:nvSpPr>
-        <p:spPr>
-          <a:xfrm>
-            <a:off x="760412" y="2157412"/>
-            <a:ext cx="7623175" cy="1631950"/>
-          </a:xfrm>
-          <a:prstGeom prst="rect">
-            <a:avLst/>
-          </a:prstGeom>
-          <a:noFill/>
-          <a:ln>
-            <a:noFill/>
-          </a:ln>
-        </p:spPr>
-        <p:txBody>
-          <a:bodyPr spcFirstLastPara="1" wrap="square" lIns="91425" tIns="45700" rIns="91425" bIns="45700" anchor="t" anchorCtr="0">
-            <a:spAutoFit/>
-          </a:bodyPr>
-          <a:lstStyle/>
-          <a:p>
-            <a:pPr marL="0" marR="0" lvl="0" indent="0" algn="l" rtl="0">
-              <a:lnSpc>
-                <a:spcPct val="100000"/>
-              </a:lnSpc>
-              <a:spcBef>
-                <a:spcPts val="0"/>
-              </a:spcBef>
-              <a:spcAft>
-                <a:spcPts val="0"/>
-              </a:spcAft>
-              <a:buClr>
-                <a:srgbClr val="000000"/>
-              </a:buClr>
-              <a:buSzPts val="2000"/>
-              <a:buFont typeface="Gill Sans"/>
-              <a:buNone/>
-            </a:pPr>
             <a:r>
-              <a:rPr lang="fr-FR" sz="2000" b="0" i="0" u="none">
+              <a:rPr lang="fr-FR" sz="2400" b="1" i="0" u="sng" dirty="0" err="1">
                 <a:solidFill>
                   <a:srgbClr val="000000"/>
                 </a:solidFill>
@@ -59544,9 +51217,45 @@
                 <a:cs typeface="Gill Sans"/>
                 <a:sym typeface="Gill Sans"/>
               </a:rPr>
-              <a:t>Our mobile application "Adross" is integrated with our comprehensive "Darris Bi Dhakaa" web platform. The integration of mobile application, web application, and various backend services provides a synchronized experience across devices and platforms, offering various strengths for our users.</a:t>
+              <a:t>integration</a:t>
             </a:r>
-            <a:endParaRPr/>
+            <a:r>
+              <a:rPr lang="fr-FR" sz="2400" b="1" i="0" u="sng" dirty="0">
+                <a:solidFill>
+                  <a:srgbClr val="000000"/>
+                </a:solidFill>
+                <a:latin typeface="Gill Sans"/>
+                <a:ea typeface="Gill Sans"/>
+                <a:cs typeface="Gill Sans"/>
+                <a:sym typeface="Gill Sans"/>
+              </a:rPr>
+              <a:t> </a:t>
+            </a:r>
+            <a:r>
+              <a:rPr lang="fr-FR" sz="2400" b="1" i="0" u="sng" dirty="0" err="1">
+                <a:solidFill>
+                  <a:srgbClr val="000000"/>
+                </a:solidFill>
+                <a:latin typeface="Gill Sans"/>
+                <a:ea typeface="Gill Sans"/>
+                <a:cs typeface="Gill Sans"/>
+                <a:sym typeface="Gill Sans"/>
+              </a:rPr>
+              <a:t>with</a:t>
+            </a:r>
+            <a:r>
+              <a:rPr lang="fr-FR" sz="2400" b="1" i="0" u="sng" dirty="0">
+                <a:solidFill>
+                  <a:srgbClr val="000000"/>
+                </a:solidFill>
+                <a:latin typeface="Gill Sans"/>
+                <a:ea typeface="Gill Sans"/>
+                <a:cs typeface="Gill Sans"/>
+                <a:sym typeface="Gill Sans"/>
+              </a:rPr>
+              <a:t> Web Platform</a:t>
+            </a:r>
+            <a:endParaRPr dirty="0"/>
           </a:p>
         </p:txBody>
       </p:sp>
@@ -59632,6 +51341,382 @@
               <a:t>27</a:t>
             </a:r>
             <a:endParaRPr/>
+          </a:p>
+        </p:txBody>
+      </p:sp>
+      <p:sp>
+        <p:nvSpPr>
+          <p:cNvPr id="17" name="Rectangle 16"/>
+          <p:cNvSpPr>
+            <a:spLocks noChangeArrowheads="1"/>
+          </p:cNvSpPr>
+          <p:nvPr/>
+        </p:nvSpPr>
+        <p:spPr bwMode="auto">
+          <a:xfrm rot="10800000" flipV="1">
+            <a:off x="800099" y="1969880"/>
+            <a:ext cx="8144042" cy="1754326"/>
+          </a:xfrm>
+          <a:prstGeom prst="rect">
+            <a:avLst/>
+          </a:prstGeom>
+          <a:noFill/>
+          <a:ln>
+            <a:noFill/>
+          </a:ln>
+          <a:effectLst/>
+          <a:extLst>
+            <a:ext uri="{909E8E84-426E-40DD-AFC4-6F175D3DCCD1}">
+              <a14:hiddenFill xmlns:a14="http://schemas.microsoft.com/office/drawing/2010/main">
+                <a:solidFill>
+                  <a:schemeClr val="accent1"/>
+                </a:solidFill>
+              </a14:hiddenFill>
+            </a:ext>
+            <a:ext uri="{91240B29-F687-4F45-9708-019B960494DF}">
+              <a14:hiddenLine xmlns:a14="http://schemas.microsoft.com/office/drawing/2010/main" w="9525">
+                <a:solidFill>
+                  <a:schemeClr val="tx1"/>
+                </a:solidFill>
+                <a:miter lim="800000"/>
+                <a:headEnd/>
+                <a:tailEnd/>
+              </a14:hiddenLine>
+            </a:ext>
+            <a:ext uri="{AF507438-7753-43E0-B8FC-AC1667EBCBE1}">
+              <a14:hiddenEffects xmlns:a14="http://schemas.microsoft.com/office/drawing/2010/main">
+                <a:effectLst>
+                  <a:outerShdw dist="35921" dir="2700000" algn="ctr" rotWithShape="0">
+                    <a:schemeClr val="bg2"/>
+                  </a:outerShdw>
+                </a:effectLst>
+              </a14:hiddenEffects>
+            </a:ext>
+          </a:extLst>
+        </p:spPr>
+        <p:txBody>
+          <a:bodyPr vert="horz" wrap="square" lIns="91440" tIns="45720" rIns="91440" bIns="45720" numCol="1" anchor="ctr" anchorCtr="0" compatLnSpc="1">
+            <a:prstTxWarp prst="textNoShape">
+              <a:avLst/>
+            </a:prstTxWarp>
+            <a:spAutoFit/>
+          </a:bodyPr>
+          <a:lstStyle/>
+          <a:p>
+            <a:pPr marL="0" marR="0" lvl="0" indent="0" algn="l" defTabSz="914400" rtl="0" eaLnBrk="0" fontAlgn="base" latinLnBrk="0" hangingPunct="0">
+              <a:lnSpc>
+                <a:spcPct val="100000"/>
+              </a:lnSpc>
+              <a:spcBef>
+                <a:spcPct val="0"/>
+              </a:spcBef>
+              <a:spcAft>
+                <a:spcPct val="0"/>
+              </a:spcAft>
+              <a:buClrTx/>
+              <a:buSzTx/>
+              <a:buFontTx/>
+              <a:buNone/>
+              <a:tabLst/>
+            </a:pPr>
+            <a:r>
+              <a:rPr kumimoji="0" lang="fr-FR" sz="1800" b="0" i="0" u="none" strike="noStrike" cap="none" normalizeH="0" baseline="0" dirty="0" smtClean="0">
+                <a:ln>
+                  <a:noFill/>
+                </a:ln>
+                <a:solidFill>
+                  <a:schemeClr val="tx1"/>
+                </a:solidFill>
+                <a:effectLst/>
+                <a:latin typeface="Arial" panose="020B0604020202020204" pitchFamily="34" charset="0"/>
+              </a:rPr>
+              <a:t>Notre application mobile « </a:t>
+            </a:r>
+            <a:r>
+              <a:rPr kumimoji="0" lang="" sz="1800" b="0" i="0" u="none" strike="noStrike" cap="none" normalizeH="0" baseline="0" dirty="0" smtClean="0">
+                <a:ln>
+                  <a:noFill/>
+                </a:ln>
+                <a:solidFill>
+                  <a:schemeClr val="tx1"/>
+                </a:solidFill>
+                <a:effectLst/>
+                <a:latin typeface="Arial" panose="020B0604020202020204" pitchFamily="34" charset="0"/>
+              </a:rPr>
+              <a:t>Student</a:t>
+            </a:r>
+            <a:r>
+              <a:rPr kumimoji="0" lang="fr-FR" sz="1800" b="0" i="0" u="none" strike="noStrike" cap="none" normalizeH="0" baseline="0" dirty="0" smtClean="0">
+                <a:ln>
+                  <a:noFill/>
+                </a:ln>
+                <a:solidFill>
+                  <a:schemeClr val="tx1"/>
+                </a:solidFill>
+                <a:effectLst/>
+                <a:latin typeface="Arial" panose="020B0604020202020204" pitchFamily="34" charset="0"/>
+              </a:rPr>
+              <a:t>» est intégrée à notre plateforme web complète « </a:t>
+            </a:r>
+            <a:r>
+              <a:rPr kumimoji="0" lang="" sz="1800" b="0" i="0" u="none" strike="noStrike" cap="none" normalizeH="0" baseline="0" dirty="0" smtClean="0">
+                <a:ln>
+                  <a:noFill/>
+                </a:ln>
+                <a:solidFill>
+                  <a:schemeClr val="tx1"/>
+                </a:solidFill>
+                <a:effectLst/>
+                <a:latin typeface="Arial" panose="020B0604020202020204" pitchFamily="34" charset="0"/>
+              </a:rPr>
+              <a:t>Ecole</a:t>
+            </a:r>
+            <a:r>
+              <a:rPr lang="" sz="1800" dirty="0">
+                <a:solidFill>
+                  <a:schemeClr val="tx1"/>
+                </a:solidFill>
+                <a:latin typeface="Arial" panose="020B0604020202020204" pitchFamily="34" charset="0"/>
+              </a:rPr>
+              <a:t> </a:t>
+            </a:r>
+            <a:r>
+              <a:rPr kumimoji="0" lang="fr-FR" sz="1800" b="0" i="0" u="none" strike="noStrike" cap="none" normalizeH="0" baseline="0" dirty="0" smtClean="0">
+                <a:ln>
+                  <a:noFill/>
+                </a:ln>
+                <a:solidFill>
+                  <a:schemeClr val="tx1"/>
+                </a:solidFill>
+                <a:effectLst/>
+                <a:latin typeface="Arial" panose="020B0604020202020204" pitchFamily="34" charset="0"/>
+              </a:rPr>
+              <a:t>». L'intégration de l'application mobile, de l'application web et de divers services </a:t>
+            </a:r>
+            <a:r>
+              <a:rPr kumimoji="0" lang="fr-FR" sz="1800" b="0" i="0" u="none" strike="noStrike" cap="none" normalizeH="0" baseline="0" dirty="0" err="1" smtClean="0">
+                <a:ln>
+                  <a:noFill/>
+                </a:ln>
+                <a:solidFill>
+                  <a:schemeClr val="tx1"/>
+                </a:solidFill>
+                <a:effectLst/>
+                <a:latin typeface="Arial" panose="020B0604020202020204" pitchFamily="34" charset="0"/>
+              </a:rPr>
+              <a:t>backend</a:t>
+            </a:r>
+            <a:r>
+              <a:rPr kumimoji="0" lang="fr-FR" sz="1800" b="0" i="0" u="none" strike="noStrike" cap="none" normalizeH="0" baseline="0" dirty="0" smtClean="0">
+                <a:ln>
+                  <a:noFill/>
+                </a:ln>
+                <a:solidFill>
+                  <a:schemeClr val="tx1"/>
+                </a:solidFill>
+                <a:effectLst/>
+                <a:latin typeface="Arial" panose="020B0604020202020204" pitchFamily="34" charset="0"/>
+              </a:rPr>
+              <a:t> offre une expérience synchronisée sur les appareils et les plateformes, proposant diverses fonctionnalités à nos utilisateurs.</a:t>
+            </a:r>
+          </a:p>
+          <a:p>
+            <a:pPr marL="0" marR="0" lvl="0" indent="0" algn="l" defTabSz="914400" rtl="0" eaLnBrk="0" fontAlgn="base" latinLnBrk="0" hangingPunct="0">
+              <a:lnSpc>
+                <a:spcPct val="100000"/>
+              </a:lnSpc>
+              <a:spcBef>
+                <a:spcPct val="0"/>
+              </a:spcBef>
+              <a:spcAft>
+                <a:spcPct val="0"/>
+              </a:spcAft>
+              <a:buClrTx/>
+              <a:buSzTx/>
+              <a:buFontTx/>
+              <a:buNone/>
+              <a:tabLst/>
+            </a:pPr>
+            <a:endParaRPr kumimoji="0" lang="fr-FR" sz="1800" b="0" i="0" u="none" strike="noStrike" cap="none" normalizeH="0" baseline="0" dirty="0" smtClean="0">
+              <a:ln>
+                <a:noFill/>
+              </a:ln>
+              <a:solidFill>
+                <a:schemeClr val="tx1"/>
+              </a:solidFill>
+              <a:effectLst/>
+              <a:latin typeface="Arial" panose="020B0604020202020204" pitchFamily="34" charset="0"/>
+            </a:endParaRPr>
+          </a:p>
+        </p:txBody>
+      </p:sp>
+      <p:sp>
+        <p:nvSpPr>
+          <p:cNvPr id="18" name="Rectangle 17"/>
+          <p:cNvSpPr>
+            <a:spLocks noChangeArrowheads="1"/>
+          </p:cNvSpPr>
+          <p:nvPr/>
+        </p:nvSpPr>
+        <p:spPr bwMode="auto">
+          <a:xfrm>
+            <a:off x="0" y="457200"/>
+            <a:ext cx="9144000" cy="15875"/>
+          </a:xfrm>
+          <a:prstGeom prst="rect">
+            <a:avLst/>
+          </a:prstGeom>
+          <a:solidFill>
+            <a:srgbClr val="000000"/>
+          </a:solidFill>
+          <a:ln w="9525">
+            <a:solidFill>
+              <a:schemeClr val="tx1"/>
+            </a:solidFill>
+            <a:prstDash val="solid"/>
+            <a:miter lim="800000"/>
+            <a:headEnd/>
+            <a:tailEnd/>
+          </a:ln>
+          <a:effectLst/>
+          <a:extLst>
+            <a:ext uri="{AF507438-7753-43E0-B8FC-AC1667EBCBE1}">
+              <a14:hiddenEffects xmlns:a14="http://schemas.microsoft.com/office/drawing/2010/main">
+                <a:effectLst>
+                  <a:outerShdw dist="35921" dir="2700000" algn="ctr" rotWithShape="0">
+                    <a:schemeClr val="bg2"/>
+                  </a:outerShdw>
+                </a:effectLst>
+              </a14:hiddenEffects>
+            </a:ext>
+          </a:extLst>
+        </p:spPr>
+        <p:txBody>
+          <a:bodyPr vert="horz" wrap="none" lIns="91440" tIns="45720" rIns="91440" bIns="45720" numCol="1" anchor="ctr" anchorCtr="0" compatLnSpc="1">
+            <a:prstTxWarp prst="textNoShape">
+              <a:avLst/>
+            </a:prstTxWarp>
+            <a:spAutoFit/>
+          </a:bodyPr>
+          <a:lstStyle/>
+          <a:p>
+            <a:endParaRPr lang="fr-FR"/>
+          </a:p>
+        </p:txBody>
+      </p:sp>
+      <p:sp>
+        <p:nvSpPr>
+          <p:cNvPr id="19" name="Rectangle 18"/>
+          <p:cNvSpPr>
+            <a:spLocks noChangeArrowheads="1"/>
+          </p:cNvSpPr>
+          <p:nvPr/>
+        </p:nvSpPr>
+        <p:spPr bwMode="auto">
+          <a:xfrm>
+            <a:off x="0" y="473075"/>
+            <a:ext cx="9144000" cy="457200"/>
+          </a:xfrm>
+          <a:prstGeom prst="rect">
+            <a:avLst/>
+          </a:prstGeom>
+          <a:noFill/>
+          <a:ln>
+            <a:noFill/>
+          </a:ln>
+          <a:effectLst/>
+          <a:extLst>
+            <a:ext uri="{909E8E84-426E-40DD-AFC4-6F175D3DCCD1}">
+              <a14:hiddenFill xmlns:a14="http://schemas.microsoft.com/office/drawing/2010/main">
+                <a:solidFill>
+                  <a:schemeClr val="accent1"/>
+                </a:solidFill>
+              </a14:hiddenFill>
+            </a:ext>
+            <a:ext uri="{91240B29-F687-4F45-9708-019B960494DF}">
+              <a14:hiddenLine xmlns:a14="http://schemas.microsoft.com/office/drawing/2010/main" w="9525">
+                <a:solidFill>
+                  <a:schemeClr val="tx1"/>
+                </a:solidFill>
+                <a:miter lim="800000"/>
+                <a:headEnd/>
+                <a:tailEnd/>
+              </a14:hiddenLine>
+            </a:ext>
+            <a:ext uri="{AF507438-7753-43E0-B8FC-AC1667EBCBE1}">
+              <a14:hiddenEffects xmlns:a14="http://schemas.microsoft.com/office/drawing/2010/main">
+                <a:effectLst>
+                  <a:outerShdw dist="35921" dir="2700000" algn="ctr" rotWithShape="0">
+                    <a:schemeClr val="bg2"/>
+                  </a:outerShdw>
+                </a:effectLst>
+              </a14:hiddenEffects>
+            </a:ext>
+          </a:extLst>
+        </p:spPr>
+        <p:txBody>
+          <a:bodyPr vert="horz" wrap="none" lIns="91440" tIns="45720" rIns="91440" bIns="45720" numCol="1" anchor="ctr" anchorCtr="0" compatLnSpc="1">
+            <a:prstTxWarp prst="textNoShape">
+              <a:avLst/>
+            </a:prstTxWarp>
+            <a:spAutoFit/>
+          </a:bodyPr>
+          <a:lstStyle/>
+          <a:p>
+            <a:pPr marL="0" marR="0" lvl="0" indent="0" algn="l" defTabSz="914400" rtl="0" eaLnBrk="0" fontAlgn="base" latinLnBrk="0" hangingPunct="0">
+              <a:lnSpc>
+                <a:spcPct val="100000"/>
+              </a:lnSpc>
+              <a:spcBef>
+                <a:spcPct val="0"/>
+              </a:spcBef>
+              <a:spcAft>
+                <a:spcPct val="0"/>
+              </a:spcAft>
+              <a:buClrTx/>
+              <a:buSzTx/>
+              <a:buFontTx/>
+              <a:buNone/>
+              <a:tabLst/>
+            </a:pPr>
+            <a:endParaRPr kumimoji="0" lang="fr-FR" sz="400" b="1" i="0" u="none" strike="noStrike" cap="none" normalizeH="0" baseline="0" smtClean="0">
+              <a:ln>
+                <a:noFill/>
+              </a:ln>
+              <a:solidFill>
+                <a:schemeClr val="tx1"/>
+              </a:solidFill>
+              <a:effectLst/>
+              <a:latin typeface="Arial" panose="020B0604020202020204" pitchFamily="34" charset="0"/>
+            </a:endParaRPr>
+          </a:p>
+          <a:p>
+            <a:pPr marL="0" marR="0" lvl="0" indent="0" algn="l" defTabSz="914400" rtl="0" eaLnBrk="0" fontAlgn="base" latinLnBrk="0" hangingPunct="0">
+              <a:lnSpc>
+                <a:spcPct val="100000"/>
+              </a:lnSpc>
+              <a:spcBef>
+                <a:spcPct val="0"/>
+              </a:spcBef>
+              <a:spcAft>
+                <a:spcPct val="0"/>
+              </a:spcAft>
+              <a:buClrTx/>
+              <a:buSzTx/>
+              <a:buFontTx/>
+              <a:buNone/>
+              <a:tabLst/>
+            </a:pPr>
+            <a:endParaRPr kumimoji="0" lang="fr-FR" sz="1800" b="0" i="0" u="none" strike="noStrike" cap="none" normalizeH="0" baseline="0" smtClean="0">
+              <a:ln>
+                <a:noFill/>
+              </a:ln>
+              <a:solidFill>
+                <a:schemeClr val="tx1"/>
+              </a:solidFill>
+              <a:effectLst/>
+              <a:latin typeface="Arial" panose="020B0604020202020204" pitchFamily="34" charset="0"/>
+            </a:endParaRPr>
           </a:p>
         </p:txBody>
       </p:sp>

--- a/presentation.pptx
+++ b/presentation.pptx
@@ -6,7 +6,7 @@
     <p:sldMasterId id="2147483659" r:id="rId2"/>
   </p:sldMasterIdLst>
   <p:notesMasterIdLst>
-    <p:notesMasterId r:id="rId19"/>
+    <p:notesMasterId r:id="rId18"/>
   </p:notesMasterIdLst>
   <p:sldIdLst>
     <p:sldId id="256" r:id="rId3"/>
@@ -18,49 +18,48 @@
     <p:sldId id="263" r:id="rId9"/>
     <p:sldId id="267" r:id="rId10"/>
     <p:sldId id="273" r:id="rId11"/>
-    <p:sldId id="274" r:id="rId12"/>
-    <p:sldId id="275" r:id="rId13"/>
-    <p:sldId id="276" r:id="rId14"/>
-    <p:sldId id="277" r:id="rId15"/>
-    <p:sldId id="281" r:id="rId16"/>
-    <p:sldId id="283" r:id="rId17"/>
-    <p:sldId id="282" r:id="rId18"/>
+    <p:sldId id="275" r:id="rId12"/>
+    <p:sldId id="276" r:id="rId13"/>
+    <p:sldId id="277" r:id="rId14"/>
+    <p:sldId id="281" r:id="rId15"/>
+    <p:sldId id="283" r:id="rId16"/>
+    <p:sldId id="282" r:id="rId17"/>
   </p:sldIdLst>
   <p:sldSz cx="9144000" cy="5143500" type="screen16x9"/>
   <p:notesSz cx="6858000" cy="9144000"/>
   <p:embeddedFontLst>
     <p:embeddedFont>
       <p:font typeface="Calibri" panose="020F0502020204030204" pitchFamily="34" charset="0"/>
-      <p:regular r:id="rId20"/>
-      <p:bold r:id="rId21"/>
-      <p:italic r:id="rId22"/>
-      <p:boldItalic r:id="rId23"/>
+      <p:regular r:id="rId19"/>
+      <p:bold r:id="rId20"/>
+      <p:italic r:id="rId21"/>
+      <p:boldItalic r:id="rId22"/>
     </p:embeddedFont>
     <p:embeddedFont>
       <p:font typeface="Roboto" panose="020B0604020202020204" charset="0"/>
-      <p:regular r:id="rId24"/>
-      <p:bold r:id="rId25"/>
-      <p:italic r:id="rId26"/>
-      <p:boldItalic r:id="rId27"/>
+      <p:regular r:id="rId23"/>
+      <p:bold r:id="rId24"/>
+      <p:italic r:id="rId25"/>
+      <p:boldItalic r:id="rId26"/>
     </p:embeddedFont>
     <p:embeddedFont>
       <p:font typeface="Gill Sans" panose="020B0604020202020204" charset="0"/>
-      <p:regular r:id="rId28"/>
-      <p:bold r:id="rId29"/>
+      <p:regular r:id="rId27"/>
+      <p:bold r:id="rId28"/>
     </p:embeddedFont>
     <p:embeddedFont>
       <p:font typeface="Fira Sans Extra Condensed SemiBold" panose="020B0604020202020204" charset="0"/>
-      <p:regular r:id="rId30"/>
-      <p:bold r:id="rId31"/>
-      <p:italic r:id="rId32"/>
-      <p:boldItalic r:id="rId33"/>
+      <p:regular r:id="rId29"/>
+      <p:bold r:id="rId30"/>
+      <p:italic r:id="rId31"/>
+      <p:boldItalic r:id="rId32"/>
     </p:embeddedFont>
     <p:embeddedFont>
       <p:font typeface="Fira Sans Extra Condensed" panose="020B0604020202020204" charset="0"/>
-      <p:regular r:id="rId34"/>
-      <p:bold r:id="rId35"/>
-      <p:italic r:id="rId36"/>
-      <p:boldItalic r:id="rId37"/>
+      <p:regular r:id="rId33"/>
+      <p:bold r:id="rId34"/>
+      <p:italic r:id="rId35"/>
+      <p:boldItalic r:id="rId36"/>
     </p:embeddedFont>
   </p:embeddedFontLst>
   <p:defaultTextStyle>
@@ -943,115 +942,6 @@
   <p:cSld>
     <p:spTree>
       <p:nvGrpSpPr>
-        <p:cNvPr id="1" name="Shape 686"/>
-        <p:cNvGrpSpPr/>
-        <p:nvPr/>
-      </p:nvGrpSpPr>
-      <p:grpSpPr>
-        <a:xfrm>
-          <a:off x="0" y="0"/>
-          <a:ext cx="0" cy="0"/>
-          <a:chOff x="0" y="0"/>
-          <a:chExt cx="0" cy="0"/>
-        </a:xfrm>
-      </p:grpSpPr>
-      <p:sp>
-        <p:nvSpPr>
-          <p:cNvPr id="687" name="Google Shape;687;p34:notes"/>
-          <p:cNvSpPr txBox="1">
-            <a:spLocks noGrp="1"/>
-          </p:cNvSpPr>
-          <p:nvPr>
-            <p:ph type="body" idx="1"/>
-          </p:nvPr>
-        </p:nvSpPr>
-        <p:spPr>
-          <a:xfrm>
-            <a:off x="685800" y="4343400"/>
-            <a:ext cx="5486400" cy="4114800"/>
-          </a:xfrm>
-          <a:prstGeom prst="rect">
-            <a:avLst/>
-          </a:prstGeom>
-        </p:spPr>
-        <p:txBody>
-          <a:bodyPr spcFirstLastPara="1" wrap="square" lIns="91425" tIns="91425" rIns="91425" bIns="91425" anchor="t" anchorCtr="0">
-            <a:noAutofit/>
-          </a:bodyPr>
-          <a:lstStyle/>
-          <a:p>
-            <a:pPr marL="0" lvl="0" indent="0" algn="l" rtl="0">
-              <a:spcBef>
-                <a:spcPts val="0"/>
-              </a:spcBef>
-              <a:spcAft>
-                <a:spcPts val="0"/>
-              </a:spcAft>
-              <a:buNone/>
-            </a:pPr>
-            <a:endParaRPr/>
-          </a:p>
-        </p:txBody>
-      </p:sp>
-      <p:sp>
-        <p:nvSpPr>
-          <p:cNvPr id="688" name="Google Shape;688;p34:notes"/>
-          <p:cNvSpPr>
-            <a:spLocks noGrp="1" noRot="1" noChangeAspect="1"/>
-          </p:cNvSpPr>
-          <p:nvPr>
-            <p:ph type="sldImg" idx="2"/>
-          </p:nvPr>
-        </p:nvSpPr>
-        <p:spPr>
-          <a:xfrm>
-            <a:off x="381000" y="685800"/>
-            <a:ext cx="6096000" cy="3429000"/>
-          </a:xfrm>
-          <a:custGeom>
-            <a:avLst/>
-            <a:gdLst/>
-            <a:ahLst/>
-            <a:cxnLst/>
-            <a:rect l="l" t="t" r="r" b="b"/>
-            <a:pathLst>
-              <a:path w="120000" h="120000" extrusionOk="0">
-                <a:moveTo>
-                  <a:pt x="0" y="0"/>
-                </a:moveTo>
-                <a:lnTo>
-                  <a:pt x="120000" y="0"/>
-                </a:lnTo>
-                <a:lnTo>
-                  <a:pt x="120000" y="120000"/>
-                </a:lnTo>
-                <a:lnTo>
-                  <a:pt x="0" y="120000"/>
-                </a:lnTo>
-                <a:close/>
-              </a:path>
-            </a:pathLst>
-          </a:custGeom>
-        </p:spPr>
-      </p:sp>
-    </p:spTree>
-    <p:extLst>
-      <p:ext uri="{BB962C8B-B14F-4D97-AF65-F5344CB8AC3E}">
-        <p14:creationId xmlns:p14="http://schemas.microsoft.com/office/powerpoint/2010/main" val="2617642595"/>
-      </p:ext>
-    </p:extLst>
-  </p:cSld>
-  <p:clrMapOvr>
-    <a:masterClrMapping/>
-  </p:clrMapOvr>
-</p:notes>
-</file>
-
-<file path=ppt/notesSlides/notesSlide11.xml><?xml version="1.0" encoding="utf-8"?>
-<p:notes xmlns:a="http://schemas.openxmlformats.org/drawingml/2006/main" xmlns:r="http://schemas.openxmlformats.org/officeDocument/2006/relationships" xmlns:p="http://schemas.openxmlformats.org/presentationml/2006/main" showMasterSp="0" showMasterPhAnim="0">
-  <p:cSld>
-    <p:spTree>
-      <p:nvGrpSpPr>
         <p:cNvPr id="1" name="Shape 693"/>
         <p:cNvGrpSpPr/>
         <p:nvPr/>
@@ -1164,7 +1054,7 @@
 </p:notes>
 </file>
 
-<file path=ppt/notesSlides/notesSlide12.xml><?xml version="1.0" encoding="utf-8"?>
+<file path=ppt/notesSlides/notesSlide11.xml><?xml version="1.0" encoding="utf-8"?>
 <p:notes xmlns:a="http://schemas.openxmlformats.org/drawingml/2006/main" xmlns:r="http://schemas.openxmlformats.org/officeDocument/2006/relationships" xmlns:p="http://schemas.openxmlformats.org/presentationml/2006/main" showMasterSp="0" showMasterPhAnim="0">
   <p:cSld>
     <p:spTree>
@@ -1273,7 +1163,7 @@
 </p:notes>
 </file>
 
-<file path=ppt/notesSlides/notesSlide13.xml><?xml version="1.0" encoding="utf-8"?>
+<file path=ppt/notesSlides/notesSlide12.xml><?xml version="1.0" encoding="utf-8"?>
 <p:notes xmlns:a="http://schemas.openxmlformats.org/drawingml/2006/main" xmlns:r="http://schemas.openxmlformats.org/officeDocument/2006/relationships" xmlns:p="http://schemas.openxmlformats.org/presentationml/2006/main" showMasterSp="0" showMasterPhAnim="0">
   <p:cSld>
     <p:spTree>
@@ -1382,7 +1272,7 @@
 </p:notes>
 </file>
 
-<file path=ppt/notesSlides/notesSlide14.xml><?xml version="1.0" encoding="utf-8"?>
+<file path=ppt/notesSlides/notesSlide13.xml><?xml version="1.0" encoding="utf-8"?>
 <p:notes xmlns:a="http://schemas.openxmlformats.org/drawingml/2006/main" xmlns:r="http://schemas.openxmlformats.org/officeDocument/2006/relationships" xmlns:p="http://schemas.openxmlformats.org/presentationml/2006/main" showMasterSp="0" showMasterPhAnim="0">
   <p:cSld>
     <p:spTree>
@@ -1491,7 +1381,7 @@
 </p:notes>
 </file>
 
-<file path=ppt/notesSlides/notesSlide15.xml><?xml version="1.0" encoding="utf-8"?>
+<file path=ppt/notesSlides/notesSlide14.xml><?xml version="1.0" encoding="utf-8"?>
 <p:notes xmlns:a="http://schemas.openxmlformats.org/drawingml/2006/main" xmlns:r="http://schemas.openxmlformats.org/officeDocument/2006/relationships" xmlns:p="http://schemas.openxmlformats.org/presentationml/2006/main" showMasterSp="0" showMasterPhAnim="0">
   <p:cSld>
     <p:spTree>
@@ -1600,7 +1490,7 @@
 </p:notes>
 </file>
 
-<file path=ppt/notesSlides/notesSlide16.xml><?xml version="1.0" encoding="utf-8"?>
+<file path=ppt/notesSlides/notesSlide15.xml><?xml version="1.0" encoding="utf-8"?>
 <p:notes xmlns:a="http://schemas.openxmlformats.org/drawingml/2006/main" xmlns:r="http://schemas.openxmlformats.org/officeDocument/2006/relationships" xmlns:p="http://schemas.openxmlformats.org/presentationml/2006/main" showMasterSp="0" showMasterPhAnim="0">
   <p:cSld>
     <p:spTree>
@@ -10026,116 +9916,6 @@
   <p:cSld>
     <p:spTree>
       <p:nvGrpSpPr>
-        <p:cNvPr id="1" name="Shape 689"/>
-        <p:cNvGrpSpPr/>
-        <p:nvPr/>
-      </p:nvGrpSpPr>
-      <p:grpSpPr>
-        <a:xfrm>
-          <a:off x="0" y="0"/>
-          <a:ext cx="0" cy="0"/>
-          <a:chOff x="0" y="0"/>
-          <a:chExt cx="0" cy="0"/>
-        </a:xfrm>
-      </p:grpSpPr>
-      <p:pic>
-        <p:nvPicPr>
-          <p:cNvPr id="691" name="Google Shape;691;p34" descr="C:\Users\Omar\Desktop\Mouh\loadinfo.net-(1).png"/>
-          <p:cNvPicPr preferRelativeResize="0"/>
-          <p:nvPr/>
-        </p:nvPicPr>
-        <p:blipFill rotWithShape="1">
-          <a:blip r:embed="rId3">
-            <a:alphaModFix/>
-          </a:blip>
-          <a:srcRect/>
-          <a:stretch/>
-        </p:blipFill>
-        <p:spPr>
-          <a:xfrm>
-            <a:off x="8316912" y="4660900"/>
-            <a:ext cx="785812" cy="482600"/>
-          </a:xfrm>
-          <a:prstGeom prst="rect">
-            <a:avLst/>
-          </a:prstGeom>
-          <a:noFill/>
-          <a:ln>
-            <a:noFill/>
-          </a:ln>
-        </p:spPr>
-      </p:pic>
-      <p:sp>
-        <p:nvSpPr>
-          <p:cNvPr id="692" name="Google Shape;692;p34"/>
-          <p:cNvSpPr txBox="1"/>
-          <p:nvPr/>
-        </p:nvSpPr>
-        <p:spPr>
-          <a:xfrm>
-            <a:off x="8474075" y="4754562"/>
-            <a:ext cx="425450" cy="307975"/>
-          </a:xfrm>
-          <a:prstGeom prst="rect">
-            <a:avLst/>
-          </a:prstGeom>
-          <a:noFill/>
-          <a:ln>
-            <a:noFill/>
-          </a:ln>
-        </p:spPr>
-        <p:txBody>
-          <a:bodyPr spcFirstLastPara="1" wrap="square" lIns="91425" tIns="45700" rIns="91425" bIns="45700" anchor="t" anchorCtr="0">
-            <a:spAutoFit/>
-          </a:bodyPr>
-          <a:lstStyle/>
-          <a:p>
-            <a:pPr marL="0" marR="0" lvl="0" indent="0" algn="l" rtl="0">
-              <a:lnSpc>
-                <a:spcPct val="100000"/>
-              </a:lnSpc>
-              <a:spcBef>
-                <a:spcPts val="0"/>
-              </a:spcBef>
-              <a:spcAft>
-                <a:spcPts val="0"/>
-              </a:spcAft>
-              <a:buClr>
-                <a:srgbClr val="000000"/>
-              </a:buClr>
-              <a:buSzPts val="1400"/>
-              <a:buFont typeface="Arial"/>
-              <a:buNone/>
-            </a:pPr>
-            <a:r>
-              <a:rPr lang="fr-FR" sz="1400" b="1" i="0" u="none">
-                <a:solidFill>
-                  <a:srgbClr val="000000"/>
-                </a:solidFill>
-                <a:latin typeface="Arial"/>
-                <a:ea typeface="Arial"/>
-                <a:cs typeface="Arial"/>
-                <a:sym typeface="Arial"/>
-              </a:rPr>
-              <a:t>34</a:t>
-            </a:r>
-            <a:endParaRPr/>
-          </a:p>
-        </p:txBody>
-      </p:sp>
-    </p:spTree>
-  </p:cSld>
-  <p:clrMapOvr>
-    <a:masterClrMapping/>
-  </p:clrMapOvr>
-</p:sld>
-</file>
-
-<file path=ppt/slides/slide11.xml><?xml version="1.0" encoding="utf-8"?>
-<p:sld xmlns:a="http://schemas.openxmlformats.org/drawingml/2006/main" xmlns:r="http://schemas.openxmlformats.org/officeDocument/2006/relationships" xmlns:p="http://schemas.openxmlformats.org/presentationml/2006/main">
-  <p:cSld>
-    <p:spTree>
-      <p:nvGrpSpPr>
         <p:cNvPr id="1" name="Shape 696"/>
         <p:cNvGrpSpPr/>
         <p:nvPr/>
@@ -17029,7 +16809,7 @@
 </p:sld>
 </file>
 
-<file path=ppt/slides/slide12.xml><?xml version="1.0" encoding="utf-8"?>
+<file path=ppt/slides/slide11.xml><?xml version="1.0" encoding="utf-8"?>
 <p:sld xmlns:a="http://schemas.openxmlformats.org/drawingml/2006/main" xmlns:r="http://schemas.openxmlformats.org/officeDocument/2006/relationships" xmlns:p="http://schemas.openxmlformats.org/presentationml/2006/main">
   <p:cSld>
     <p:spTree>
@@ -17209,7 +16989,7 @@
 </p:sld>
 </file>
 
-<file path=ppt/slides/slide13.xml><?xml version="1.0" encoding="utf-8"?>
+<file path=ppt/slides/slide12.xml><?xml version="1.0" encoding="utf-8"?>
 <p:sld xmlns:a="http://schemas.openxmlformats.org/drawingml/2006/main" xmlns:r="http://schemas.openxmlformats.org/officeDocument/2006/relationships" xmlns:p="http://schemas.openxmlformats.org/presentationml/2006/main">
   <p:cSld>
     <p:spTree>
@@ -17418,7 +17198,7 @@
 </p:sld>
 </file>
 
-<file path=ppt/slides/slide14.xml><?xml version="1.0" encoding="utf-8"?>
+<file path=ppt/slides/slide13.xml><?xml version="1.0" encoding="utf-8"?>
 <p:sld xmlns:a="http://schemas.openxmlformats.org/drawingml/2006/main" xmlns:r="http://schemas.openxmlformats.org/officeDocument/2006/relationships" xmlns:p="http://schemas.openxmlformats.org/presentationml/2006/main">
   <p:cSld>
     <p:spTree>
@@ -17633,7 +17413,7 @@
 </p:sld>
 </file>
 
-<file path=ppt/slides/slide15.xml><?xml version="1.0" encoding="utf-8"?>
+<file path=ppt/slides/slide14.xml><?xml version="1.0" encoding="utf-8"?>
 <p:sld xmlns:a="http://schemas.openxmlformats.org/drawingml/2006/main" xmlns:r="http://schemas.openxmlformats.org/officeDocument/2006/relationships" xmlns:p="http://schemas.openxmlformats.org/presentationml/2006/main">
   <p:cSld>
     <p:spTree>
@@ -17785,7 +17565,7 @@
 </p:sld>
 </file>
 
-<file path=ppt/slides/slide16.xml><?xml version="1.0" encoding="utf-8"?>
+<file path=ppt/slides/slide15.xml><?xml version="1.0" encoding="utf-8"?>
 <p:sld xmlns:a="http://schemas.openxmlformats.org/drawingml/2006/main" xmlns:r="http://schemas.openxmlformats.org/officeDocument/2006/relationships" xmlns:p="http://schemas.openxmlformats.org/presentationml/2006/main">
   <p:cSld>
     <p:spTree>
@@ -31235,7 +31015,7 @@
                 <a:buNone/>
               </a:pPr>
               <a:r>
-                <a:rPr lang="fr-FR" sz="1800" b="1" i="0" u="none">
+                <a:rPr lang="fr-FR" sz="1800" b="1" i="0" u="none" dirty="0">
                   <a:solidFill>
                     <a:srgbClr val="000000"/>
                   </a:solidFill>
@@ -31246,7 +31026,7 @@
                 </a:rPr>
                 <a:t>02</a:t>
               </a:r>
-              <a:endParaRPr/>
+              <a:endParaRPr dirty="0"/>
             </a:p>
           </p:txBody>
         </p:sp>
@@ -31295,8 +31075,8 @@
                 <a:t>t </a:t>
               </a:r>
               <a:r>
-                <a:rPr lang="fr-FR" sz="1800" b="1" dirty="0" smtClean="0"/>
-                <a:t>Motivation</a:t>
+                <a:rPr lang="" sz="1800" b="1" dirty="0" smtClean="0"/>
+                <a:t>Solution</a:t>
               </a:r>
               <a:endParaRPr sz="1800" b="1" i="0" u="none" dirty="0">
                 <a:solidFill>
@@ -51433,7 +51213,7 @@
               <a:t>Notre application mobile « </a:t>
             </a:r>
             <a:r>
-              <a:rPr kumimoji="0" lang="" sz="1800" b="0" i="0" u="none" strike="noStrike" cap="none" normalizeH="0" baseline="0" dirty="0" smtClean="0">
+              <a:rPr kumimoji="0" lang="fr-CA" sz="1800" b="0" i="0" u="none" strike="noStrike" cap="none" normalizeH="0" baseline="0" dirty="0" err="1" smtClean="0">
                 <a:ln>
                   <a:noFill/>
                 </a:ln>
@@ -51443,7 +51223,7 @@
                 <a:effectLst/>
                 <a:latin typeface="Arial" panose="020B0604020202020204" pitchFamily="34" charset="0"/>
               </a:rPr>
-              <a:t>Student</a:t>
+              <a:t>Etudiant</a:t>
             </a:r>
             <a:r>
               <a:rPr kumimoji="0" lang="fr-FR" sz="1800" b="0" i="0" u="none" strike="noStrike" cap="none" normalizeH="0" baseline="0" dirty="0" smtClean="0">
